--- a/00.공부 정리(최종)/12.Spring-Boot/03.인프런_김영한_스프링 입문/01.인프런_깅영한_Spring-Boot.pptx
+++ b/00.공부 정리(최종)/12.Spring-Boot/03.인프런_김영한_스프링 입문/01.인프런_깅영한_Spring-Boot.pptx
@@ -21,6 +21,23 @@
     <p:sldId id="443" r:id="rId15"/>
     <p:sldId id="444" r:id="rId16"/>
     <p:sldId id="445" r:id="rId17"/>
+    <p:sldId id="446" r:id="rId18"/>
+    <p:sldId id="447" r:id="rId19"/>
+    <p:sldId id="448" r:id="rId20"/>
+    <p:sldId id="449" r:id="rId21"/>
+    <p:sldId id="450" r:id="rId22"/>
+    <p:sldId id="451" r:id="rId23"/>
+    <p:sldId id="452" r:id="rId24"/>
+    <p:sldId id="453" r:id="rId25"/>
+    <p:sldId id="454" r:id="rId26"/>
+    <p:sldId id="455" r:id="rId27"/>
+    <p:sldId id="456" r:id="rId28"/>
+    <p:sldId id="457" r:id="rId29"/>
+    <p:sldId id="458" r:id="rId30"/>
+    <p:sldId id="459" r:id="rId31"/>
+    <p:sldId id="460" r:id="rId32"/>
+    <p:sldId id="461" r:id="rId33"/>
+    <p:sldId id="462" r:id="rId34"/>
   </p:sldIdLst>
   <p:sldSz cx="12192000" cy="6858000"/>
   <p:notesSz cx="6858000" cy="9144000"/>
@@ -130,7 +147,7 @@
 <file path=ppt/revisionInfo.xml><?xml version="1.0" encoding="utf-8"?>
 <p1510:revInfo xmlns:a="http://schemas.openxmlformats.org/drawingml/2006/main" xmlns:r="http://schemas.openxmlformats.org/officeDocument/2006/relationships" xmlns:p1510="http://schemas.microsoft.com/office/powerpoint/2015/10/main">
   <p1510:revLst>
-    <p1510:client id="{4DDF83DA-35FB-47D0-9DA1-CC2B22863963}" v="54" dt="2024-01-05T07:43:10.695"/>
+    <p1510:client id="{4DDF83DA-35FB-47D0-9DA1-CC2B22863963}" v="145" dt="2024-01-07T02:30:05.601"/>
   </p1510:revLst>
 </p1510:revInfo>
 </file>
@@ -457,7 +474,7 @@
   <pc:docChgLst>
     <pc:chgData name="범수 김" userId="863329ffd88cf9fc" providerId="LiveId" clId="{4DDF83DA-35FB-47D0-9DA1-CC2B22863963}"/>
     <pc:docChg chg="undo custSel addSld delSld modSld">
-      <pc:chgData name="범수 김" userId="863329ffd88cf9fc" providerId="LiveId" clId="{4DDF83DA-35FB-47D0-9DA1-CC2B22863963}" dt="2024-01-05T07:43:43.467" v="3242" actId="12789"/>
+      <pc:chgData name="범수 김" userId="863329ffd88cf9fc" providerId="LiveId" clId="{4DDF83DA-35FB-47D0-9DA1-CC2B22863963}" dt="2024-01-07T02:30:09.024" v="8146" actId="1076"/>
       <pc:docMkLst>
         <pc:docMk/>
       </pc:docMkLst>
@@ -1009,7 +1026,7 @@
         </pc:picChg>
       </pc:sldChg>
       <pc:sldChg chg="addSp delSp modSp add mod">
-        <pc:chgData name="범수 김" userId="863329ffd88cf9fc" providerId="LiveId" clId="{4DDF83DA-35FB-47D0-9DA1-CC2B22863963}" dt="2024-01-05T07:36:14.847" v="2143" actId="20577"/>
+        <pc:chgData name="범수 김" userId="863329ffd88cf9fc" providerId="LiveId" clId="{4DDF83DA-35FB-47D0-9DA1-CC2B22863963}" dt="2024-01-07T02:02:56.275" v="6001"/>
         <pc:sldMkLst>
           <pc:docMk/>
           <pc:sldMk cId="4190050156" sldId="441"/>
@@ -1054,6 +1071,14 @@
             <ac:grpSpMk id="16" creationId="{8F79A1EB-D893-CF80-4A0B-8F524773A200}"/>
           </ac:grpSpMkLst>
         </pc:grpChg>
+        <pc:picChg chg="add del mod">
+          <ac:chgData name="범수 김" userId="863329ffd88cf9fc" providerId="LiveId" clId="{4DDF83DA-35FB-47D0-9DA1-CC2B22863963}" dt="2024-01-07T02:02:56.275" v="6001"/>
+          <ac:picMkLst>
+            <pc:docMk/>
+            <pc:sldMk cId="4190050156" sldId="441"/>
+            <ac:picMk id="2" creationId="{D51B1B18-FDFA-BB78-3012-38DD56BFC55E}"/>
+          </ac:picMkLst>
+        </pc:picChg>
         <pc:picChg chg="add mod">
           <ac:chgData name="범수 김" userId="863329ffd88cf9fc" providerId="LiveId" clId="{4DDF83DA-35FB-47D0-9DA1-CC2B22863963}" dt="2024-01-05T07:35:36.716" v="2091" actId="164"/>
           <ac:picMkLst>
@@ -1258,6 +1283,829 @@
             <ac:spMk id="5" creationId="{A389414F-66B7-1262-7F78-D45BD7660CF6}"/>
           </ac:spMkLst>
         </pc:spChg>
+      </pc:sldChg>
+      <pc:sldChg chg="addSp delSp modSp add del mod">
+        <pc:chgData name="범수 김" userId="863329ffd88cf9fc" providerId="LiveId" clId="{4DDF83DA-35FB-47D0-9DA1-CC2B22863963}" dt="2024-01-07T01:24:14.525" v="3471" actId="478"/>
+        <pc:sldMkLst>
+          <pc:docMk/>
+          <pc:sldMk cId="3994983760" sldId="446"/>
+        </pc:sldMkLst>
+        <pc:spChg chg="mod">
+          <ac:chgData name="범수 김" userId="863329ffd88cf9fc" providerId="LiveId" clId="{4DDF83DA-35FB-47D0-9DA1-CC2B22863963}" dt="2024-01-07T01:22:16.807" v="3328" actId="20577"/>
+          <ac:spMkLst>
+            <pc:docMk/>
+            <pc:sldMk cId="3994983760" sldId="446"/>
+            <ac:spMk id="5" creationId="{A389414F-66B7-1262-7F78-D45BD7660CF6}"/>
+          </ac:spMkLst>
+        </pc:spChg>
+        <pc:spChg chg="mod">
+          <ac:chgData name="범수 김" userId="863329ffd88cf9fc" providerId="LiveId" clId="{4DDF83DA-35FB-47D0-9DA1-CC2B22863963}" dt="2024-01-07T01:22:25.963" v="3329"/>
+          <ac:spMkLst>
+            <pc:docMk/>
+            <pc:sldMk cId="3994983760" sldId="446"/>
+            <ac:spMk id="6" creationId="{38A1F5A8-079A-FA61-6DB2-0B05FD4E36C4}"/>
+          </ac:spMkLst>
+        </pc:spChg>
+        <pc:spChg chg="mod">
+          <ac:chgData name="범수 김" userId="863329ffd88cf9fc" providerId="LiveId" clId="{4DDF83DA-35FB-47D0-9DA1-CC2B22863963}" dt="2024-01-07T01:22:25.963" v="3329"/>
+          <ac:spMkLst>
+            <pc:docMk/>
+            <pc:sldMk cId="3994983760" sldId="446"/>
+            <ac:spMk id="8" creationId="{EACE9533-3521-2F87-87CA-4F914FF2140B}"/>
+          </ac:spMkLst>
+        </pc:spChg>
+        <pc:spChg chg="mod">
+          <ac:chgData name="범수 김" userId="863329ffd88cf9fc" providerId="LiveId" clId="{4DDF83DA-35FB-47D0-9DA1-CC2B22863963}" dt="2024-01-07T01:22:25.963" v="3329"/>
+          <ac:spMkLst>
+            <pc:docMk/>
+            <pc:sldMk cId="3994983760" sldId="446"/>
+            <ac:spMk id="9" creationId="{7B606612-3A15-E13B-A60C-724186D99552}"/>
+          </ac:spMkLst>
+        </pc:spChg>
+        <pc:spChg chg="mod">
+          <ac:chgData name="범수 김" userId="863329ffd88cf9fc" providerId="LiveId" clId="{4DDF83DA-35FB-47D0-9DA1-CC2B22863963}" dt="2024-01-07T01:22:25.963" v="3329"/>
+          <ac:spMkLst>
+            <pc:docMk/>
+            <pc:sldMk cId="3994983760" sldId="446"/>
+            <ac:spMk id="10" creationId="{809EF17C-0431-9767-4AEC-E823CF00B449}"/>
+          </ac:spMkLst>
+        </pc:spChg>
+        <pc:grpChg chg="add del mod">
+          <ac:chgData name="범수 김" userId="863329ffd88cf9fc" providerId="LiveId" clId="{4DDF83DA-35FB-47D0-9DA1-CC2B22863963}" dt="2024-01-07T01:24:14.525" v="3471" actId="478"/>
+          <ac:grpSpMkLst>
+            <pc:docMk/>
+            <pc:sldMk cId="3994983760" sldId="446"/>
+            <ac:grpSpMk id="2" creationId="{2206BD67-30D5-4440-F5CD-DA6B7C3E4EAB}"/>
+          </ac:grpSpMkLst>
+        </pc:grpChg>
+        <pc:grpChg chg="mod">
+          <ac:chgData name="범수 김" userId="863329ffd88cf9fc" providerId="LiveId" clId="{4DDF83DA-35FB-47D0-9DA1-CC2B22863963}" dt="2024-01-07T01:22:25.963" v="3329"/>
+          <ac:grpSpMkLst>
+            <pc:docMk/>
+            <pc:sldMk cId="3994983760" sldId="446"/>
+            <ac:grpSpMk id="3" creationId="{DF3FE269-434E-40CC-C1AC-10DB05033691}"/>
+          </ac:grpSpMkLst>
+        </pc:grpChg>
+        <pc:picChg chg="mod">
+          <ac:chgData name="범수 김" userId="863329ffd88cf9fc" providerId="LiveId" clId="{4DDF83DA-35FB-47D0-9DA1-CC2B22863963}" dt="2024-01-07T01:22:25.963" v="3329"/>
+          <ac:picMkLst>
+            <pc:docMk/>
+            <pc:sldMk cId="3994983760" sldId="446"/>
+            <ac:picMk id="4" creationId="{DD63FAAD-E6CC-D7B8-CA72-31DFD575F22E}"/>
+          </ac:picMkLst>
+        </pc:picChg>
+        <pc:picChg chg="mod">
+          <ac:chgData name="범수 김" userId="863329ffd88cf9fc" providerId="LiveId" clId="{4DDF83DA-35FB-47D0-9DA1-CC2B22863963}" dt="2024-01-07T01:22:25.963" v="3329"/>
+          <ac:picMkLst>
+            <pc:docMk/>
+            <pc:sldMk cId="3994983760" sldId="446"/>
+            <ac:picMk id="7" creationId="{BBE4E70E-44D2-638B-C417-819177019DC3}"/>
+          </ac:picMkLst>
+        </pc:picChg>
+      </pc:sldChg>
+      <pc:sldChg chg="addSp delSp modSp add mod">
+        <pc:chgData name="범수 김" userId="863329ffd88cf9fc" providerId="LiveId" clId="{4DDF83DA-35FB-47D0-9DA1-CC2B22863963}" dt="2024-01-07T01:23:00.311" v="3468" actId="208"/>
+        <pc:sldMkLst>
+          <pc:docMk/>
+          <pc:sldMk cId="1804355314" sldId="447"/>
+        </pc:sldMkLst>
+        <pc:spChg chg="mod">
+          <ac:chgData name="범수 김" userId="863329ffd88cf9fc" providerId="LiveId" clId="{4DDF83DA-35FB-47D0-9DA1-CC2B22863963}" dt="2024-01-07T01:22:35.426" v="3339" actId="1076"/>
+          <ac:spMkLst>
+            <pc:docMk/>
+            <pc:sldMk cId="1804355314" sldId="447"/>
+            <ac:spMk id="5" creationId="{A389414F-66B7-1262-7F78-D45BD7660CF6}"/>
+          </ac:spMkLst>
+        </pc:spChg>
+        <pc:spChg chg="del topLvl">
+          <ac:chgData name="범수 김" userId="863329ffd88cf9fc" providerId="LiveId" clId="{4DDF83DA-35FB-47D0-9DA1-CC2B22863963}" dt="2024-01-07T01:22:41.487" v="3344" actId="478"/>
+          <ac:spMkLst>
+            <pc:docMk/>
+            <pc:sldMk cId="1804355314" sldId="447"/>
+            <ac:spMk id="6" creationId="{38A1F5A8-079A-FA61-6DB2-0B05FD4E36C4}"/>
+          </ac:spMkLst>
+        </pc:spChg>
+        <pc:spChg chg="del">
+          <ac:chgData name="범수 김" userId="863329ffd88cf9fc" providerId="LiveId" clId="{4DDF83DA-35FB-47D0-9DA1-CC2B22863963}" dt="2024-01-07T01:22:38.236" v="3341" actId="478"/>
+          <ac:spMkLst>
+            <pc:docMk/>
+            <pc:sldMk cId="1804355314" sldId="447"/>
+            <ac:spMk id="9" creationId="{7B606612-3A15-E13B-A60C-724186D99552}"/>
+          </ac:spMkLst>
+        </pc:spChg>
+        <pc:spChg chg="del">
+          <ac:chgData name="범수 김" userId="863329ffd88cf9fc" providerId="LiveId" clId="{4DDF83DA-35FB-47D0-9DA1-CC2B22863963}" dt="2024-01-07T01:22:39.551" v="3342" actId="478"/>
+          <ac:spMkLst>
+            <pc:docMk/>
+            <pc:sldMk cId="1804355314" sldId="447"/>
+            <ac:spMk id="10" creationId="{809EF17C-0431-9767-4AEC-E823CF00B449}"/>
+          </ac:spMkLst>
+        </pc:spChg>
+        <pc:spChg chg="add mod">
+          <ac:chgData name="범수 김" userId="863329ffd88cf9fc" providerId="LiveId" clId="{4DDF83DA-35FB-47D0-9DA1-CC2B22863963}" dt="2024-01-07T01:23:00.311" v="3468" actId="208"/>
+          <ac:spMkLst>
+            <pc:docMk/>
+            <pc:sldMk cId="1804355314" sldId="447"/>
+            <ac:spMk id="11" creationId="{87A85533-C93C-E385-9CB9-0456FAECFCF1}"/>
+          </ac:spMkLst>
+        </pc:spChg>
+        <pc:grpChg chg="del mod">
+          <ac:chgData name="범수 김" userId="863329ffd88cf9fc" providerId="LiveId" clId="{4DDF83DA-35FB-47D0-9DA1-CC2B22863963}" dt="2024-01-07T01:22:41.487" v="3344" actId="478"/>
+          <ac:grpSpMkLst>
+            <pc:docMk/>
+            <pc:sldMk cId="1804355314" sldId="447"/>
+            <ac:grpSpMk id="2" creationId="{2206BD67-30D5-4440-F5CD-DA6B7C3E4EAB}"/>
+          </ac:grpSpMkLst>
+        </pc:grpChg>
+        <pc:grpChg chg="topLvl">
+          <ac:chgData name="범수 김" userId="863329ffd88cf9fc" providerId="LiveId" clId="{4DDF83DA-35FB-47D0-9DA1-CC2B22863963}" dt="2024-01-07T01:22:41.487" v="3344" actId="478"/>
+          <ac:grpSpMkLst>
+            <pc:docMk/>
+            <pc:sldMk cId="1804355314" sldId="447"/>
+            <ac:grpSpMk id="3" creationId="{DF3FE269-434E-40CC-C1AC-10DB05033691}"/>
+          </ac:grpSpMkLst>
+        </pc:grpChg>
+        <pc:picChg chg="del">
+          <ac:chgData name="범수 김" userId="863329ffd88cf9fc" providerId="LiveId" clId="{4DDF83DA-35FB-47D0-9DA1-CC2B22863963}" dt="2024-01-07T01:22:40.595" v="3343" actId="478"/>
+          <ac:picMkLst>
+            <pc:docMk/>
+            <pc:sldMk cId="1804355314" sldId="447"/>
+            <ac:picMk id="4" creationId="{DD63FAAD-E6CC-D7B8-CA72-31DFD575F22E}"/>
+          </ac:picMkLst>
+        </pc:picChg>
+      </pc:sldChg>
+      <pc:sldChg chg="modSp add mod">
+        <pc:chgData name="범수 김" userId="863329ffd88cf9fc" providerId="LiveId" clId="{4DDF83DA-35FB-47D0-9DA1-CC2B22863963}" dt="2024-01-07T01:24:36.857" v="3523" actId="12789"/>
+        <pc:sldMkLst>
+          <pc:docMk/>
+          <pc:sldMk cId="3411651752" sldId="448"/>
+        </pc:sldMkLst>
+        <pc:spChg chg="mod">
+          <ac:chgData name="범수 김" userId="863329ffd88cf9fc" providerId="LiveId" clId="{4DDF83DA-35FB-47D0-9DA1-CC2B22863963}" dt="2024-01-07T01:24:36.857" v="3523" actId="12789"/>
+          <ac:spMkLst>
+            <pc:docMk/>
+            <pc:sldMk cId="3411651752" sldId="448"/>
+            <ac:spMk id="5" creationId="{A389414F-66B7-1262-7F78-D45BD7660CF6}"/>
+          </ac:spMkLst>
+        </pc:spChg>
+      </pc:sldChg>
+      <pc:sldChg chg="addSp modSp add mod">
+        <pc:chgData name="범수 김" userId="863329ffd88cf9fc" providerId="LiveId" clId="{4DDF83DA-35FB-47D0-9DA1-CC2B22863963}" dt="2024-01-07T01:47:55.579" v="4628" actId="404"/>
+        <pc:sldMkLst>
+          <pc:docMk/>
+          <pc:sldMk cId="2928569967" sldId="449"/>
+        </pc:sldMkLst>
+        <pc:spChg chg="add mod">
+          <ac:chgData name="범수 김" userId="863329ffd88cf9fc" providerId="LiveId" clId="{4DDF83DA-35FB-47D0-9DA1-CC2B22863963}" dt="2024-01-07T01:47:55.579" v="4628" actId="404"/>
+          <ac:spMkLst>
+            <pc:docMk/>
+            <pc:sldMk cId="2928569967" sldId="449"/>
+            <ac:spMk id="2" creationId="{9015CA05-E303-FC9C-F06C-2B07EC60C0CD}"/>
+          </ac:spMkLst>
+        </pc:spChg>
+        <pc:spChg chg="mod">
+          <ac:chgData name="범수 김" userId="863329ffd88cf9fc" providerId="LiveId" clId="{4DDF83DA-35FB-47D0-9DA1-CC2B22863963}" dt="2024-01-07T01:24:42.435" v="3530" actId="1076"/>
+          <ac:spMkLst>
+            <pc:docMk/>
+            <pc:sldMk cId="2928569967" sldId="449"/>
+            <ac:spMk id="5" creationId="{A389414F-66B7-1262-7F78-D45BD7660CF6}"/>
+          </ac:spMkLst>
+        </pc:spChg>
+      </pc:sldChg>
+      <pc:sldChg chg="modSp add mod">
+        <pc:chgData name="범수 김" userId="863329ffd88cf9fc" providerId="LiveId" clId="{4DDF83DA-35FB-47D0-9DA1-CC2B22863963}" dt="2024-01-07T01:54:24.293" v="4737" actId="12789"/>
+        <pc:sldMkLst>
+          <pc:docMk/>
+          <pc:sldMk cId="3819589001" sldId="450"/>
+        </pc:sldMkLst>
+        <pc:spChg chg="mod">
+          <ac:chgData name="범수 김" userId="863329ffd88cf9fc" providerId="LiveId" clId="{4DDF83DA-35FB-47D0-9DA1-CC2B22863963}" dt="2024-01-07T01:54:24.293" v="4737" actId="12789"/>
+          <ac:spMkLst>
+            <pc:docMk/>
+            <pc:sldMk cId="3819589001" sldId="450"/>
+            <ac:spMk id="5" creationId="{A389414F-66B7-1262-7F78-D45BD7660CF6}"/>
+          </ac:spMkLst>
+        </pc:spChg>
+      </pc:sldChg>
+      <pc:sldChg chg="addSp modSp add mod">
+        <pc:chgData name="범수 김" userId="863329ffd88cf9fc" providerId="LiveId" clId="{4DDF83DA-35FB-47D0-9DA1-CC2B22863963}" dt="2024-01-07T01:58:19.459" v="5308" actId="113"/>
+        <pc:sldMkLst>
+          <pc:docMk/>
+          <pc:sldMk cId="2148710964" sldId="451"/>
+        </pc:sldMkLst>
+        <pc:spChg chg="add mod">
+          <ac:chgData name="범수 김" userId="863329ffd88cf9fc" providerId="LiveId" clId="{4DDF83DA-35FB-47D0-9DA1-CC2B22863963}" dt="2024-01-07T01:58:19.459" v="5308" actId="113"/>
+          <ac:spMkLst>
+            <pc:docMk/>
+            <pc:sldMk cId="2148710964" sldId="451"/>
+            <ac:spMk id="2" creationId="{3E7B5018-2E4F-28D6-5FF4-AEB6F86F7563}"/>
+          </ac:spMkLst>
+        </pc:spChg>
+        <pc:spChg chg="mod">
+          <ac:chgData name="범수 김" userId="863329ffd88cf9fc" providerId="LiveId" clId="{4DDF83DA-35FB-47D0-9DA1-CC2B22863963}" dt="2024-01-07T01:54:33.945" v="4745" actId="1076"/>
+          <ac:spMkLst>
+            <pc:docMk/>
+            <pc:sldMk cId="2148710964" sldId="451"/>
+            <ac:spMk id="5" creationId="{A389414F-66B7-1262-7F78-D45BD7660CF6}"/>
+          </ac:spMkLst>
+        </pc:spChg>
+      </pc:sldChg>
+      <pc:sldChg chg="modSp add mod">
+        <pc:chgData name="범수 김" userId="863329ffd88cf9fc" providerId="LiveId" clId="{4DDF83DA-35FB-47D0-9DA1-CC2B22863963}" dt="2024-01-07T01:59:28.098" v="5355"/>
+        <pc:sldMkLst>
+          <pc:docMk/>
+          <pc:sldMk cId="617740012" sldId="452"/>
+        </pc:sldMkLst>
+        <pc:spChg chg="mod">
+          <ac:chgData name="범수 김" userId="863329ffd88cf9fc" providerId="LiveId" clId="{4DDF83DA-35FB-47D0-9DA1-CC2B22863963}" dt="2024-01-07T01:59:28.098" v="5355"/>
+          <ac:spMkLst>
+            <pc:docMk/>
+            <pc:sldMk cId="617740012" sldId="452"/>
+            <ac:spMk id="5" creationId="{A389414F-66B7-1262-7F78-D45BD7660CF6}"/>
+          </ac:spMkLst>
+        </pc:spChg>
+      </pc:sldChg>
+      <pc:sldChg chg="addSp modSp add mod">
+        <pc:chgData name="범수 김" userId="863329ffd88cf9fc" providerId="LiveId" clId="{4DDF83DA-35FB-47D0-9DA1-CC2B22863963}" dt="2024-01-07T02:00:40.543" v="5614" actId="208"/>
+        <pc:sldMkLst>
+          <pc:docMk/>
+          <pc:sldMk cId="65502167" sldId="453"/>
+        </pc:sldMkLst>
+        <pc:spChg chg="add mod">
+          <ac:chgData name="범수 김" userId="863329ffd88cf9fc" providerId="LiveId" clId="{4DDF83DA-35FB-47D0-9DA1-CC2B22863963}" dt="2024-01-07T02:00:40.543" v="5614" actId="208"/>
+          <ac:spMkLst>
+            <pc:docMk/>
+            <pc:sldMk cId="65502167" sldId="453"/>
+            <ac:spMk id="2" creationId="{553BBF41-8E2B-D292-A28A-D43E28A5B4F1}"/>
+          </ac:spMkLst>
+        </pc:spChg>
+        <pc:spChg chg="mod">
+          <ac:chgData name="범수 김" userId="863329ffd88cf9fc" providerId="LiveId" clId="{4DDF83DA-35FB-47D0-9DA1-CC2B22863963}" dt="2024-01-07T01:59:37.764" v="5362" actId="1076"/>
+          <ac:spMkLst>
+            <pc:docMk/>
+            <pc:sldMk cId="65502167" sldId="453"/>
+            <ac:spMk id="5" creationId="{A389414F-66B7-1262-7F78-D45BD7660CF6}"/>
+          </ac:spMkLst>
+        </pc:spChg>
+      </pc:sldChg>
+      <pc:sldChg chg="modSp add mod">
+        <pc:chgData name="범수 김" userId="863329ffd88cf9fc" providerId="LiveId" clId="{4DDF83DA-35FB-47D0-9DA1-CC2B22863963}" dt="2024-01-07T02:01:27.088" v="5643" actId="12789"/>
+        <pc:sldMkLst>
+          <pc:docMk/>
+          <pc:sldMk cId="4174628910" sldId="454"/>
+        </pc:sldMkLst>
+        <pc:spChg chg="mod">
+          <ac:chgData name="범수 김" userId="863329ffd88cf9fc" providerId="LiveId" clId="{4DDF83DA-35FB-47D0-9DA1-CC2B22863963}" dt="2024-01-07T02:01:27.088" v="5643" actId="12789"/>
+          <ac:spMkLst>
+            <pc:docMk/>
+            <pc:sldMk cId="4174628910" sldId="454"/>
+            <ac:spMk id="5" creationId="{A389414F-66B7-1262-7F78-D45BD7660CF6}"/>
+          </ac:spMkLst>
+        </pc:spChg>
+      </pc:sldChg>
+      <pc:sldChg chg="addSp delSp modSp add mod">
+        <pc:chgData name="범수 김" userId="863329ffd88cf9fc" providerId="LiveId" clId="{4DDF83DA-35FB-47D0-9DA1-CC2B22863963}" dt="2024-01-07T02:04:06.438" v="6010" actId="478"/>
+        <pc:sldMkLst>
+          <pc:docMk/>
+          <pc:sldMk cId="1978313846" sldId="455"/>
+        </pc:sldMkLst>
+        <pc:spChg chg="add mod">
+          <ac:chgData name="범수 김" userId="863329ffd88cf9fc" providerId="LiveId" clId="{4DDF83DA-35FB-47D0-9DA1-CC2B22863963}" dt="2024-01-07T02:02:34.916" v="5995" actId="208"/>
+          <ac:spMkLst>
+            <pc:docMk/>
+            <pc:sldMk cId="1978313846" sldId="455"/>
+            <ac:spMk id="2" creationId="{E7B711CB-C42A-9956-0480-3F34AE9FA20E}"/>
+          </ac:spMkLst>
+        </pc:spChg>
+        <pc:spChg chg="mod">
+          <ac:chgData name="범수 김" userId="863329ffd88cf9fc" providerId="LiveId" clId="{4DDF83DA-35FB-47D0-9DA1-CC2B22863963}" dt="2024-01-07T02:01:33.749" v="5651" actId="1076"/>
+          <ac:spMkLst>
+            <pc:docMk/>
+            <pc:sldMk cId="1978313846" sldId="455"/>
+            <ac:spMk id="5" creationId="{A389414F-66B7-1262-7F78-D45BD7660CF6}"/>
+          </ac:spMkLst>
+        </pc:spChg>
+        <pc:spChg chg="add mod">
+          <ac:chgData name="범수 김" userId="863329ffd88cf9fc" providerId="LiveId" clId="{4DDF83DA-35FB-47D0-9DA1-CC2B22863963}" dt="2024-01-07T02:03:04.480" v="6005" actId="164"/>
+          <ac:spMkLst>
+            <pc:docMk/>
+            <pc:sldMk cId="1978313846" sldId="455"/>
+            <ac:spMk id="6" creationId="{EB5E646B-7EA6-FF26-75FA-0C2123D65276}"/>
+          </ac:spMkLst>
+        </pc:spChg>
+        <pc:grpChg chg="add del mod">
+          <ac:chgData name="범수 김" userId="863329ffd88cf9fc" providerId="LiveId" clId="{4DDF83DA-35FB-47D0-9DA1-CC2B22863963}" dt="2024-01-07T02:04:06.438" v="6010" actId="478"/>
+          <ac:grpSpMkLst>
+            <pc:docMk/>
+            <pc:sldMk cId="1978313846" sldId="455"/>
+            <ac:grpSpMk id="7" creationId="{3CD3468B-AEA6-8B82-83B0-BAB7D59B7851}"/>
+          </ac:grpSpMkLst>
+        </pc:grpChg>
+        <pc:picChg chg="add mod">
+          <ac:chgData name="범수 김" userId="863329ffd88cf9fc" providerId="LiveId" clId="{4DDF83DA-35FB-47D0-9DA1-CC2B22863963}" dt="2024-01-07T02:03:04.480" v="6005" actId="164"/>
+          <ac:picMkLst>
+            <pc:docMk/>
+            <pc:sldMk cId="1978313846" sldId="455"/>
+            <ac:picMk id="3" creationId="{0FBB7305-7F25-5BAB-F58A-271F7100A5F8}"/>
+          </ac:picMkLst>
+        </pc:picChg>
+        <pc:picChg chg="add del mod">
+          <ac:chgData name="범수 김" userId="863329ffd88cf9fc" providerId="LiveId" clId="{4DDF83DA-35FB-47D0-9DA1-CC2B22863963}" dt="2024-01-07T02:02:52.114" v="5999"/>
+          <ac:picMkLst>
+            <pc:docMk/>
+            <pc:sldMk cId="1978313846" sldId="455"/>
+            <ac:picMk id="4" creationId="{12F60FCB-5C7E-1E67-6CFE-1EAEB123A2BA}"/>
+          </ac:picMkLst>
+        </pc:picChg>
+        <pc:picChg chg="add del">
+          <ac:chgData name="범수 김" userId="863329ffd88cf9fc" providerId="LiveId" clId="{4DDF83DA-35FB-47D0-9DA1-CC2B22863963}" dt="2024-01-07T02:04:04.736" v="6008" actId="478"/>
+          <ac:picMkLst>
+            <pc:docMk/>
+            <pc:sldMk cId="1978313846" sldId="455"/>
+            <ac:picMk id="9" creationId="{63649B51-9165-5158-B0B1-819A802E132C}"/>
+          </ac:picMkLst>
+        </pc:picChg>
+      </pc:sldChg>
+      <pc:sldChg chg="addSp delSp modSp add mod">
+        <pc:chgData name="범수 김" userId="863329ffd88cf9fc" providerId="LiveId" clId="{4DDF83DA-35FB-47D0-9DA1-CC2B22863963}" dt="2024-01-07T02:08:15.554" v="6621" actId="22"/>
+        <pc:sldMkLst>
+          <pc:docMk/>
+          <pc:sldMk cId="1125494946" sldId="456"/>
+        </pc:sldMkLst>
+        <pc:spChg chg="mod">
+          <ac:chgData name="범수 김" userId="863329ffd88cf9fc" providerId="LiveId" clId="{4DDF83DA-35FB-47D0-9DA1-CC2B22863963}" dt="2024-01-07T02:07:27.017" v="6615" actId="1076"/>
+          <ac:spMkLst>
+            <pc:docMk/>
+            <pc:sldMk cId="1125494946" sldId="456"/>
+            <ac:spMk id="2" creationId="{E7B711CB-C42A-9956-0480-3F34AE9FA20E}"/>
+          </ac:spMkLst>
+        </pc:spChg>
+        <pc:spChg chg="add mod">
+          <ac:chgData name="범수 김" userId="863329ffd88cf9fc" providerId="LiveId" clId="{4DDF83DA-35FB-47D0-9DA1-CC2B22863963}" dt="2024-01-07T02:04:27.684" v="6022" actId="164"/>
+          <ac:spMkLst>
+            <pc:docMk/>
+            <pc:sldMk cId="1125494946" sldId="456"/>
+            <ac:spMk id="4" creationId="{A71AC641-3293-FAAD-233A-98E0805CECBB}"/>
+          </ac:spMkLst>
+        </pc:spChg>
+        <pc:spChg chg="del topLvl">
+          <ac:chgData name="범수 김" userId="863329ffd88cf9fc" providerId="LiveId" clId="{4DDF83DA-35FB-47D0-9DA1-CC2B22863963}" dt="2024-01-07T02:04:10.205" v="6011" actId="21"/>
+          <ac:spMkLst>
+            <pc:docMk/>
+            <pc:sldMk cId="1125494946" sldId="456"/>
+            <ac:spMk id="6" creationId="{EB5E646B-7EA6-FF26-75FA-0C2123D65276}"/>
+          </ac:spMkLst>
+        </pc:spChg>
+        <pc:spChg chg="add mod">
+          <ac:chgData name="범수 김" userId="863329ffd88cf9fc" providerId="LiveId" clId="{4DDF83DA-35FB-47D0-9DA1-CC2B22863963}" dt="2024-01-07T02:04:27.684" v="6022" actId="164"/>
+          <ac:spMkLst>
+            <pc:docMk/>
+            <pc:sldMk cId="1125494946" sldId="456"/>
+            <ac:spMk id="8" creationId="{C4974659-F64F-8542-9657-6E59D798C109}"/>
+          </ac:spMkLst>
+        </pc:spChg>
+        <pc:spChg chg="add mod">
+          <ac:chgData name="범수 김" userId="863329ffd88cf9fc" providerId="LiveId" clId="{4DDF83DA-35FB-47D0-9DA1-CC2B22863963}" dt="2024-01-07T02:04:27.684" v="6022" actId="164"/>
+          <ac:spMkLst>
+            <pc:docMk/>
+            <pc:sldMk cId="1125494946" sldId="456"/>
+            <ac:spMk id="10" creationId="{D1321AC4-472A-5C73-F339-EA6383CA0173}"/>
+          </ac:spMkLst>
+        </pc:spChg>
+        <pc:spChg chg="add mod">
+          <ac:chgData name="범수 김" userId="863329ffd88cf9fc" providerId="LiveId" clId="{4DDF83DA-35FB-47D0-9DA1-CC2B22863963}" dt="2024-01-07T02:06:02.623" v="6168" actId="164"/>
+          <ac:spMkLst>
+            <pc:docMk/>
+            <pc:sldMk cId="1125494946" sldId="456"/>
+            <ac:spMk id="14" creationId="{60707540-A41C-025C-4DE8-45520E0C5104}"/>
+          </ac:spMkLst>
+        </pc:spChg>
+        <pc:spChg chg="add mod">
+          <ac:chgData name="범수 김" userId="863329ffd88cf9fc" providerId="LiveId" clId="{4DDF83DA-35FB-47D0-9DA1-CC2B22863963}" dt="2024-01-07T02:06:02.623" v="6168" actId="164"/>
+          <ac:spMkLst>
+            <pc:docMk/>
+            <pc:sldMk cId="1125494946" sldId="456"/>
+            <ac:spMk id="15" creationId="{C6624383-27CB-8C97-FB18-5AE46C5D6B5C}"/>
+          </ac:spMkLst>
+        </pc:spChg>
+        <pc:spChg chg="add mod">
+          <ac:chgData name="범수 김" userId="863329ffd88cf9fc" providerId="LiveId" clId="{4DDF83DA-35FB-47D0-9DA1-CC2B22863963}" dt="2024-01-07T02:06:02.623" v="6168" actId="164"/>
+          <ac:spMkLst>
+            <pc:docMk/>
+            <pc:sldMk cId="1125494946" sldId="456"/>
+            <ac:spMk id="18" creationId="{1525F480-7DCB-DCD6-AFE8-106D430C70A9}"/>
+          </ac:spMkLst>
+        </pc:spChg>
+        <pc:spChg chg="add mod">
+          <ac:chgData name="범수 김" userId="863329ffd88cf9fc" providerId="LiveId" clId="{4DDF83DA-35FB-47D0-9DA1-CC2B22863963}" dt="2024-01-07T02:06:02.623" v="6168" actId="164"/>
+          <ac:spMkLst>
+            <pc:docMk/>
+            <pc:sldMk cId="1125494946" sldId="456"/>
+            <ac:spMk id="19" creationId="{18B5E787-E203-87F7-A654-6419E95F300E}"/>
+          </ac:spMkLst>
+        </pc:spChg>
+        <pc:spChg chg="add mod">
+          <ac:chgData name="범수 김" userId="863329ffd88cf9fc" providerId="LiveId" clId="{4DDF83DA-35FB-47D0-9DA1-CC2B22863963}" dt="2024-01-07T02:07:42.390" v="6620" actId="20577"/>
+          <ac:spMkLst>
+            <pc:docMk/>
+            <pc:sldMk cId="1125494946" sldId="456"/>
+            <ac:spMk id="22" creationId="{0BE49CE5-501A-517D-2F96-5B6D91163A1E}"/>
+          </ac:spMkLst>
+        </pc:spChg>
+        <pc:grpChg chg="del">
+          <ac:chgData name="범수 김" userId="863329ffd88cf9fc" providerId="LiveId" clId="{4DDF83DA-35FB-47D0-9DA1-CC2B22863963}" dt="2024-01-07T02:04:10.205" v="6011" actId="21"/>
+          <ac:grpSpMkLst>
+            <pc:docMk/>
+            <pc:sldMk cId="1125494946" sldId="456"/>
+            <ac:grpSpMk id="7" creationId="{3CD3468B-AEA6-8B82-83B0-BAB7D59B7851}"/>
+          </ac:grpSpMkLst>
+        </pc:grpChg>
+        <pc:grpChg chg="add mod">
+          <ac:chgData name="범수 김" userId="863329ffd88cf9fc" providerId="LiveId" clId="{4DDF83DA-35FB-47D0-9DA1-CC2B22863963}" dt="2024-01-07T02:06:02.623" v="6168" actId="164"/>
+          <ac:grpSpMkLst>
+            <pc:docMk/>
+            <pc:sldMk cId="1125494946" sldId="456"/>
+            <ac:grpSpMk id="11" creationId="{322CDAEC-6E0D-3295-BCE5-56BB7609E2E6}"/>
+          </ac:grpSpMkLst>
+        </pc:grpChg>
+        <pc:grpChg chg="add mod">
+          <ac:chgData name="범수 김" userId="863329ffd88cf9fc" providerId="LiveId" clId="{4DDF83DA-35FB-47D0-9DA1-CC2B22863963}" dt="2024-01-07T02:06:03.432" v="6169" actId="164"/>
+          <ac:grpSpMkLst>
+            <pc:docMk/>
+            <pc:sldMk cId="1125494946" sldId="456"/>
+            <ac:grpSpMk id="20" creationId="{5E1FB2E3-60DD-DC04-DC76-75A6C41907F3}"/>
+          </ac:grpSpMkLst>
+        </pc:grpChg>
+        <pc:grpChg chg="add mod">
+          <ac:chgData name="범수 김" userId="863329ffd88cf9fc" providerId="LiveId" clId="{4DDF83DA-35FB-47D0-9DA1-CC2B22863963}" dt="2024-01-07T02:06:03.432" v="6169" actId="164"/>
+          <ac:grpSpMkLst>
+            <pc:docMk/>
+            <pc:sldMk cId="1125494946" sldId="456"/>
+            <ac:grpSpMk id="21" creationId="{92F5FA67-1090-BFB1-4C2E-FB30FB4DBAB7}"/>
+          </ac:grpSpMkLst>
+        </pc:grpChg>
+        <pc:picChg chg="del topLvl">
+          <ac:chgData name="범수 김" userId="863329ffd88cf9fc" providerId="LiveId" clId="{4DDF83DA-35FB-47D0-9DA1-CC2B22863963}" dt="2024-01-07T02:04:11.303" v="6013" actId="478"/>
+          <ac:picMkLst>
+            <pc:docMk/>
+            <pc:sldMk cId="1125494946" sldId="456"/>
+            <ac:picMk id="3" creationId="{0FBB7305-7F25-5BAB-F58A-271F7100A5F8}"/>
+          </ac:picMkLst>
+        </pc:picChg>
+        <pc:picChg chg="mod">
+          <ac:chgData name="범수 김" userId="863329ffd88cf9fc" providerId="LiveId" clId="{4DDF83DA-35FB-47D0-9DA1-CC2B22863963}" dt="2024-01-07T02:04:27.684" v="6022" actId="164"/>
+          <ac:picMkLst>
+            <pc:docMk/>
+            <pc:sldMk cId="1125494946" sldId="456"/>
+            <ac:picMk id="9" creationId="{63649B51-9165-5158-B0B1-819A802E132C}"/>
+          </ac:picMkLst>
+        </pc:picChg>
+        <pc:picChg chg="add mod">
+          <ac:chgData name="범수 김" userId="863329ffd88cf9fc" providerId="LiveId" clId="{4DDF83DA-35FB-47D0-9DA1-CC2B22863963}" dt="2024-01-07T02:06:03.432" v="6169" actId="164"/>
+          <ac:picMkLst>
+            <pc:docMk/>
+            <pc:sldMk cId="1125494946" sldId="456"/>
+            <ac:picMk id="13" creationId="{37D4E4ED-DA73-99D5-0D0C-5447DDE76DCE}"/>
+          </ac:picMkLst>
+        </pc:picChg>
+        <pc:picChg chg="add mod">
+          <ac:chgData name="범수 김" userId="863329ffd88cf9fc" providerId="LiveId" clId="{4DDF83DA-35FB-47D0-9DA1-CC2B22863963}" dt="2024-01-07T02:06:02.623" v="6168" actId="164"/>
+          <ac:picMkLst>
+            <pc:docMk/>
+            <pc:sldMk cId="1125494946" sldId="456"/>
+            <ac:picMk id="17" creationId="{EE7C1F77-019B-0BAA-B90D-F6941A6B524D}"/>
+          </ac:picMkLst>
+        </pc:picChg>
+        <pc:picChg chg="add">
+          <ac:chgData name="범수 김" userId="863329ffd88cf9fc" providerId="LiveId" clId="{4DDF83DA-35FB-47D0-9DA1-CC2B22863963}" dt="2024-01-07T02:08:15.554" v="6621" actId="22"/>
+          <ac:picMkLst>
+            <pc:docMk/>
+            <pc:sldMk cId="1125494946" sldId="456"/>
+            <ac:picMk id="24" creationId="{08034FE4-1EEF-A511-EE10-D44E2D9D3AE6}"/>
+          </ac:picMkLst>
+        </pc:picChg>
+      </pc:sldChg>
+      <pc:sldChg chg="addSp delSp modSp add mod">
+        <pc:chgData name="범수 김" userId="863329ffd88cf9fc" providerId="LiveId" clId="{4DDF83DA-35FB-47D0-9DA1-CC2B22863963}" dt="2024-01-07T02:11:46.425" v="6997" actId="478"/>
+        <pc:sldMkLst>
+          <pc:docMk/>
+          <pc:sldMk cId="2262101556" sldId="457"/>
+        </pc:sldMkLst>
+        <pc:spChg chg="mod">
+          <ac:chgData name="범수 김" userId="863329ffd88cf9fc" providerId="LiveId" clId="{4DDF83DA-35FB-47D0-9DA1-CC2B22863963}" dt="2024-01-07T02:11:01.167" v="6992" actId="20577"/>
+          <ac:spMkLst>
+            <pc:docMk/>
+            <pc:sldMk cId="2262101556" sldId="457"/>
+            <ac:spMk id="2" creationId="{E7B711CB-C42A-9956-0480-3F34AE9FA20E}"/>
+          </ac:spMkLst>
+        </pc:spChg>
+        <pc:spChg chg="add mod">
+          <ac:chgData name="범수 김" userId="863329ffd88cf9fc" providerId="LiveId" clId="{4DDF83DA-35FB-47D0-9DA1-CC2B22863963}" dt="2024-01-07T02:10:41.339" v="6864" actId="571"/>
+          <ac:spMkLst>
+            <pc:docMk/>
+            <pc:sldMk cId="2262101556" sldId="457"/>
+            <ac:spMk id="3" creationId="{1FAE7EA9-5300-6B8A-73C1-9EA599F91FF1}"/>
+          </ac:spMkLst>
+        </pc:spChg>
+        <pc:spChg chg="add mod">
+          <ac:chgData name="범수 김" userId="863329ffd88cf9fc" providerId="LiveId" clId="{4DDF83DA-35FB-47D0-9DA1-CC2B22863963}" dt="2024-01-07T02:10:41.339" v="6864" actId="571"/>
+          <ac:spMkLst>
+            <pc:docMk/>
+            <pc:sldMk cId="2262101556" sldId="457"/>
+            <ac:spMk id="6" creationId="{8D12B040-4B25-C218-41F5-F0819E2719AF}"/>
+          </ac:spMkLst>
+        </pc:spChg>
+        <pc:spChg chg="add mod">
+          <ac:chgData name="범수 김" userId="863329ffd88cf9fc" providerId="LiveId" clId="{4DDF83DA-35FB-47D0-9DA1-CC2B22863963}" dt="2024-01-07T02:10:41.339" v="6864" actId="571"/>
+          <ac:spMkLst>
+            <pc:docMk/>
+            <pc:sldMk cId="2262101556" sldId="457"/>
+            <ac:spMk id="16" creationId="{353D78A4-BB78-053A-A2CF-C77E446A630F}"/>
+          </ac:spMkLst>
+        </pc:spChg>
+        <pc:spChg chg="del">
+          <ac:chgData name="범수 김" userId="863329ffd88cf9fc" providerId="LiveId" clId="{4DDF83DA-35FB-47D0-9DA1-CC2B22863963}" dt="2024-01-07T02:08:59.428" v="6636" actId="478"/>
+          <ac:spMkLst>
+            <pc:docMk/>
+            <pc:sldMk cId="2262101556" sldId="457"/>
+            <ac:spMk id="22" creationId="{0BE49CE5-501A-517D-2F96-5B6D91163A1E}"/>
+          </ac:spMkLst>
+        </pc:spChg>
+        <pc:spChg chg="add mod">
+          <ac:chgData name="범수 김" userId="863329ffd88cf9fc" providerId="LiveId" clId="{4DDF83DA-35FB-47D0-9DA1-CC2B22863963}" dt="2024-01-07T02:10:41.339" v="6864" actId="571"/>
+          <ac:spMkLst>
+            <pc:docMk/>
+            <pc:sldMk cId="2262101556" sldId="457"/>
+            <ac:spMk id="23" creationId="{A459BE76-A381-81BF-C2B0-2EC9DD21F9CA}"/>
+          </ac:spMkLst>
+        </pc:spChg>
+        <pc:spChg chg="add mod">
+          <ac:chgData name="범수 김" userId="863329ffd88cf9fc" providerId="LiveId" clId="{4DDF83DA-35FB-47D0-9DA1-CC2B22863963}" dt="2024-01-07T02:10:46.137" v="6866" actId="1076"/>
+          <ac:spMkLst>
+            <pc:docMk/>
+            <pc:sldMk cId="2262101556" sldId="457"/>
+            <ac:spMk id="26" creationId="{9F79F072-4D3F-3770-C4F1-C16CDFDACFC7}"/>
+          </ac:spMkLst>
+        </pc:spChg>
+        <pc:grpChg chg="del">
+          <ac:chgData name="범수 김" userId="863329ffd88cf9fc" providerId="LiveId" clId="{4DDF83DA-35FB-47D0-9DA1-CC2B22863963}" dt="2024-01-07T02:08:19.172" v="6623" actId="478"/>
+          <ac:grpSpMkLst>
+            <pc:docMk/>
+            <pc:sldMk cId="2262101556" sldId="457"/>
+            <ac:grpSpMk id="21" creationId="{92F5FA67-1090-BFB1-4C2E-FB30FB4DBAB7}"/>
+          </ac:grpSpMkLst>
+        </pc:grpChg>
+        <pc:grpChg chg="add mod">
+          <ac:chgData name="범수 김" userId="863329ffd88cf9fc" providerId="LiveId" clId="{4DDF83DA-35FB-47D0-9DA1-CC2B22863963}" dt="2024-01-07T02:10:41.339" v="6864" actId="571"/>
+          <ac:grpSpMkLst>
+            <pc:docMk/>
+            <pc:sldMk cId="2262101556" sldId="457"/>
+            <ac:grpSpMk id="25" creationId="{08527D4E-3E40-5B30-C6DA-716C09256CB3}"/>
+          </ac:grpSpMkLst>
+        </pc:grpChg>
+        <pc:picChg chg="add mod">
+          <ac:chgData name="범수 김" userId="863329ffd88cf9fc" providerId="LiveId" clId="{4DDF83DA-35FB-47D0-9DA1-CC2B22863963}" dt="2024-01-07T02:10:41.339" v="6864" actId="571"/>
+          <ac:picMkLst>
+            <pc:docMk/>
+            <pc:sldMk cId="2262101556" sldId="457"/>
+            <ac:picMk id="12" creationId="{017DD281-CE8E-A743-7BDD-91DBFAA4ABAF}"/>
+          </ac:picMkLst>
+        </pc:picChg>
+        <pc:picChg chg="mod">
+          <ac:chgData name="범수 김" userId="863329ffd88cf9fc" providerId="LiveId" clId="{4DDF83DA-35FB-47D0-9DA1-CC2B22863963}" dt="2024-01-07T02:10:41.339" v="6864" actId="571"/>
+          <ac:picMkLst>
+            <pc:docMk/>
+            <pc:sldMk cId="2262101556" sldId="457"/>
+            <ac:picMk id="24" creationId="{08034FE4-1EEF-A511-EE10-D44E2D9D3AE6}"/>
+          </ac:picMkLst>
+        </pc:picChg>
+        <pc:picChg chg="add del">
+          <ac:chgData name="범수 김" userId="863329ffd88cf9fc" providerId="LiveId" clId="{4DDF83DA-35FB-47D0-9DA1-CC2B22863963}" dt="2024-01-07T02:11:46.425" v="6997" actId="478"/>
+          <ac:picMkLst>
+            <pc:docMk/>
+            <pc:sldMk cId="2262101556" sldId="457"/>
+            <ac:picMk id="28" creationId="{39A2EFDC-834C-845B-EAED-E21462E7E16D}"/>
+          </ac:picMkLst>
+        </pc:picChg>
+      </pc:sldChg>
+      <pc:sldChg chg="addSp delSp modSp add mod">
+        <pc:chgData name="범수 김" userId="863329ffd88cf9fc" providerId="LiveId" clId="{4DDF83DA-35FB-47D0-9DA1-CC2B22863963}" dt="2024-01-07T02:13:17.135" v="7438" actId="20577"/>
+        <pc:sldMkLst>
+          <pc:docMk/>
+          <pc:sldMk cId="1149016370" sldId="458"/>
+        </pc:sldMkLst>
+        <pc:spChg chg="mod">
+          <ac:chgData name="범수 김" userId="863329ffd88cf9fc" providerId="LiveId" clId="{4DDF83DA-35FB-47D0-9DA1-CC2B22863963}" dt="2024-01-07T02:13:17.135" v="7438" actId="20577"/>
+          <ac:spMkLst>
+            <pc:docMk/>
+            <pc:sldMk cId="1149016370" sldId="458"/>
+            <ac:spMk id="2" creationId="{E7B711CB-C42A-9956-0480-3F34AE9FA20E}"/>
+          </ac:spMkLst>
+        </pc:spChg>
+        <pc:spChg chg="add mod">
+          <ac:chgData name="범수 김" userId="863329ffd88cf9fc" providerId="LiveId" clId="{4DDF83DA-35FB-47D0-9DA1-CC2B22863963}" dt="2024-01-07T02:12:56.432" v="7336" actId="164"/>
+          <ac:spMkLst>
+            <pc:docMk/>
+            <pc:sldMk cId="1149016370" sldId="458"/>
+            <ac:spMk id="4" creationId="{10E8114C-FA58-63FA-13B1-4640BF2787A4}"/>
+          </ac:spMkLst>
+        </pc:spChg>
+        <pc:spChg chg="add mod">
+          <ac:chgData name="범수 김" userId="863329ffd88cf9fc" providerId="LiveId" clId="{4DDF83DA-35FB-47D0-9DA1-CC2B22863963}" dt="2024-01-07T02:12:56.432" v="7336" actId="164"/>
+          <ac:spMkLst>
+            <pc:docMk/>
+            <pc:sldMk cId="1149016370" sldId="458"/>
+            <ac:spMk id="7" creationId="{254FD18C-89F2-5B46-2C97-2F1FB3594D86}"/>
+          </ac:spMkLst>
+        </pc:spChg>
+        <pc:spChg chg="add del mod">
+          <ac:chgData name="범수 김" userId="863329ffd88cf9fc" providerId="LiveId" clId="{4DDF83DA-35FB-47D0-9DA1-CC2B22863963}" dt="2024-01-07T02:13:03.815" v="7362"/>
+          <ac:spMkLst>
+            <pc:docMk/>
+            <pc:sldMk cId="1149016370" sldId="458"/>
+            <ac:spMk id="9" creationId="{C907A722-BCE3-CB65-702F-D5A30AE2A0B6}"/>
+          </ac:spMkLst>
+        </pc:spChg>
+        <pc:grpChg chg="add mod">
+          <ac:chgData name="범수 김" userId="863329ffd88cf9fc" providerId="LiveId" clId="{4DDF83DA-35FB-47D0-9DA1-CC2B22863963}" dt="2024-01-07T02:12:56.432" v="7336" actId="164"/>
+          <ac:grpSpMkLst>
+            <pc:docMk/>
+            <pc:sldMk cId="1149016370" sldId="458"/>
+            <ac:grpSpMk id="8" creationId="{E3782427-6012-7BBC-F67D-14CEC3FED2E9}"/>
+          </ac:grpSpMkLst>
+        </pc:grpChg>
+        <pc:grpChg chg="del">
+          <ac:chgData name="범수 김" userId="863329ffd88cf9fc" providerId="LiveId" clId="{4DDF83DA-35FB-47D0-9DA1-CC2B22863963}" dt="2024-01-07T02:11:43.559" v="6995" actId="478"/>
+          <ac:grpSpMkLst>
+            <pc:docMk/>
+            <pc:sldMk cId="1149016370" sldId="458"/>
+            <ac:grpSpMk id="25" creationId="{08527D4E-3E40-5B30-C6DA-716C09256CB3}"/>
+          </ac:grpSpMkLst>
+        </pc:grpChg>
+        <pc:picChg chg="mod">
+          <ac:chgData name="범수 김" userId="863329ffd88cf9fc" providerId="LiveId" clId="{4DDF83DA-35FB-47D0-9DA1-CC2B22863963}" dt="2024-01-07T02:12:56.432" v="7336" actId="164"/>
+          <ac:picMkLst>
+            <pc:docMk/>
+            <pc:sldMk cId="1149016370" sldId="458"/>
+            <ac:picMk id="28" creationId="{39A2EFDC-834C-845B-EAED-E21462E7E16D}"/>
+          </ac:picMkLst>
+        </pc:picChg>
+      </pc:sldChg>
+      <pc:sldChg chg="modSp add mod">
+        <pc:chgData name="범수 김" userId="863329ffd88cf9fc" providerId="LiveId" clId="{4DDF83DA-35FB-47D0-9DA1-CC2B22863963}" dt="2024-01-07T02:15:43.775" v="7506"/>
+        <pc:sldMkLst>
+          <pc:docMk/>
+          <pc:sldMk cId="1826628355" sldId="459"/>
+        </pc:sldMkLst>
+        <pc:spChg chg="mod">
+          <ac:chgData name="범수 김" userId="863329ffd88cf9fc" providerId="LiveId" clId="{4DDF83DA-35FB-47D0-9DA1-CC2B22863963}" dt="2024-01-07T02:15:43.775" v="7506"/>
+          <ac:spMkLst>
+            <pc:docMk/>
+            <pc:sldMk cId="1826628355" sldId="459"/>
+            <ac:spMk id="5" creationId="{A389414F-66B7-1262-7F78-D45BD7660CF6}"/>
+          </ac:spMkLst>
+        </pc:spChg>
+      </pc:sldChg>
+      <pc:sldChg chg="addSp modSp add mod">
+        <pc:chgData name="범수 김" userId="863329ffd88cf9fc" providerId="LiveId" clId="{4DDF83DA-35FB-47D0-9DA1-CC2B22863963}" dt="2024-01-07T02:26:12.384" v="7940" actId="164"/>
+        <pc:sldMkLst>
+          <pc:docMk/>
+          <pc:sldMk cId="3212477376" sldId="460"/>
+        </pc:sldMkLst>
+        <pc:spChg chg="add mod">
+          <ac:chgData name="범수 김" userId="863329ffd88cf9fc" providerId="LiveId" clId="{4DDF83DA-35FB-47D0-9DA1-CC2B22863963}" dt="2024-01-07T02:21:45.268" v="7723" actId="1076"/>
+          <ac:spMkLst>
+            <pc:docMk/>
+            <pc:sldMk cId="3212477376" sldId="460"/>
+            <ac:spMk id="2" creationId="{D828F9CE-4C84-3783-DD10-9CC4A4C25ADB}"/>
+          </ac:spMkLst>
+        </pc:spChg>
+        <pc:spChg chg="add mod">
+          <ac:chgData name="범수 김" userId="863329ffd88cf9fc" providerId="LiveId" clId="{4DDF83DA-35FB-47D0-9DA1-CC2B22863963}" dt="2024-01-07T02:24:51.262" v="7934" actId="208"/>
+          <ac:spMkLst>
+            <pc:docMk/>
+            <pc:sldMk cId="3212477376" sldId="460"/>
+            <ac:spMk id="3" creationId="{004D16C8-ECE0-C92F-0D24-A6EEBA55AEC5}"/>
+          </ac:spMkLst>
+        </pc:spChg>
+        <pc:spChg chg="mod">
+          <ac:chgData name="범수 김" userId="863329ffd88cf9fc" providerId="LiveId" clId="{4DDF83DA-35FB-47D0-9DA1-CC2B22863963}" dt="2024-01-07T02:15:40.461" v="7505" actId="20577"/>
+          <ac:spMkLst>
+            <pc:docMk/>
+            <pc:sldMk cId="3212477376" sldId="460"/>
+            <ac:spMk id="5" creationId="{A389414F-66B7-1262-7F78-D45BD7660CF6}"/>
+          </ac:spMkLst>
+        </pc:spChg>
+        <pc:spChg chg="add mod">
+          <ac:chgData name="범수 김" userId="863329ffd88cf9fc" providerId="LiveId" clId="{4DDF83DA-35FB-47D0-9DA1-CC2B22863963}" dt="2024-01-07T02:26:12.384" v="7940" actId="164"/>
+          <ac:spMkLst>
+            <pc:docMk/>
+            <pc:sldMk cId="3212477376" sldId="460"/>
+            <ac:spMk id="7" creationId="{F4456EFB-0095-2792-2115-A473F404ACCF}"/>
+          </ac:spMkLst>
+        </pc:spChg>
+        <pc:grpChg chg="add mod">
+          <ac:chgData name="범수 김" userId="863329ffd88cf9fc" providerId="LiveId" clId="{4DDF83DA-35FB-47D0-9DA1-CC2B22863963}" dt="2024-01-07T02:26:12.384" v="7940" actId="164"/>
+          <ac:grpSpMkLst>
+            <pc:docMk/>
+            <pc:sldMk cId="3212477376" sldId="460"/>
+            <ac:grpSpMk id="8" creationId="{72DF8A08-CEF0-A3AD-4AFB-FD9954318BDA}"/>
+          </ac:grpSpMkLst>
+        </pc:grpChg>
+        <pc:picChg chg="add mod">
+          <ac:chgData name="범수 김" userId="863329ffd88cf9fc" providerId="LiveId" clId="{4DDF83DA-35FB-47D0-9DA1-CC2B22863963}" dt="2024-01-07T02:26:12.384" v="7940" actId="164"/>
+          <ac:picMkLst>
+            <pc:docMk/>
+            <pc:sldMk cId="3212477376" sldId="460"/>
+            <ac:picMk id="6" creationId="{2F6D6AAD-31CA-34E9-D902-28482355E40C}"/>
+          </ac:picMkLst>
+        </pc:picChg>
+      </pc:sldChg>
+      <pc:sldChg chg="addSp delSp modSp add mod">
+        <pc:chgData name="범수 김" userId="863329ffd88cf9fc" providerId="LiveId" clId="{4DDF83DA-35FB-47D0-9DA1-CC2B22863963}" dt="2024-01-07T02:28:54.626" v="8012" actId="1076"/>
+        <pc:sldMkLst>
+          <pc:docMk/>
+          <pc:sldMk cId="289935569" sldId="461"/>
+        </pc:sldMkLst>
+        <pc:spChg chg="del">
+          <ac:chgData name="범수 김" userId="863329ffd88cf9fc" providerId="LiveId" clId="{4DDF83DA-35FB-47D0-9DA1-CC2B22863963}" dt="2024-01-07T02:26:16.979" v="7942" actId="478"/>
+          <ac:spMkLst>
+            <pc:docMk/>
+            <pc:sldMk cId="289935569" sldId="461"/>
+            <ac:spMk id="2" creationId="{D828F9CE-4C84-3783-DD10-9CC4A4C25ADB}"/>
+          </ac:spMkLst>
+        </pc:spChg>
+        <pc:spChg chg="mod">
+          <ac:chgData name="범수 김" userId="863329ffd88cf9fc" providerId="LiveId" clId="{4DDF83DA-35FB-47D0-9DA1-CC2B22863963}" dt="2024-01-07T02:28:52.076" v="8011" actId="20577"/>
+          <ac:spMkLst>
+            <pc:docMk/>
+            <pc:sldMk cId="289935569" sldId="461"/>
+            <ac:spMk id="3" creationId="{004D16C8-ECE0-C92F-0D24-A6EEBA55AEC5}"/>
+          </ac:spMkLst>
+        </pc:spChg>
+        <pc:spChg chg="add mod">
+          <ac:chgData name="범수 김" userId="863329ffd88cf9fc" providerId="LiveId" clId="{4DDF83DA-35FB-47D0-9DA1-CC2B22863963}" dt="2024-01-07T02:28:54.626" v="8012" actId="1076"/>
+          <ac:spMkLst>
+            <pc:docMk/>
+            <pc:sldMk cId="289935569" sldId="461"/>
+            <ac:spMk id="4" creationId="{991C9924-A918-549C-8F6E-9660A9295021}"/>
+          </ac:spMkLst>
+        </pc:spChg>
+        <pc:grpChg chg="del mod">
+          <ac:chgData name="범수 김" userId="863329ffd88cf9fc" providerId="LiveId" clId="{4DDF83DA-35FB-47D0-9DA1-CC2B22863963}" dt="2024-01-07T02:28:47.441" v="8003" actId="478"/>
+          <ac:grpSpMkLst>
+            <pc:docMk/>
+            <pc:sldMk cId="289935569" sldId="461"/>
+            <ac:grpSpMk id="8" creationId="{72DF8A08-CEF0-A3AD-4AFB-FD9954318BDA}"/>
+          </ac:grpSpMkLst>
+        </pc:grpChg>
+      </pc:sldChg>
+      <pc:sldChg chg="addSp delSp modSp add mod">
+        <pc:chgData name="범수 김" userId="863329ffd88cf9fc" providerId="LiveId" clId="{4DDF83DA-35FB-47D0-9DA1-CC2B22863963}" dt="2024-01-07T02:30:09.024" v="8146" actId="1076"/>
+        <pc:sldMkLst>
+          <pc:docMk/>
+          <pc:sldMk cId="4069699940" sldId="462"/>
+        </pc:sldMkLst>
+        <pc:spChg chg="mod">
+          <ac:chgData name="범수 김" userId="863329ffd88cf9fc" providerId="LiveId" clId="{4DDF83DA-35FB-47D0-9DA1-CC2B22863963}" dt="2024-01-07T02:29:28.150" v="8136" actId="20577"/>
+          <ac:spMkLst>
+            <pc:docMk/>
+            <pc:sldMk cId="4069699940" sldId="462"/>
+            <ac:spMk id="3" creationId="{004D16C8-ECE0-C92F-0D24-A6EEBA55AEC5}"/>
+          </ac:spMkLst>
+        </pc:spChg>
+        <pc:spChg chg="del">
+          <ac:chgData name="범수 김" userId="863329ffd88cf9fc" providerId="LiveId" clId="{4DDF83DA-35FB-47D0-9DA1-CC2B22863963}" dt="2024-01-07T02:29:30.800" v="8137" actId="478"/>
+          <ac:spMkLst>
+            <pc:docMk/>
+            <pc:sldMk cId="4069699940" sldId="462"/>
+            <ac:spMk id="4" creationId="{991C9924-A918-549C-8F6E-9660A9295021}"/>
+          </ac:spMkLst>
+        </pc:spChg>
+        <pc:spChg chg="add mod">
+          <ac:chgData name="범수 김" userId="863329ffd88cf9fc" providerId="LiveId" clId="{4DDF83DA-35FB-47D0-9DA1-CC2B22863963}" dt="2024-01-07T02:30:05.601" v="8144" actId="164"/>
+          <ac:spMkLst>
+            <pc:docMk/>
+            <pc:sldMk cId="4069699940" sldId="462"/>
+            <ac:spMk id="7" creationId="{F5968C4E-6278-E008-B8D5-28E9AA9F2A1C}"/>
+          </ac:spMkLst>
+        </pc:spChg>
+        <pc:grpChg chg="add mod">
+          <ac:chgData name="범수 김" userId="863329ffd88cf9fc" providerId="LiveId" clId="{4DDF83DA-35FB-47D0-9DA1-CC2B22863963}" dt="2024-01-07T02:30:09.024" v="8146" actId="1076"/>
+          <ac:grpSpMkLst>
+            <pc:docMk/>
+            <pc:sldMk cId="4069699940" sldId="462"/>
+            <ac:grpSpMk id="8" creationId="{1FE6F8B2-969B-1A26-18C5-7155F9E99925}"/>
+          </ac:grpSpMkLst>
+        </pc:grpChg>
+        <pc:picChg chg="add mod">
+          <ac:chgData name="범수 김" userId="863329ffd88cf9fc" providerId="LiveId" clId="{4DDF83DA-35FB-47D0-9DA1-CC2B22863963}" dt="2024-01-07T02:30:05.601" v="8144" actId="164"/>
+          <ac:picMkLst>
+            <pc:docMk/>
+            <pc:sldMk cId="4069699940" sldId="462"/>
+            <ac:picMk id="6" creationId="{D10A0393-7970-6159-62BC-458815C67900}"/>
+          </ac:picMkLst>
+        </pc:picChg>
       </pc:sldChg>
     </pc:docChg>
   </pc:docChgLst>
@@ -1713,7 +2561,7 @@
           <a:p>
             <a:fld id="{B8DBC30E-0DE6-48DA-9112-69415C9BC134}" type="datetimeFigureOut">
               <a:rPr lang="ko-KR" altLang="en-US" smtClean="0"/>
-              <a:t>2024-01-05</a:t>
+              <a:t>2024-01-07</a:t>
             </a:fld>
             <a:endParaRPr lang="ko-KR" altLang="en-US"/>
           </a:p>
@@ -1911,7 +2759,7 @@
           <a:p>
             <a:fld id="{B8DBC30E-0DE6-48DA-9112-69415C9BC134}" type="datetimeFigureOut">
               <a:rPr lang="ko-KR" altLang="en-US" smtClean="0"/>
-              <a:t>2024-01-05</a:t>
+              <a:t>2024-01-07</a:t>
             </a:fld>
             <a:endParaRPr lang="ko-KR" altLang="en-US"/>
           </a:p>
@@ -2119,7 +2967,7 @@
           <a:p>
             <a:fld id="{B8DBC30E-0DE6-48DA-9112-69415C9BC134}" type="datetimeFigureOut">
               <a:rPr lang="ko-KR" altLang="en-US" smtClean="0"/>
-              <a:t>2024-01-05</a:t>
+              <a:t>2024-01-07</a:t>
             </a:fld>
             <a:endParaRPr lang="ko-KR" altLang="en-US"/>
           </a:p>
@@ -2317,7 +3165,7 @@
           <a:p>
             <a:fld id="{B8DBC30E-0DE6-48DA-9112-69415C9BC134}" type="datetimeFigureOut">
               <a:rPr lang="ko-KR" altLang="en-US" smtClean="0"/>
-              <a:t>2024-01-05</a:t>
+              <a:t>2024-01-07</a:t>
             </a:fld>
             <a:endParaRPr lang="ko-KR" altLang="en-US"/>
           </a:p>
@@ -2592,7 +3440,7 @@
           <a:p>
             <a:fld id="{B8DBC30E-0DE6-48DA-9112-69415C9BC134}" type="datetimeFigureOut">
               <a:rPr lang="ko-KR" altLang="en-US" smtClean="0"/>
-              <a:t>2024-01-05</a:t>
+              <a:t>2024-01-07</a:t>
             </a:fld>
             <a:endParaRPr lang="ko-KR" altLang="en-US"/>
           </a:p>
@@ -2857,7 +3705,7 @@
           <a:p>
             <a:fld id="{B8DBC30E-0DE6-48DA-9112-69415C9BC134}" type="datetimeFigureOut">
               <a:rPr lang="ko-KR" altLang="en-US" smtClean="0"/>
-              <a:t>2024-01-05</a:t>
+              <a:t>2024-01-07</a:t>
             </a:fld>
             <a:endParaRPr lang="ko-KR" altLang="en-US"/>
           </a:p>
@@ -3269,7 +4117,7 @@
           <a:p>
             <a:fld id="{B8DBC30E-0DE6-48DA-9112-69415C9BC134}" type="datetimeFigureOut">
               <a:rPr lang="ko-KR" altLang="en-US" smtClean="0"/>
-              <a:t>2024-01-05</a:t>
+              <a:t>2024-01-07</a:t>
             </a:fld>
             <a:endParaRPr lang="ko-KR" altLang="en-US"/>
           </a:p>
@@ -3410,7 +4258,7 @@
           <a:p>
             <a:fld id="{B8DBC30E-0DE6-48DA-9112-69415C9BC134}" type="datetimeFigureOut">
               <a:rPr lang="ko-KR" altLang="en-US" smtClean="0"/>
-              <a:t>2024-01-05</a:t>
+              <a:t>2024-01-07</a:t>
             </a:fld>
             <a:endParaRPr lang="ko-KR" altLang="en-US"/>
           </a:p>
@@ -3523,7 +4371,7 @@
           <a:p>
             <a:fld id="{B8DBC30E-0DE6-48DA-9112-69415C9BC134}" type="datetimeFigureOut">
               <a:rPr lang="ko-KR" altLang="en-US" smtClean="0"/>
-              <a:t>2024-01-05</a:t>
+              <a:t>2024-01-07</a:t>
             </a:fld>
             <a:endParaRPr lang="ko-KR" altLang="en-US"/>
           </a:p>
@@ -3834,7 +4682,7 @@
           <a:p>
             <a:fld id="{B8DBC30E-0DE6-48DA-9112-69415C9BC134}" type="datetimeFigureOut">
               <a:rPr lang="ko-KR" altLang="en-US" smtClean="0"/>
-              <a:t>2024-01-05</a:t>
+              <a:t>2024-01-07</a:t>
             </a:fld>
             <a:endParaRPr lang="ko-KR" altLang="en-US"/>
           </a:p>
@@ -4122,7 +4970,7 @@
           <a:p>
             <a:fld id="{B8DBC30E-0DE6-48DA-9112-69415C9BC134}" type="datetimeFigureOut">
               <a:rPr lang="ko-KR" altLang="en-US" smtClean="0"/>
-              <a:t>2024-01-05</a:t>
+              <a:t>2024-01-07</a:t>
             </a:fld>
             <a:endParaRPr lang="ko-KR" altLang="en-US"/>
           </a:p>
@@ -4363,7 +5211,7 @@
           <a:p>
             <a:fld id="{B8DBC30E-0DE6-48DA-9112-69415C9BC134}" type="datetimeFigureOut">
               <a:rPr lang="ko-KR" altLang="en-US" smtClean="0"/>
-              <a:t>2024-01-05</a:t>
+              <a:t>2024-01-07</a:t>
             </a:fld>
             <a:endParaRPr lang="ko-KR" altLang="en-US"/>
           </a:p>
@@ -8300,6 +9148,620 @@
 </p:sld>
 </file>
 
+<file path=ppt/slides/slide17.xml><?xml version="1.0" encoding="utf-8"?>
+<p:sld xmlns:a="http://schemas.openxmlformats.org/drawingml/2006/main" xmlns:r="http://schemas.openxmlformats.org/officeDocument/2006/relationships" xmlns:p="http://schemas.openxmlformats.org/presentationml/2006/main">
+  <p:cSld>
+    <p:spTree>
+      <p:nvGrpSpPr>
+        <p:cNvPr id="1" name=""/>
+        <p:cNvGrpSpPr/>
+        <p:nvPr/>
+      </p:nvGrpSpPr>
+      <p:grpSpPr>
+        <a:xfrm>
+          <a:off x="0" y="0"/>
+          <a:ext cx="0" cy="0"/>
+          <a:chOff x="0" y="0"/>
+          <a:chExt cx="0" cy="0"/>
+        </a:xfrm>
+      </p:grpSpPr>
+      <p:sp>
+        <p:nvSpPr>
+          <p:cNvPr id="5" name="TextBox 4">
+            <a:extLst>
+              <a:ext uri="{FF2B5EF4-FFF2-40B4-BE49-F238E27FC236}">
+                <a16:creationId xmlns:a16="http://schemas.microsoft.com/office/drawing/2014/main" id="{A389414F-66B7-1262-7F78-D45BD7660CF6}"/>
+              </a:ext>
+            </a:extLst>
+          </p:cNvPr>
+          <p:cNvSpPr txBox="1"/>
+          <p:nvPr/>
+        </p:nvSpPr>
+        <p:spPr>
+          <a:xfrm>
+            <a:off x="2990823" y="2767281"/>
+            <a:ext cx="6210354" cy="1323439"/>
+          </a:xfrm>
+          <a:prstGeom prst="rect">
+            <a:avLst/>
+          </a:prstGeom>
+          <a:solidFill>
+            <a:srgbClr val="1C3166"/>
+          </a:solidFill>
+          <a:ln>
+            <a:solidFill>
+              <a:schemeClr val="tx1"/>
+            </a:solidFill>
+          </a:ln>
+        </p:spPr>
+        <p:txBody>
+          <a:bodyPr wrap="none" rtlCol="0">
+            <a:spAutoFit/>
+          </a:bodyPr>
+          <a:lstStyle/>
+          <a:p>
+            <a:pPr algn="ctr"/>
+            <a:r>
+              <a:rPr lang="ko-KR" altLang="en-US" sz="4000" dirty="0">
+                <a:solidFill>
+                  <a:schemeClr val="bg1"/>
+                </a:solidFill>
+                <a:latin typeface="에스코어 드림 6 Bold" panose="020B0703030302020204" pitchFamily="34" charset="-127"/>
+                <a:ea typeface="에스코어 드림 6 Bold" panose="020B0703030302020204" pitchFamily="34" charset="-127"/>
+              </a:rPr>
+              <a:t>섹션</a:t>
+            </a:r>
+            <a:r>
+              <a:rPr lang="en-US" altLang="ko-KR" sz="4000" dirty="0">
+                <a:solidFill>
+                  <a:schemeClr val="bg1"/>
+                </a:solidFill>
+                <a:latin typeface="에스코어 드림 6 Bold" panose="020B0703030302020204" pitchFamily="34" charset="-127"/>
+                <a:ea typeface="에스코어 드림 6 Bold" panose="020B0703030302020204" pitchFamily="34" charset="-127"/>
+              </a:rPr>
+              <a:t>1-2</a:t>
+            </a:r>
+            <a:r>
+              <a:rPr lang="ko-KR" altLang="en-US" sz="4000" dirty="0">
+                <a:solidFill>
+                  <a:schemeClr val="bg1"/>
+                </a:solidFill>
+                <a:latin typeface="에스코어 드림 6 Bold" panose="020B0703030302020204" pitchFamily="34" charset="-127"/>
+                <a:ea typeface="에스코어 드림 6 Bold" panose="020B0703030302020204" pitchFamily="34" charset="-127"/>
+              </a:rPr>
+              <a:t>강</a:t>
+            </a:r>
+            <a:endParaRPr lang="en-US" altLang="ko-KR" sz="4000" dirty="0">
+              <a:solidFill>
+                <a:schemeClr val="bg1"/>
+              </a:solidFill>
+              <a:latin typeface="에스코어 드림 6 Bold" panose="020B0703030302020204" pitchFamily="34" charset="-127"/>
+              <a:ea typeface="에스코어 드림 6 Bold" panose="020B0703030302020204" pitchFamily="34" charset="-127"/>
+            </a:endParaRPr>
+          </a:p>
+          <a:p>
+            <a:pPr algn="ctr"/>
+            <a:r>
+              <a:rPr lang="ko-KR" altLang="en-US" sz="4000" dirty="0">
+                <a:solidFill>
+                  <a:schemeClr val="bg1"/>
+                </a:solidFill>
+                <a:latin typeface="에스코어 드림 6 Bold" panose="020B0703030302020204" pitchFamily="34" charset="-127"/>
+                <a:ea typeface="에스코어 드림 6 Bold" panose="020B0703030302020204" pitchFamily="34" charset="-127"/>
+              </a:rPr>
+              <a:t>제목 </a:t>
+            </a:r>
+            <a:r>
+              <a:rPr lang="en-US" altLang="ko-KR" sz="4000" dirty="0">
+                <a:solidFill>
+                  <a:schemeClr val="bg1"/>
+                </a:solidFill>
+                <a:latin typeface="에스코어 드림 6 Bold" panose="020B0703030302020204" pitchFamily="34" charset="-127"/>
+                <a:ea typeface="에스코어 드림 6 Bold" panose="020B0703030302020204" pitchFamily="34" charset="-127"/>
+              </a:rPr>
+              <a:t>: </a:t>
+            </a:r>
+            <a:r>
+              <a:rPr lang="ko-KR" altLang="en-US" sz="4000" dirty="0">
+                <a:solidFill>
+                  <a:schemeClr val="bg1"/>
+                </a:solidFill>
+                <a:latin typeface="에스코어 드림 6 Bold" panose="020B0703030302020204" pitchFamily="34" charset="-127"/>
+                <a:ea typeface="에스코어 드림 6 Bold" panose="020B0703030302020204" pitchFamily="34" charset="-127"/>
+              </a:rPr>
+              <a:t>라이브러리 살펴보기</a:t>
+            </a:r>
+            <a:endParaRPr lang="en-US" altLang="ko-KR" sz="4000" dirty="0">
+              <a:solidFill>
+                <a:schemeClr val="bg1"/>
+              </a:solidFill>
+              <a:latin typeface="에스코어 드림 6 Bold" panose="020B0703030302020204" pitchFamily="34" charset="-127"/>
+              <a:ea typeface="에스코어 드림 6 Bold" panose="020B0703030302020204" pitchFamily="34" charset="-127"/>
+            </a:endParaRPr>
+          </a:p>
+        </p:txBody>
+      </p:sp>
+    </p:spTree>
+    <p:extLst>
+      <p:ext uri="{BB962C8B-B14F-4D97-AF65-F5344CB8AC3E}">
+        <p14:creationId xmlns:p14="http://schemas.microsoft.com/office/powerpoint/2010/main" val="3994983760"/>
+      </p:ext>
+    </p:extLst>
+  </p:cSld>
+  <p:clrMapOvr>
+    <a:masterClrMapping/>
+  </p:clrMapOvr>
+</p:sld>
+</file>
+
+<file path=ppt/slides/slide18.xml><?xml version="1.0" encoding="utf-8"?>
+<p:sld xmlns:a="http://schemas.openxmlformats.org/drawingml/2006/main" xmlns:r="http://schemas.openxmlformats.org/officeDocument/2006/relationships" xmlns:p="http://schemas.openxmlformats.org/presentationml/2006/main">
+  <p:cSld>
+    <p:spTree>
+      <p:nvGrpSpPr>
+        <p:cNvPr id="1" name=""/>
+        <p:cNvGrpSpPr/>
+        <p:nvPr/>
+      </p:nvGrpSpPr>
+      <p:grpSpPr>
+        <a:xfrm>
+          <a:off x="0" y="0"/>
+          <a:ext cx="0" cy="0"/>
+          <a:chOff x="0" y="0"/>
+          <a:chExt cx="0" cy="0"/>
+        </a:xfrm>
+      </p:grpSpPr>
+      <p:sp>
+        <p:nvSpPr>
+          <p:cNvPr id="5" name="TextBox 4">
+            <a:extLst>
+              <a:ext uri="{FF2B5EF4-FFF2-40B4-BE49-F238E27FC236}">
+                <a16:creationId xmlns:a16="http://schemas.microsoft.com/office/drawing/2014/main" id="{A389414F-66B7-1262-7F78-D45BD7660CF6}"/>
+              </a:ext>
+            </a:extLst>
+          </p:cNvPr>
+          <p:cNvSpPr txBox="1"/>
+          <p:nvPr/>
+        </p:nvSpPr>
+        <p:spPr>
+          <a:xfrm>
+            <a:off x="210224" y="173854"/>
+            <a:ext cx="2600391" cy="584775"/>
+          </a:xfrm>
+          <a:prstGeom prst="rect">
+            <a:avLst/>
+          </a:prstGeom>
+          <a:solidFill>
+            <a:srgbClr val="1C3166"/>
+          </a:solidFill>
+          <a:ln>
+            <a:solidFill>
+              <a:schemeClr val="tx1"/>
+            </a:solidFill>
+          </a:ln>
+        </p:spPr>
+        <p:txBody>
+          <a:bodyPr wrap="none" rtlCol="0">
+            <a:spAutoFit/>
+          </a:bodyPr>
+          <a:lstStyle/>
+          <a:p>
+            <a:pPr algn="ctr"/>
+            <a:r>
+              <a:rPr lang="ko-KR" altLang="en-US" sz="1600" dirty="0">
+                <a:solidFill>
+                  <a:schemeClr val="bg1"/>
+                </a:solidFill>
+                <a:latin typeface="에스코어 드림 6 Bold" panose="020B0703030302020204" pitchFamily="34" charset="-127"/>
+                <a:ea typeface="에스코어 드림 6 Bold" panose="020B0703030302020204" pitchFamily="34" charset="-127"/>
+              </a:rPr>
+              <a:t>섹션</a:t>
+            </a:r>
+            <a:r>
+              <a:rPr lang="en-US" altLang="ko-KR" sz="1600" dirty="0">
+                <a:solidFill>
+                  <a:schemeClr val="bg1"/>
+                </a:solidFill>
+                <a:latin typeface="에스코어 드림 6 Bold" panose="020B0703030302020204" pitchFamily="34" charset="-127"/>
+                <a:ea typeface="에스코어 드림 6 Bold" panose="020B0703030302020204" pitchFamily="34" charset="-127"/>
+              </a:rPr>
+              <a:t>1-2</a:t>
+            </a:r>
+            <a:r>
+              <a:rPr lang="ko-KR" altLang="en-US" sz="1600" dirty="0">
+                <a:solidFill>
+                  <a:schemeClr val="bg1"/>
+                </a:solidFill>
+                <a:latin typeface="에스코어 드림 6 Bold" panose="020B0703030302020204" pitchFamily="34" charset="-127"/>
+                <a:ea typeface="에스코어 드림 6 Bold" panose="020B0703030302020204" pitchFamily="34" charset="-127"/>
+              </a:rPr>
+              <a:t>강</a:t>
+            </a:r>
+            <a:endParaRPr lang="en-US" altLang="ko-KR" sz="1600" dirty="0">
+              <a:solidFill>
+                <a:schemeClr val="bg1"/>
+              </a:solidFill>
+              <a:latin typeface="에스코어 드림 6 Bold" panose="020B0703030302020204" pitchFamily="34" charset="-127"/>
+              <a:ea typeface="에스코어 드림 6 Bold" panose="020B0703030302020204" pitchFamily="34" charset="-127"/>
+            </a:endParaRPr>
+          </a:p>
+          <a:p>
+            <a:pPr algn="ctr"/>
+            <a:r>
+              <a:rPr lang="ko-KR" altLang="en-US" sz="1600" dirty="0">
+                <a:solidFill>
+                  <a:schemeClr val="bg1"/>
+                </a:solidFill>
+                <a:latin typeface="에스코어 드림 6 Bold" panose="020B0703030302020204" pitchFamily="34" charset="-127"/>
+                <a:ea typeface="에스코어 드림 6 Bold" panose="020B0703030302020204" pitchFamily="34" charset="-127"/>
+              </a:rPr>
+              <a:t>제목 </a:t>
+            </a:r>
+            <a:r>
+              <a:rPr lang="en-US" altLang="ko-KR" sz="1600" dirty="0">
+                <a:solidFill>
+                  <a:schemeClr val="bg1"/>
+                </a:solidFill>
+                <a:latin typeface="에스코어 드림 6 Bold" panose="020B0703030302020204" pitchFamily="34" charset="-127"/>
+                <a:ea typeface="에스코어 드림 6 Bold" panose="020B0703030302020204" pitchFamily="34" charset="-127"/>
+              </a:rPr>
+              <a:t>: </a:t>
+            </a:r>
+            <a:r>
+              <a:rPr lang="ko-KR" altLang="en-US" sz="1600" dirty="0">
+                <a:solidFill>
+                  <a:schemeClr val="bg1"/>
+                </a:solidFill>
+                <a:latin typeface="에스코어 드림 6 Bold" panose="020B0703030302020204" pitchFamily="34" charset="-127"/>
+                <a:ea typeface="에스코어 드림 6 Bold" panose="020B0703030302020204" pitchFamily="34" charset="-127"/>
+              </a:rPr>
+              <a:t>라이브러리 살펴보기</a:t>
+            </a:r>
+            <a:endParaRPr lang="en-US" altLang="ko-KR" sz="1600" dirty="0">
+              <a:solidFill>
+                <a:schemeClr val="bg1"/>
+              </a:solidFill>
+              <a:latin typeface="에스코어 드림 6 Bold" panose="020B0703030302020204" pitchFamily="34" charset="-127"/>
+              <a:ea typeface="에스코어 드림 6 Bold" panose="020B0703030302020204" pitchFamily="34" charset="-127"/>
+            </a:endParaRPr>
+          </a:p>
+        </p:txBody>
+      </p:sp>
+      <p:grpSp>
+        <p:nvGrpSpPr>
+          <p:cNvPr id="3" name="그룹 2">
+            <a:extLst>
+              <a:ext uri="{FF2B5EF4-FFF2-40B4-BE49-F238E27FC236}">
+                <a16:creationId xmlns:a16="http://schemas.microsoft.com/office/drawing/2014/main" id="{DF3FE269-434E-40CC-C1AC-10DB05033691}"/>
+              </a:ext>
+            </a:extLst>
+          </p:cNvPr>
+          <p:cNvGrpSpPr/>
+          <p:nvPr/>
+        </p:nvGrpSpPr>
+        <p:grpSpPr>
+          <a:xfrm>
+            <a:off x="312471" y="1285234"/>
+            <a:ext cx="4445865" cy="4586660"/>
+            <a:chOff x="159055" y="1037393"/>
+            <a:chExt cx="4445865" cy="4586660"/>
+          </a:xfrm>
+        </p:grpSpPr>
+        <p:pic>
+          <p:nvPicPr>
+            <p:cNvPr id="7" name="그림 6">
+              <a:extLst>
+                <a:ext uri="{FF2B5EF4-FFF2-40B4-BE49-F238E27FC236}">
+                  <a16:creationId xmlns:a16="http://schemas.microsoft.com/office/drawing/2014/main" id="{BBE4E70E-44D2-638B-C417-819177019DC3}"/>
+                </a:ext>
+              </a:extLst>
+            </p:cNvPr>
+            <p:cNvPicPr>
+              <a:picLocks noChangeAspect="1"/>
+            </p:cNvPicPr>
+            <p:nvPr/>
+          </p:nvPicPr>
+          <p:blipFill>
+            <a:blip r:embed="rId2"/>
+            <a:stretch>
+              <a:fillRect/>
+            </a:stretch>
+          </p:blipFill>
+          <p:spPr>
+            <a:xfrm>
+              <a:off x="159055" y="1037393"/>
+              <a:ext cx="4445865" cy="4586660"/>
+            </a:xfrm>
+            <a:prstGeom prst="rect">
+              <a:avLst/>
+            </a:prstGeom>
+          </p:spPr>
+        </p:pic>
+        <p:sp>
+          <p:nvSpPr>
+            <p:cNvPr id="8" name="직사각형 7">
+              <a:extLst>
+                <a:ext uri="{FF2B5EF4-FFF2-40B4-BE49-F238E27FC236}">
+                  <a16:creationId xmlns:a16="http://schemas.microsoft.com/office/drawing/2014/main" id="{EACE9533-3521-2F87-87CA-4F914FF2140B}"/>
+                </a:ext>
+              </a:extLst>
+            </p:cNvPr>
+            <p:cNvSpPr/>
+            <p:nvPr/>
+          </p:nvSpPr>
+          <p:spPr>
+            <a:xfrm>
+              <a:off x="2362335" y="1676712"/>
+              <a:ext cx="2150671" cy="1882565"/>
+            </a:xfrm>
+            <a:prstGeom prst="rect">
+              <a:avLst/>
+            </a:prstGeom>
+            <a:noFill/>
+            <a:ln w="38100">
+              <a:solidFill>
+                <a:srgbClr val="FF0000"/>
+              </a:solidFill>
+            </a:ln>
+          </p:spPr>
+          <p:style>
+            <a:lnRef idx="2">
+              <a:schemeClr val="accent1">
+                <a:shade val="15000"/>
+              </a:schemeClr>
+            </a:lnRef>
+            <a:fillRef idx="1">
+              <a:schemeClr val="accent1"/>
+            </a:fillRef>
+            <a:effectRef idx="0">
+              <a:schemeClr val="accent1"/>
+            </a:effectRef>
+            <a:fontRef idx="minor">
+              <a:schemeClr val="lt1"/>
+            </a:fontRef>
+          </p:style>
+          <p:txBody>
+            <a:bodyPr rtlCol="0" anchor="ctr"/>
+            <a:lstStyle/>
+            <a:p>
+              <a:pPr algn="ctr"/>
+              <a:endParaRPr lang="ko-KR" altLang="en-US" dirty="0"/>
+            </a:p>
+          </p:txBody>
+        </p:sp>
+      </p:grpSp>
+      <p:sp>
+        <p:nvSpPr>
+          <p:cNvPr id="11" name="TextBox 10">
+            <a:extLst>
+              <a:ext uri="{FF2B5EF4-FFF2-40B4-BE49-F238E27FC236}">
+                <a16:creationId xmlns:a16="http://schemas.microsoft.com/office/drawing/2014/main" id="{87A85533-C93C-E385-9CB9-0456FAECFCF1}"/>
+              </a:ext>
+            </a:extLst>
+          </p:cNvPr>
+          <p:cNvSpPr txBox="1"/>
+          <p:nvPr/>
+        </p:nvSpPr>
+        <p:spPr>
+          <a:xfrm>
+            <a:off x="5021317" y="1285234"/>
+            <a:ext cx="6298519" cy="646331"/>
+          </a:xfrm>
+          <a:prstGeom prst="rect">
+            <a:avLst/>
+          </a:prstGeom>
+          <a:noFill/>
+          <a:ln>
+            <a:solidFill>
+              <a:schemeClr val="tx1"/>
+            </a:solidFill>
+          </a:ln>
+        </p:spPr>
+        <p:txBody>
+          <a:bodyPr wrap="none" rtlCol="0">
+            <a:spAutoFit/>
+          </a:bodyPr>
+          <a:lstStyle/>
+          <a:p>
+            <a:r>
+              <a:rPr lang="en-US" altLang="ko-KR" dirty="0"/>
+              <a:t>&lt;</a:t>
+            </a:r>
+            <a:r>
+              <a:rPr lang="ko-KR" altLang="en-US" dirty="0"/>
+              <a:t>참고</a:t>
+            </a:r>
+            <a:r>
+              <a:rPr lang="en-US" altLang="ko-KR" dirty="0"/>
+              <a:t>&gt;</a:t>
+            </a:r>
+          </a:p>
+          <a:p>
+            <a:pPr marL="342900" indent="-342900">
+              <a:buAutoNum type="arabicPeriod"/>
+            </a:pPr>
+            <a:r>
+              <a:rPr lang="ko-KR" altLang="en-US" dirty="0"/>
+              <a:t>기본 설정 시</a:t>
+            </a:r>
+            <a:r>
+              <a:rPr lang="en-US" altLang="ko-KR" dirty="0"/>
+              <a:t>, </a:t>
+            </a:r>
+            <a:r>
+              <a:rPr lang="ko-KR" altLang="en-US" dirty="0"/>
+              <a:t>우측에서 추가해 줬던 것이 라이브러리이다</a:t>
+            </a:r>
+            <a:r>
+              <a:rPr lang="en-US" altLang="ko-KR" dirty="0"/>
+              <a:t>. </a:t>
+            </a:r>
+            <a:endParaRPr lang="ko-KR" altLang="en-US" dirty="0"/>
+          </a:p>
+        </p:txBody>
+      </p:sp>
+    </p:spTree>
+    <p:extLst>
+      <p:ext uri="{BB962C8B-B14F-4D97-AF65-F5344CB8AC3E}">
+        <p14:creationId xmlns:p14="http://schemas.microsoft.com/office/powerpoint/2010/main" val="1804355314"/>
+      </p:ext>
+    </p:extLst>
+  </p:cSld>
+  <p:clrMapOvr>
+    <a:masterClrMapping/>
+  </p:clrMapOvr>
+</p:sld>
+</file>
+
+<file path=ppt/slides/slide19.xml><?xml version="1.0" encoding="utf-8"?>
+<p:sld xmlns:a="http://schemas.openxmlformats.org/drawingml/2006/main" xmlns:r="http://schemas.openxmlformats.org/officeDocument/2006/relationships" xmlns:p="http://schemas.openxmlformats.org/presentationml/2006/main">
+  <p:cSld>
+    <p:spTree>
+      <p:nvGrpSpPr>
+        <p:cNvPr id="1" name=""/>
+        <p:cNvGrpSpPr/>
+        <p:nvPr/>
+      </p:nvGrpSpPr>
+      <p:grpSpPr>
+        <a:xfrm>
+          <a:off x="0" y="0"/>
+          <a:ext cx="0" cy="0"/>
+          <a:chOff x="0" y="0"/>
+          <a:chExt cx="0" cy="0"/>
+        </a:xfrm>
+      </p:grpSpPr>
+      <p:sp>
+        <p:nvSpPr>
+          <p:cNvPr id="5" name="TextBox 4">
+            <a:extLst>
+              <a:ext uri="{FF2B5EF4-FFF2-40B4-BE49-F238E27FC236}">
+                <a16:creationId xmlns:a16="http://schemas.microsoft.com/office/drawing/2014/main" id="{A389414F-66B7-1262-7F78-D45BD7660CF6}"/>
+              </a:ext>
+            </a:extLst>
+          </p:cNvPr>
+          <p:cNvSpPr txBox="1"/>
+          <p:nvPr/>
+        </p:nvSpPr>
+        <p:spPr>
+          <a:xfrm>
+            <a:off x="3234961" y="2767281"/>
+            <a:ext cx="5722079" cy="1323439"/>
+          </a:xfrm>
+          <a:prstGeom prst="rect">
+            <a:avLst/>
+          </a:prstGeom>
+          <a:solidFill>
+            <a:srgbClr val="1C3166"/>
+          </a:solidFill>
+          <a:ln>
+            <a:solidFill>
+              <a:schemeClr val="tx1"/>
+            </a:solidFill>
+          </a:ln>
+        </p:spPr>
+        <p:txBody>
+          <a:bodyPr wrap="none" rtlCol="0">
+            <a:spAutoFit/>
+          </a:bodyPr>
+          <a:lstStyle/>
+          <a:p>
+            <a:pPr algn="ctr"/>
+            <a:r>
+              <a:rPr lang="ko-KR" altLang="en-US" sz="4000" dirty="0">
+                <a:solidFill>
+                  <a:schemeClr val="bg1"/>
+                </a:solidFill>
+                <a:latin typeface="에스코어 드림 6 Bold" panose="020B0703030302020204" pitchFamily="34" charset="-127"/>
+                <a:ea typeface="에스코어 드림 6 Bold" panose="020B0703030302020204" pitchFamily="34" charset="-127"/>
+              </a:rPr>
+              <a:t>섹션</a:t>
+            </a:r>
+            <a:r>
+              <a:rPr lang="en-US" altLang="ko-KR" sz="4000" dirty="0">
+                <a:solidFill>
+                  <a:schemeClr val="bg1"/>
+                </a:solidFill>
+                <a:latin typeface="에스코어 드림 6 Bold" panose="020B0703030302020204" pitchFamily="34" charset="-127"/>
+                <a:ea typeface="에스코어 드림 6 Bold" panose="020B0703030302020204" pitchFamily="34" charset="-127"/>
+              </a:rPr>
+              <a:t>1-2</a:t>
+            </a:r>
+            <a:r>
+              <a:rPr lang="ko-KR" altLang="en-US" sz="4000" dirty="0">
+                <a:solidFill>
+                  <a:schemeClr val="bg1"/>
+                </a:solidFill>
+                <a:latin typeface="에스코어 드림 6 Bold" panose="020B0703030302020204" pitchFamily="34" charset="-127"/>
+                <a:ea typeface="에스코어 드림 6 Bold" panose="020B0703030302020204" pitchFamily="34" charset="-127"/>
+              </a:rPr>
+              <a:t>강</a:t>
+            </a:r>
+            <a:r>
+              <a:rPr lang="en-US" altLang="ko-KR" sz="4000" dirty="0">
+                <a:solidFill>
+                  <a:schemeClr val="bg1"/>
+                </a:solidFill>
+                <a:latin typeface="에스코어 드림 6 Bold" panose="020B0703030302020204" pitchFamily="34" charset="-127"/>
+                <a:ea typeface="에스코어 드림 6 Bold" panose="020B0703030302020204" pitchFamily="34" charset="-127"/>
+              </a:rPr>
+              <a:t>(1:50)</a:t>
+            </a:r>
+          </a:p>
+          <a:p>
+            <a:pPr algn="ctr"/>
+            <a:r>
+              <a:rPr lang="en-US" altLang="ko-KR" sz="4000" dirty="0" err="1">
+                <a:solidFill>
+                  <a:schemeClr val="bg1"/>
+                </a:solidFill>
+                <a:latin typeface="에스코어 드림 6 Bold" panose="020B0703030302020204" pitchFamily="34" charset="-127"/>
+                <a:ea typeface="에스코어 드림 6 Bold" panose="020B0703030302020204" pitchFamily="34" charset="-127"/>
+              </a:rPr>
+              <a:t>Maver</a:t>
+            </a:r>
+            <a:r>
+              <a:rPr lang="en-US" altLang="ko-KR" sz="4000" dirty="0">
+                <a:solidFill>
+                  <a:schemeClr val="bg1"/>
+                </a:solidFill>
+                <a:latin typeface="에스코어 드림 6 Bold" panose="020B0703030302020204" pitchFamily="34" charset="-127"/>
+                <a:ea typeface="에스코어 드림 6 Bold" panose="020B0703030302020204" pitchFamily="34" charset="-127"/>
+              </a:rPr>
+              <a:t> / Gradle </a:t>
+            </a:r>
+            <a:r>
+              <a:rPr lang="ko-KR" altLang="en-US" sz="4000" dirty="0">
+                <a:solidFill>
+                  <a:schemeClr val="bg1"/>
+                </a:solidFill>
+                <a:latin typeface="에스코어 드림 6 Bold" panose="020B0703030302020204" pitchFamily="34" charset="-127"/>
+                <a:ea typeface="에스코어 드림 6 Bold" panose="020B0703030302020204" pitchFamily="34" charset="-127"/>
+              </a:rPr>
+              <a:t>하는 일</a:t>
+            </a:r>
+            <a:endParaRPr lang="en-US" altLang="ko-KR" sz="4000" dirty="0">
+              <a:solidFill>
+                <a:schemeClr val="bg1"/>
+              </a:solidFill>
+              <a:latin typeface="에스코어 드림 6 Bold" panose="020B0703030302020204" pitchFamily="34" charset="-127"/>
+              <a:ea typeface="에스코어 드림 6 Bold" panose="020B0703030302020204" pitchFamily="34" charset="-127"/>
+            </a:endParaRPr>
+          </a:p>
+        </p:txBody>
+      </p:sp>
+    </p:spTree>
+    <p:extLst>
+      <p:ext uri="{BB962C8B-B14F-4D97-AF65-F5344CB8AC3E}">
+        <p14:creationId xmlns:p14="http://schemas.microsoft.com/office/powerpoint/2010/main" val="3411651752"/>
+      </p:ext>
+    </p:extLst>
+  </p:cSld>
+  <p:clrMapOvr>
+    <a:masterClrMapping/>
+  </p:clrMapOvr>
+</p:sld>
+</file>
+
 <file path=ppt/slides/slide2.xml><?xml version="1.0" encoding="utf-8"?>
 <p:sld xmlns:a="http://schemas.openxmlformats.org/drawingml/2006/main" xmlns:r="http://schemas.openxmlformats.org/officeDocument/2006/relationships" xmlns:p="http://schemas.openxmlformats.org/presentationml/2006/main">
   <p:cSld>
@@ -8369,6 +9831,4505 @@
     <p:extLst>
       <p:ext uri="{BB962C8B-B14F-4D97-AF65-F5344CB8AC3E}">
         <p14:creationId xmlns:p14="http://schemas.microsoft.com/office/powerpoint/2010/main" val="1088900546"/>
+      </p:ext>
+    </p:extLst>
+  </p:cSld>
+  <p:clrMapOvr>
+    <a:masterClrMapping/>
+  </p:clrMapOvr>
+</p:sld>
+</file>
+
+<file path=ppt/slides/slide20.xml><?xml version="1.0" encoding="utf-8"?>
+<p:sld xmlns:a="http://schemas.openxmlformats.org/drawingml/2006/main" xmlns:r="http://schemas.openxmlformats.org/officeDocument/2006/relationships" xmlns:p="http://schemas.openxmlformats.org/presentationml/2006/main">
+  <p:cSld>
+    <p:spTree>
+      <p:nvGrpSpPr>
+        <p:cNvPr id="1" name=""/>
+        <p:cNvGrpSpPr/>
+        <p:nvPr/>
+      </p:nvGrpSpPr>
+      <p:grpSpPr>
+        <a:xfrm>
+          <a:off x="0" y="0"/>
+          <a:ext cx="0" cy="0"/>
+          <a:chOff x="0" y="0"/>
+          <a:chExt cx="0" cy="0"/>
+        </a:xfrm>
+      </p:grpSpPr>
+      <p:sp>
+        <p:nvSpPr>
+          <p:cNvPr id="5" name="TextBox 4">
+            <a:extLst>
+              <a:ext uri="{FF2B5EF4-FFF2-40B4-BE49-F238E27FC236}">
+                <a16:creationId xmlns:a16="http://schemas.microsoft.com/office/drawing/2014/main" id="{A389414F-66B7-1262-7F78-D45BD7660CF6}"/>
+              </a:ext>
+            </a:extLst>
+          </p:cNvPr>
+          <p:cNvSpPr txBox="1"/>
+          <p:nvPr/>
+        </p:nvSpPr>
+        <p:spPr>
+          <a:xfrm>
+            <a:off x="219931" y="197501"/>
+            <a:ext cx="2954976" cy="707886"/>
+          </a:xfrm>
+          <a:prstGeom prst="rect">
+            <a:avLst/>
+          </a:prstGeom>
+          <a:solidFill>
+            <a:srgbClr val="1C3166"/>
+          </a:solidFill>
+          <a:ln>
+            <a:solidFill>
+              <a:schemeClr val="tx1"/>
+            </a:solidFill>
+          </a:ln>
+        </p:spPr>
+        <p:txBody>
+          <a:bodyPr wrap="none" rtlCol="0">
+            <a:spAutoFit/>
+          </a:bodyPr>
+          <a:lstStyle/>
+          <a:p>
+            <a:pPr algn="ctr"/>
+            <a:r>
+              <a:rPr lang="ko-KR" altLang="en-US" sz="2000" dirty="0">
+                <a:solidFill>
+                  <a:schemeClr val="bg1"/>
+                </a:solidFill>
+                <a:latin typeface="에스코어 드림 6 Bold" panose="020B0703030302020204" pitchFamily="34" charset="-127"/>
+                <a:ea typeface="에스코어 드림 6 Bold" panose="020B0703030302020204" pitchFamily="34" charset="-127"/>
+              </a:rPr>
+              <a:t>섹션</a:t>
+            </a:r>
+            <a:r>
+              <a:rPr lang="en-US" altLang="ko-KR" sz="2000" dirty="0">
+                <a:solidFill>
+                  <a:schemeClr val="bg1"/>
+                </a:solidFill>
+                <a:latin typeface="에스코어 드림 6 Bold" panose="020B0703030302020204" pitchFamily="34" charset="-127"/>
+                <a:ea typeface="에스코어 드림 6 Bold" panose="020B0703030302020204" pitchFamily="34" charset="-127"/>
+              </a:rPr>
+              <a:t>1-2</a:t>
+            </a:r>
+            <a:r>
+              <a:rPr lang="ko-KR" altLang="en-US" sz="2000" dirty="0">
+                <a:solidFill>
+                  <a:schemeClr val="bg1"/>
+                </a:solidFill>
+                <a:latin typeface="에스코어 드림 6 Bold" panose="020B0703030302020204" pitchFamily="34" charset="-127"/>
+                <a:ea typeface="에스코어 드림 6 Bold" panose="020B0703030302020204" pitchFamily="34" charset="-127"/>
+              </a:rPr>
+              <a:t>강</a:t>
+            </a:r>
+            <a:r>
+              <a:rPr lang="en-US" altLang="ko-KR" sz="2000" dirty="0">
+                <a:solidFill>
+                  <a:schemeClr val="bg1"/>
+                </a:solidFill>
+                <a:latin typeface="에스코어 드림 6 Bold" panose="020B0703030302020204" pitchFamily="34" charset="-127"/>
+                <a:ea typeface="에스코어 드림 6 Bold" panose="020B0703030302020204" pitchFamily="34" charset="-127"/>
+              </a:rPr>
+              <a:t>(1:50)</a:t>
+            </a:r>
+          </a:p>
+          <a:p>
+            <a:pPr algn="ctr"/>
+            <a:r>
+              <a:rPr lang="en-US" altLang="ko-KR" sz="2000" dirty="0" err="1">
+                <a:solidFill>
+                  <a:schemeClr val="bg1"/>
+                </a:solidFill>
+                <a:latin typeface="에스코어 드림 6 Bold" panose="020B0703030302020204" pitchFamily="34" charset="-127"/>
+                <a:ea typeface="에스코어 드림 6 Bold" panose="020B0703030302020204" pitchFamily="34" charset="-127"/>
+              </a:rPr>
+              <a:t>Maver</a:t>
+            </a:r>
+            <a:r>
+              <a:rPr lang="en-US" altLang="ko-KR" sz="2000" dirty="0">
+                <a:solidFill>
+                  <a:schemeClr val="bg1"/>
+                </a:solidFill>
+                <a:latin typeface="에스코어 드림 6 Bold" panose="020B0703030302020204" pitchFamily="34" charset="-127"/>
+                <a:ea typeface="에스코어 드림 6 Bold" panose="020B0703030302020204" pitchFamily="34" charset="-127"/>
+              </a:rPr>
+              <a:t> / Gradle </a:t>
+            </a:r>
+            <a:r>
+              <a:rPr lang="ko-KR" altLang="en-US" sz="2000" dirty="0">
+                <a:solidFill>
+                  <a:schemeClr val="bg1"/>
+                </a:solidFill>
+                <a:latin typeface="에스코어 드림 6 Bold" panose="020B0703030302020204" pitchFamily="34" charset="-127"/>
+                <a:ea typeface="에스코어 드림 6 Bold" panose="020B0703030302020204" pitchFamily="34" charset="-127"/>
+              </a:rPr>
+              <a:t>하는 일</a:t>
+            </a:r>
+            <a:endParaRPr lang="en-US" altLang="ko-KR" sz="2000" dirty="0">
+              <a:solidFill>
+                <a:schemeClr val="bg1"/>
+              </a:solidFill>
+              <a:latin typeface="에스코어 드림 6 Bold" panose="020B0703030302020204" pitchFamily="34" charset="-127"/>
+              <a:ea typeface="에스코어 드림 6 Bold" panose="020B0703030302020204" pitchFamily="34" charset="-127"/>
+            </a:endParaRPr>
+          </a:p>
+        </p:txBody>
+      </p:sp>
+      <p:sp>
+        <p:nvSpPr>
+          <p:cNvPr id="2" name="TextBox 1">
+            <a:extLst>
+              <a:ext uri="{FF2B5EF4-FFF2-40B4-BE49-F238E27FC236}">
+                <a16:creationId xmlns:a16="http://schemas.microsoft.com/office/drawing/2014/main" id="{9015CA05-E303-FC9C-F06C-2B07EC60C0CD}"/>
+              </a:ext>
+            </a:extLst>
+          </p:cNvPr>
+          <p:cNvSpPr txBox="1"/>
+          <p:nvPr/>
+        </p:nvSpPr>
+        <p:spPr>
+          <a:xfrm>
+            <a:off x="219931" y="1229710"/>
+            <a:ext cx="9300431" cy="3262432"/>
+          </a:xfrm>
+          <a:prstGeom prst="rect">
+            <a:avLst/>
+          </a:prstGeom>
+          <a:noFill/>
+          <a:ln>
+            <a:solidFill>
+              <a:schemeClr val="tx1"/>
+            </a:solidFill>
+          </a:ln>
+        </p:spPr>
+        <p:txBody>
+          <a:bodyPr wrap="none" rtlCol="0">
+            <a:spAutoFit/>
+          </a:bodyPr>
+          <a:lstStyle/>
+          <a:p>
+            <a:r>
+              <a:rPr lang="en-US" altLang="ko-KR" dirty="0"/>
+              <a:t>&lt;</a:t>
+            </a:r>
+            <a:r>
+              <a:rPr lang="ko-KR" altLang="en-US" dirty="0"/>
+              <a:t>참고</a:t>
+            </a:r>
+            <a:r>
+              <a:rPr lang="en-US" altLang="ko-KR" dirty="0"/>
+              <a:t>&gt;</a:t>
+            </a:r>
+          </a:p>
+          <a:p>
+            <a:pPr marL="342900" indent="-342900">
+              <a:buAutoNum type="arabicPeriod"/>
+            </a:pPr>
+            <a:r>
+              <a:rPr lang="en-US" altLang="ko-KR" dirty="0"/>
+              <a:t>Maven / Gradle = </a:t>
+            </a:r>
+            <a:r>
+              <a:rPr lang="ko-KR" altLang="en-US" dirty="0"/>
+              <a:t>빌드 툴이라고 불리우는데 이런 빌드 툴들은 의존관계를 관리해 준다</a:t>
+            </a:r>
+            <a:r>
+              <a:rPr lang="en-US" altLang="ko-KR" dirty="0"/>
+              <a:t>.</a:t>
+            </a:r>
+          </a:p>
+          <a:p>
+            <a:pPr marL="342900" indent="-342900">
+              <a:buAutoNum type="arabicPeriod"/>
+            </a:pPr>
+            <a:r>
+              <a:rPr lang="ko-KR" altLang="en-US" dirty="0"/>
+              <a:t>빌드 툴 </a:t>
+            </a:r>
+            <a:r>
+              <a:rPr lang="en-US" altLang="ko-KR" dirty="0"/>
+              <a:t>= </a:t>
+            </a:r>
+            <a:r>
+              <a:rPr lang="ko-KR" altLang="en-US" dirty="0"/>
+              <a:t>빌드를 해주는 툴 </a:t>
+            </a:r>
+            <a:endParaRPr lang="en-US" altLang="ko-KR" dirty="0"/>
+          </a:p>
+          <a:p>
+            <a:endParaRPr lang="en-US" altLang="ko-KR" dirty="0"/>
+          </a:p>
+          <a:p>
+            <a:r>
+              <a:rPr lang="en-US" altLang="ko-KR" dirty="0"/>
+              <a:t>&lt;</a:t>
+            </a:r>
+            <a:r>
+              <a:rPr lang="ko-KR" altLang="en-US" dirty="0"/>
+              <a:t>질문</a:t>
+            </a:r>
+            <a:r>
+              <a:rPr lang="en-US" altLang="ko-KR" dirty="0"/>
+              <a:t>&gt;</a:t>
+            </a:r>
+          </a:p>
+          <a:p>
+            <a:pPr marL="342900" indent="-342900">
+              <a:buAutoNum type="arabicPeriod"/>
+            </a:pPr>
+            <a:r>
+              <a:rPr lang="ko-KR" altLang="en-US" dirty="0"/>
+              <a:t>의존관계를 관리해 준다는 말이 무슨 </a:t>
+            </a:r>
+            <a:r>
+              <a:rPr lang="ko-KR" altLang="en-US" dirty="0" err="1"/>
+              <a:t>뜻이에요</a:t>
+            </a:r>
+            <a:r>
+              <a:rPr lang="en-US" altLang="ko-KR" dirty="0"/>
+              <a:t>?</a:t>
+            </a:r>
+          </a:p>
+          <a:p>
+            <a:pPr marL="800100" lvl="1" indent="-342900">
+              <a:buAutoNum type="arabicPeriod"/>
+            </a:pPr>
+            <a:r>
+              <a:rPr lang="ko-KR" altLang="en-US" sz="1400" dirty="0"/>
+              <a:t>예를 들어</a:t>
+            </a:r>
+            <a:r>
+              <a:rPr lang="en-US" altLang="ko-KR" sz="1400" dirty="0"/>
+              <a:t>, ojdbc8</a:t>
+            </a:r>
+            <a:r>
+              <a:rPr lang="ko-KR" altLang="en-US" sz="1400" dirty="0"/>
+              <a:t> 라이브러리를 </a:t>
+            </a:r>
+            <a:r>
+              <a:rPr lang="en-US" altLang="ko-KR" sz="1400" dirty="0"/>
+              <a:t>Maven</a:t>
+            </a:r>
+            <a:r>
+              <a:rPr lang="ko-KR" altLang="en-US" sz="1400" dirty="0"/>
+              <a:t>에 등록을 한다고 하자</a:t>
+            </a:r>
+            <a:r>
+              <a:rPr lang="en-US" altLang="ko-KR" sz="1400" dirty="0"/>
+              <a:t>. </a:t>
+            </a:r>
+          </a:p>
+          <a:p>
+            <a:pPr marL="800100" lvl="1" indent="-342900">
+              <a:buAutoNum type="arabicPeriod"/>
+            </a:pPr>
+            <a:r>
+              <a:rPr lang="ko-KR" altLang="en-US" sz="1400" dirty="0"/>
+              <a:t>그러면 </a:t>
+            </a:r>
+            <a:r>
+              <a:rPr lang="en-US" altLang="ko-KR" sz="1400" dirty="0"/>
+              <a:t>ojdbc8</a:t>
+            </a:r>
+            <a:r>
+              <a:rPr lang="ko-KR" altLang="en-US" sz="1400" dirty="0"/>
+              <a:t>라이브러리를 다운로드 받기 위해선 </a:t>
+            </a:r>
+            <a:r>
+              <a:rPr lang="en-US" altLang="ko-KR" sz="1400" dirty="0"/>
+              <a:t>ojdbc8</a:t>
+            </a:r>
+            <a:r>
+              <a:rPr lang="ko-KR" altLang="en-US" sz="1400" dirty="0"/>
+              <a:t>라이브러리 뿐 아니라</a:t>
+            </a:r>
+            <a:r>
+              <a:rPr lang="en-US" altLang="ko-KR" sz="1400" dirty="0"/>
+              <a:t>, </a:t>
+            </a:r>
+            <a:r>
+              <a:rPr lang="ko-KR" altLang="en-US" sz="1400" dirty="0"/>
+              <a:t>다른 라이브러리까지 </a:t>
+            </a:r>
+            <a:br>
+              <a:rPr lang="en-US" altLang="ko-KR" sz="1400" dirty="0"/>
+            </a:br>
+            <a:r>
+              <a:rPr lang="ko-KR" altLang="en-US" sz="1400" dirty="0"/>
+              <a:t>다운로드 받아야 </a:t>
+            </a:r>
+            <a:r>
+              <a:rPr lang="en-US" altLang="ko-KR" sz="1400" dirty="0"/>
+              <a:t>ojdbc8</a:t>
+            </a:r>
+            <a:r>
+              <a:rPr lang="ko-KR" altLang="en-US" sz="1400" dirty="0"/>
+              <a:t>라이브러리를 사용할 수 있게 된다</a:t>
+            </a:r>
+            <a:r>
+              <a:rPr lang="en-US" altLang="ko-KR" sz="1400" dirty="0"/>
+              <a:t>. </a:t>
+            </a:r>
+          </a:p>
+          <a:p>
+            <a:pPr marL="800100" lvl="1" indent="-342900">
+              <a:buAutoNum type="arabicPeriod"/>
+            </a:pPr>
+            <a:r>
+              <a:rPr lang="en-US" altLang="ko-KR" sz="1400" dirty="0"/>
+              <a:t>Maven </a:t>
+            </a:r>
+            <a:r>
+              <a:rPr lang="ko-KR" altLang="en-US" sz="1400" dirty="0"/>
+              <a:t>혹은 </a:t>
+            </a:r>
+            <a:r>
+              <a:rPr lang="en-US" altLang="ko-KR" sz="1400" dirty="0"/>
+              <a:t>Gradle</a:t>
+            </a:r>
+            <a:r>
+              <a:rPr lang="ko-KR" altLang="en-US" sz="1400" dirty="0"/>
+              <a:t>을 사용하면 </a:t>
+            </a:r>
+            <a:r>
+              <a:rPr lang="en-US" altLang="ko-KR" sz="1400" dirty="0"/>
+              <a:t>ojdbc8</a:t>
+            </a:r>
+            <a:r>
+              <a:rPr lang="ko-KR" altLang="en-US" sz="1400" dirty="0"/>
+              <a:t>라이브러리를 사용하기 위해 필요한 다른 라이브러리를</a:t>
+            </a:r>
+            <a:br>
+              <a:rPr lang="en-US" altLang="ko-KR" sz="1400" dirty="0"/>
+            </a:br>
+            <a:r>
+              <a:rPr lang="ko-KR" altLang="en-US" sz="1400" dirty="0"/>
+              <a:t>자동으로 설치해 준다</a:t>
+            </a:r>
+            <a:r>
+              <a:rPr lang="en-US" altLang="ko-KR" sz="1400" dirty="0"/>
+              <a:t>.</a:t>
+            </a:r>
+          </a:p>
+          <a:p>
+            <a:pPr marL="800100" lvl="1" indent="-342900">
+              <a:buAutoNum type="arabicPeriod"/>
+            </a:pPr>
+            <a:r>
+              <a:rPr lang="ko-KR" altLang="en-US" sz="1400" dirty="0"/>
+              <a:t>즉</a:t>
+            </a:r>
+            <a:r>
+              <a:rPr lang="en-US" altLang="ko-KR" sz="1400" dirty="0"/>
+              <a:t>, ojdbc8</a:t>
+            </a:r>
+            <a:r>
+              <a:rPr lang="ko-KR" altLang="en-US" sz="1400" dirty="0"/>
+              <a:t>라이브러리를 다운로드 받아줘</a:t>
+            </a:r>
+            <a:r>
+              <a:rPr lang="en-US" altLang="ko-KR" sz="1400" dirty="0"/>
+              <a:t>! </a:t>
+            </a:r>
+            <a:r>
+              <a:rPr lang="ko-KR" altLang="en-US" sz="1400" dirty="0"/>
+              <a:t>라고 명령만 하면</a:t>
+            </a:r>
+            <a:r>
+              <a:rPr lang="en-US" altLang="ko-KR" sz="1400" dirty="0"/>
+              <a:t>, ojdbc8</a:t>
+            </a:r>
+            <a:r>
+              <a:rPr lang="ko-KR" altLang="en-US" sz="1400" dirty="0"/>
+              <a:t>라이브러리를 사용하기 위해 필요한</a:t>
+            </a:r>
+            <a:br>
+              <a:rPr lang="en-US" altLang="ko-KR" sz="1400" dirty="0"/>
+            </a:br>
+            <a:r>
+              <a:rPr lang="ko-KR" altLang="en-US" sz="1400" dirty="0"/>
+              <a:t>다른 라이브러리들까지 자동으로 받아준다는 뜻 </a:t>
+            </a:r>
+            <a:endParaRPr lang="en-US" altLang="ko-KR" sz="1400" dirty="0"/>
+          </a:p>
+        </p:txBody>
+      </p:sp>
+    </p:spTree>
+    <p:extLst>
+      <p:ext uri="{BB962C8B-B14F-4D97-AF65-F5344CB8AC3E}">
+        <p14:creationId xmlns:p14="http://schemas.microsoft.com/office/powerpoint/2010/main" val="2928569967"/>
+      </p:ext>
+    </p:extLst>
+  </p:cSld>
+  <p:clrMapOvr>
+    <a:masterClrMapping/>
+  </p:clrMapOvr>
+</p:sld>
+</file>
+
+<file path=ppt/slides/slide21.xml><?xml version="1.0" encoding="utf-8"?>
+<p:sld xmlns:a="http://schemas.openxmlformats.org/drawingml/2006/main" xmlns:r="http://schemas.openxmlformats.org/officeDocument/2006/relationships" xmlns:p="http://schemas.openxmlformats.org/presentationml/2006/main">
+  <p:cSld>
+    <p:spTree>
+      <p:nvGrpSpPr>
+        <p:cNvPr id="1" name=""/>
+        <p:cNvGrpSpPr/>
+        <p:nvPr/>
+      </p:nvGrpSpPr>
+      <p:grpSpPr>
+        <a:xfrm>
+          <a:off x="0" y="0"/>
+          <a:ext cx="0" cy="0"/>
+          <a:chOff x="0" y="0"/>
+          <a:chExt cx="0" cy="0"/>
+        </a:xfrm>
+      </p:grpSpPr>
+      <p:sp>
+        <p:nvSpPr>
+          <p:cNvPr id="5" name="TextBox 4">
+            <a:extLst>
+              <a:ext uri="{FF2B5EF4-FFF2-40B4-BE49-F238E27FC236}">
+                <a16:creationId xmlns:a16="http://schemas.microsoft.com/office/drawing/2014/main" id="{A389414F-66B7-1262-7F78-D45BD7660CF6}"/>
+              </a:ext>
+            </a:extLst>
+          </p:cNvPr>
+          <p:cNvSpPr txBox="1"/>
+          <p:nvPr/>
+        </p:nvSpPr>
+        <p:spPr>
+          <a:xfrm>
+            <a:off x="2233885" y="2767281"/>
+            <a:ext cx="7724230" cy="1323439"/>
+          </a:xfrm>
+          <a:prstGeom prst="rect">
+            <a:avLst/>
+          </a:prstGeom>
+          <a:solidFill>
+            <a:srgbClr val="1C3166"/>
+          </a:solidFill>
+          <a:ln>
+            <a:solidFill>
+              <a:schemeClr val="tx1"/>
+            </a:solidFill>
+          </a:ln>
+        </p:spPr>
+        <p:txBody>
+          <a:bodyPr wrap="none" rtlCol="0">
+            <a:spAutoFit/>
+          </a:bodyPr>
+          <a:lstStyle/>
+          <a:p>
+            <a:pPr algn="ctr"/>
+            <a:r>
+              <a:rPr lang="ko-KR" altLang="en-US" sz="4000" dirty="0">
+                <a:solidFill>
+                  <a:schemeClr val="bg1"/>
+                </a:solidFill>
+                <a:latin typeface="에스코어 드림 6 Bold" panose="020B0703030302020204" pitchFamily="34" charset="-127"/>
+                <a:ea typeface="에스코어 드림 6 Bold" panose="020B0703030302020204" pitchFamily="34" charset="-127"/>
+              </a:rPr>
+              <a:t>섹션</a:t>
+            </a:r>
+            <a:r>
+              <a:rPr lang="en-US" altLang="ko-KR" sz="4000" dirty="0">
+                <a:solidFill>
+                  <a:schemeClr val="bg1"/>
+                </a:solidFill>
+                <a:latin typeface="에스코어 드림 6 Bold" panose="020B0703030302020204" pitchFamily="34" charset="-127"/>
+                <a:ea typeface="에스코어 드림 6 Bold" panose="020B0703030302020204" pitchFamily="34" charset="-127"/>
+              </a:rPr>
+              <a:t>1-2</a:t>
+            </a:r>
+            <a:r>
+              <a:rPr lang="ko-KR" altLang="en-US" sz="4000" dirty="0">
+                <a:solidFill>
+                  <a:schemeClr val="bg1"/>
+                </a:solidFill>
+                <a:latin typeface="에스코어 드림 6 Bold" panose="020B0703030302020204" pitchFamily="34" charset="-127"/>
+                <a:ea typeface="에스코어 드림 6 Bold" panose="020B0703030302020204" pitchFamily="34" charset="-127"/>
+              </a:rPr>
+              <a:t>강</a:t>
+            </a:r>
+            <a:r>
+              <a:rPr lang="en-US" altLang="ko-KR" sz="4000" dirty="0">
+                <a:solidFill>
+                  <a:schemeClr val="bg1"/>
+                </a:solidFill>
+                <a:latin typeface="에스코어 드림 6 Bold" panose="020B0703030302020204" pitchFamily="34" charset="-127"/>
+                <a:ea typeface="에스코어 드림 6 Bold" panose="020B0703030302020204" pitchFamily="34" charset="-127"/>
+              </a:rPr>
+              <a:t>(8:00)</a:t>
+            </a:r>
+          </a:p>
+          <a:p>
+            <a:pPr algn="ctr"/>
+            <a:r>
+              <a:rPr lang="en-US" altLang="ko-KR" sz="4000" dirty="0" err="1">
+                <a:solidFill>
+                  <a:schemeClr val="bg1"/>
+                </a:solidFill>
+                <a:latin typeface="에스코어 드림 6 Bold" panose="020B0703030302020204" pitchFamily="34" charset="-127"/>
+                <a:ea typeface="에스코어 드림 6 Bold" panose="020B0703030302020204" pitchFamily="34" charset="-127"/>
+              </a:rPr>
+              <a:t>syso</a:t>
+            </a:r>
+            <a:r>
+              <a:rPr lang="ko-KR" altLang="en-US" sz="4000" dirty="0">
+                <a:solidFill>
+                  <a:schemeClr val="bg1"/>
+                </a:solidFill>
+                <a:latin typeface="에스코어 드림 6 Bold" panose="020B0703030302020204" pitchFamily="34" charset="-127"/>
+                <a:ea typeface="에스코어 드림 6 Bold" panose="020B0703030302020204" pitchFamily="34" charset="-127"/>
+              </a:rPr>
+              <a:t>가 아닌</a:t>
+            </a:r>
+            <a:r>
+              <a:rPr lang="en-US" altLang="ko-KR" sz="4000" dirty="0">
+                <a:solidFill>
+                  <a:schemeClr val="bg1"/>
+                </a:solidFill>
+                <a:latin typeface="에스코어 드림 6 Bold" panose="020B0703030302020204" pitchFamily="34" charset="-127"/>
+                <a:ea typeface="에스코어 드림 6 Bold" panose="020B0703030302020204" pitchFamily="34" charset="-127"/>
+              </a:rPr>
+              <a:t>, log4j </a:t>
+            </a:r>
+            <a:r>
+              <a:rPr lang="ko-KR" altLang="en-US" sz="4000" dirty="0">
+                <a:solidFill>
+                  <a:schemeClr val="bg1"/>
+                </a:solidFill>
+                <a:latin typeface="에스코어 드림 6 Bold" panose="020B0703030302020204" pitchFamily="34" charset="-127"/>
+                <a:ea typeface="에스코어 드림 6 Bold" panose="020B0703030302020204" pitchFamily="34" charset="-127"/>
+              </a:rPr>
+              <a:t>사용하는 이유</a:t>
+            </a:r>
+            <a:endParaRPr lang="en-US" altLang="ko-KR" sz="4000" dirty="0">
+              <a:solidFill>
+                <a:schemeClr val="bg1"/>
+              </a:solidFill>
+              <a:latin typeface="에스코어 드림 6 Bold" panose="020B0703030302020204" pitchFamily="34" charset="-127"/>
+              <a:ea typeface="에스코어 드림 6 Bold" panose="020B0703030302020204" pitchFamily="34" charset="-127"/>
+            </a:endParaRPr>
+          </a:p>
+        </p:txBody>
+      </p:sp>
+    </p:spTree>
+    <p:extLst>
+      <p:ext uri="{BB962C8B-B14F-4D97-AF65-F5344CB8AC3E}">
+        <p14:creationId xmlns:p14="http://schemas.microsoft.com/office/powerpoint/2010/main" val="3819589001"/>
+      </p:ext>
+    </p:extLst>
+  </p:cSld>
+  <p:clrMapOvr>
+    <a:masterClrMapping/>
+  </p:clrMapOvr>
+</p:sld>
+</file>
+
+<file path=ppt/slides/slide22.xml><?xml version="1.0" encoding="utf-8"?>
+<p:sld xmlns:a="http://schemas.openxmlformats.org/drawingml/2006/main" xmlns:r="http://schemas.openxmlformats.org/officeDocument/2006/relationships" xmlns:p="http://schemas.openxmlformats.org/presentationml/2006/main">
+  <p:cSld>
+    <p:spTree>
+      <p:nvGrpSpPr>
+        <p:cNvPr id="1" name=""/>
+        <p:cNvGrpSpPr/>
+        <p:nvPr/>
+      </p:nvGrpSpPr>
+      <p:grpSpPr>
+        <a:xfrm>
+          <a:off x="0" y="0"/>
+          <a:ext cx="0" cy="0"/>
+          <a:chOff x="0" y="0"/>
+          <a:chExt cx="0" cy="0"/>
+        </a:xfrm>
+      </p:grpSpPr>
+      <p:sp>
+        <p:nvSpPr>
+          <p:cNvPr id="5" name="TextBox 4">
+            <a:extLst>
+              <a:ext uri="{FF2B5EF4-FFF2-40B4-BE49-F238E27FC236}">
+                <a16:creationId xmlns:a16="http://schemas.microsoft.com/office/drawing/2014/main" id="{A389414F-66B7-1262-7F78-D45BD7660CF6}"/>
+              </a:ext>
+            </a:extLst>
+          </p:cNvPr>
+          <p:cNvSpPr txBox="1"/>
+          <p:nvPr/>
+        </p:nvSpPr>
+        <p:spPr>
+          <a:xfrm>
+            <a:off x="130256" y="159249"/>
+            <a:ext cx="3960058" cy="707886"/>
+          </a:xfrm>
+          <a:prstGeom prst="rect">
+            <a:avLst/>
+          </a:prstGeom>
+          <a:solidFill>
+            <a:srgbClr val="1C3166"/>
+          </a:solidFill>
+          <a:ln>
+            <a:solidFill>
+              <a:schemeClr val="tx1"/>
+            </a:solidFill>
+          </a:ln>
+        </p:spPr>
+        <p:txBody>
+          <a:bodyPr wrap="none" rtlCol="0">
+            <a:spAutoFit/>
+          </a:bodyPr>
+          <a:lstStyle/>
+          <a:p>
+            <a:pPr algn="ctr"/>
+            <a:r>
+              <a:rPr lang="ko-KR" altLang="en-US" sz="2000" dirty="0">
+                <a:solidFill>
+                  <a:schemeClr val="bg1"/>
+                </a:solidFill>
+                <a:latin typeface="에스코어 드림 6 Bold" panose="020B0703030302020204" pitchFamily="34" charset="-127"/>
+                <a:ea typeface="에스코어 드림 6 Bold" panose="020B0703030302020204" pitchFamily="34" charset="-127"/>
+              </a:rPr>
+              <a:t>섹션</a:t>
+            </a:r>
+            <a:r>
+              <a:rPr lang="en-US" altLang="ko-KR" sz="2000" dirty="0">
+                <a:solidFill>
+                  <a:schemeClr val="bg1"/>
+                </a:solidFill>
+                <a:latin typeface="에스코어 드림 6 Bold" panose="020B0703030302020204" pitchFamily="34" charset="-127"/>
+                <a:ea typeface="에스코어 드림 6 Bold" panose="020B0703030302020204" pitchFamily="34" charset="-127"/>
+              </a:rPr>
+              <a:t>1-2</a:t>
+            </a:r>
+            <a:r>
+              <a:rPr lang="ko-KR" altLang="en-US" sz="2000" dirty="0">
+                <a:solidFill>
+                  <a:schemeClr val="bg1"/>
+                </a:solidFill>
+                <a:latin typeface="에스코어 드림 6 Bold" panose="020B0703030302020204" pitchFamily="34" charset="-127"/>
+                <a:ea typeface="에스코어 드림 6 Bold" panose="020B0703030302020204" pitchFamily="34" charset="-127"/>
+              </a:rPr>
+              <a:t>강</a:t>
+            </a:r>
+            <a:r>
+              <a:rPr lang="en-US" altLang="ko-KR" sz="2000" dirty="0">
+                <a:solidFill>
+                  <a:schemeClr val="bg1"/>
+                </a:solidFill>
+                <a:latin typeface="에스코어 드림 6 Bold" panose="020B0703030302020204" pitchFamily="34" charset="-127"/>
+                <a:ea typeface="에스코어 드림 6 Bold" panose="020B0703030302020204" pitchFamily="34" charset="-127"/>
+              </a:rPr>
+              <a:t>(8:00)</a:t>
+            </a:r>
+          </a:p>
+          <a:p>
+            <a:pPr algn="ctr"/>
+            <a:r>
+              <a:rPr lang="en-US" altLang="ko-KR" sz="2000" dirty="0" err="1">
+                <a:solidFill>
+                  <a:schemeClr val="bg1"/>
+                </a:solidFill>
+                <a:latin typeface="에스코어 드림 6 Bold" panose="020B0703030302020204" pitchFamily="34" charset="-127"/>
+                <a:ea typeface="에스코어 드림 6 Bold" panose="020B0703030302020204" pitchFamily="34" charset="-127"/>
+              </a:rPr>
+              <a:t>syso</a:t>
+            </a:r>
+            <a:r>
+              <a:rPr lang="ko-KR" altLang="en-US" sz="2000" dirty="0">
+                <a:solidFill>
+                  <a:schemeClr val="bg1"/>
+                </a:solidFill>
+                <a:latin typeface="에스코어 드림 6 Bold" panose="020B0703030302020204" pitchFamily="34" charset="-127"/>
+                <a:ea typeface="에스코어 드림 6 Bold" panose="020B0703030302020204" pitchFamily="34" charset="-127"/>
+              </a:rPr>
+              <a:t>가 아닌</a:t>
+            </a:r>
+            <a:r>
+              <a:rPr lang="en-US" altLang="ko-KR" sz="2000" dirty="0">
+                <a:solidFill>
+                  <a:schemeClr val="bg1"/>
+                </a:solidFill>
+                <a:latin typeface="에스코어 드림 6 Bold" panose="020B0703030302020204" pitchFamily="34" charset="-127"/>
+                <a:ea typeface="에스코어 드림 6 Bold" panose="020B0703030302020204" pitchFamily="34" charset="-127"/>
+              </a:rPr>
+              <a:t>, log4j </a:t>
+            </a:r>
+            <a:r>
+              <a:rPr lang="ko-KR" altLang="en-US" sz="2000" dirty="0">
+                <a:solidFill>
+                  <a:schemeClr val="bg1"/>
+                </a:solidFill>
+                <a:latin typeface="에스코어 드림 6 Bold" panose="020B0703030302020204" pitchFamily="34" charset="-127"/>
+                <a:ea typeface="에스코어 드림 6 Bold" panose="020B0703030302020204" pitchFamily="34" charset="-127"/>
+              </a:rPr>
+              <a:t>사용하는 이유</a:t>
+            </a:r>
+            <a:endParaRPr lang="en-US" altLang="ko-KR" sz="2000" dirty="0">
+              <a:solidFill>
+                <a:schemeClr val="bg1"/>
+              </a:solidFill>
+              <a:latin typeface="에스코어 드림 6 Bold" panose="020B0703030302020204" pitchFamily="34" charset="-127"/>
+              <a:ea typeface="에스코어 드림 6 Bold" panose="020B0703030302020204" pitchFamily="34" charset="-127"/>
+            </a:endParaRPr>
+          </a:p>
+        </p:txBody>
+      </p:sp>
+      <p:sp>
+        <p:nvSpPr>
+          <p:cNvPr id="2" name="TextBox 1">
+            <a:extLst>
+              <a:ext uri="{FF2B5EF4-FFF2-40B4-BE49-F238E27FC236}">
+                <a16:creationId xmlns:a16="http://schemas.microsoft.com/office/drawing/2014/main" id="{3E7B5018-2E4F-28D6-5FF4-AEB6F86F7563}"/>
+              </a:ext>
+            </a:extLst>
+          </p:cNvPr>
+          <p:cNvSpPr txBox="1"/>
+          <p:nvPr/>
+        </p:nvSpPr>
+        <p:spPr>
+          <a:xfrm>
+            <a:off x="130256" y="1153486"/>
+            <a:ext cx="7118359" cy="2339102"/>
+          </a:xfrm>
+          <a:prstGeom prst="rect">
+            <a:avLst/>
+          </a:prstGeom>
+          <a:noFill/>
+          <a:ln>
+            <a:solidFill>
+              <a:schemeClr val="tx1"/>
+            </a:solidFill>
+          </a:ln>
+        </p:spPr>
+        <p:txBody>
+          <a:bodyPr wrap="none" rtlCol="0">
+            <a:spAutoFit/>
+          </a:bodyPr>
+          <a:lstStyle/>
+          <a:p>
+            <a:r>
+              <a:rPr lang="en-US" altLang="ko-KR" dirty="0"/>
+              <a:t>&lt;</a:t>
+            </a:r>
+            <a:r>
+              <a:rPr lang="ko-KR" altLang="en-US" dirty="0"/>
+              <a:t>참고</a:t>
+            </a:r>
+            <a:r>
+              <a:rPr lang="en-US" altLang="ko-KR" dirty="0"/>
+              <a:t>&gt;</a:t>
+            </a:r>
+          </a:p>
+          <a:p>
+            <a:pPr marL="342900" indent="-342900">
+              <a:buAutoNum type="arabicPeriod"/>
+            </a:pPr>
+            <a:r>
+              <a:rPr lang="en-US" altLang="ko-KR" dirty="0" err="1"/>
+              <a:t>System.out.println</a:t>
+            </a:r>
+            <a:r>
+              <a:rPr lang="en-US" altLang="ko-KR" dirty="0"/>
+              <a:t>(“”)</a:t>
+            </a:r>
+            <a:r>
+              <a:rPr lang="ko-KR" altLang="en-US" dirty="0"/>
+              <a:t>은 보통 취업하지 않은 분들이 사용하고 </a:t>
+            </a:r>
+            <a:endParaRPr lang="en-US" altLang="ko-KR" dirty="0"/>
+          </a:p>
+          <a:p>
+            <a:pPr marL="342900" indent="-342900">
+              <a:buAutoNum type="arabicPeriod"/>
+            </a:pPr>
+            <a:r>
+              <a:rPr lang="en-US" altLang="ko-KR" dirty="0"/>
+              <a:t>log4j</a:t>
+            </a:r>
+            <a:r>
+              <a:rPr lang="ko-KR" altLang="en-US" dirty="0"/>
+              <a:t>같은 </a:t>
+            </a:r>
+            <a:r>
+              <a:rPr lang="en-US" altLang="ko-KR" dirty="0"/>
+              <a:t>log</a:t>
+            </a:r>
+            <a:r>
+              <a:rPr lang="ko-KR" altLang="en-US" dirty="0"/>
+              <a:t>를 찍어주는 프로그램은 현업에서 주로 사용한다</a:t>
+            </a:r>
+            <a:r>
+              <a:rPr lang="en-US" altLang="ko-KR" dirty="0"/>
+              <a:t>.</a:t>
+            </a:r>
+          </a:p>
+          <a:p>
+            <a:pPr marL="342900" indent="-342900">
+              <a:buAutoNum type="arabicPeriod"/>
+            </a:pPr>
+            <a:r>
+              <a:rPr lang="ko-KR" altLang="en-US" dirty="0"/>
+              <a:t>현업에서 주로 </a:t>
+            </a:r>
+            <a:r>
+              <a:rPr lang="en-US" altLang="ko-KR" dirty="0"/>
+              <a:t>log4j</a:t>
+            </a:r>
+            <a:r>
+              <a:rPr lang="ko-KR" altLang="en-US" dirty="0"/>
+              <a:t>를 사용하는 이유는 다음과 같다</a:t>
+            </a:r>
+            <a:endParaRPr lang="en-US" altLang="ko-KR" dirty="0"/>
+          </a:p>
+          <a:p>
+            <a:pPr marL="800100" lvl="1" indent="-342900">
+              <a:buAutoNum type="arabicPeriod"/>
+            </a:pPr>
+            <a:r>
+              <a:rPr lang="ko-KR" altLang="en-US" sz="1400" dirty="0"/>
+              <a:t>로그의 내용이 저장이 된다</a:t>
+            </a:r>
+            <a:endParaRPr lang="en-US" altLang="ko-KR" sz="1400" dirty="0"/>
+          </a:p>
+          <a:p>
+            <a:pPr marL="342900" indent="-342900">
+              <a:buAutoNum type="arabicPeriod"/>
+            </a:pPr>
+            <a:endParaRPr lang="en-US" altLang="ko-KR" sz="1400" dirty="0"/>
+          </a:p>
+          <a:p>
+            <a:pPr marL="342900" indent="-342900">
+              <a:buAutoNum type="arabicPeriod"/>
+            </a:pPr>
+            <a:endParaRPr lang="en-US" altLang="ko-KR" sz="1400" dirty="0"/>
+          </a:p>
+          <a:p>
+            <a:r>
+              <a:rPr lang="en-US" altLang="ko-KR" sz="1600" b="1" dirty="0"/>
+              <a:t>&lt;</a:t>
+            </a:r>
+            <a:r>
+              <a:rPr lang="ko-KR" altLang="en-US" sz="1600" b="1" dirty="0"/>
+              <a:t>번외</a:t>
+            </a:r>
+            <a:r>
+              <a:rPr lang="en-US" altLang="ko-KR" sz="1600" b="1" dirty="0"/>
+              <a:t>&gt;</a:t>
+            </a:r>
+          </a:p>
+          <a:p>
+            <a:r>
+              <a:rPr lang="en-US" altLang="ko-KR" sz="1600" dirty="0"/>
+              <a:t>1. </a:t>
+            </a:r>
+            <a:r>
+              <a:rPr lang="ko-KR" altLang="en-US" sz="1600" dirty="0"/>
+              <a:t>요즘 </a:t>
+            </a:r>
+            <a:r>
+              <a:rPr lang="en-US" altLang="ko-KR" sz="1600" dirty="0"/>
+              <a:t>TEST</a:t>
+            </a:r>
+            <a:r>
+              <a:rPr lang="ko-KR" altLang="en-US" sz="1600" dirty="0"/>
+              <a:t>로는 </a:t>
+            </a:r>
+            <a:r>
+              <a:rPr lang="en-US" altLang="ko-KR" sz="1600" dirty="0"/>
+              <a:t>Junit4</a:t>
+            </a:r>
+            <a:r>
+              <a:rPr lang="ko-KR" altLang="en-US" sz="1600" dirty="0"/>
+              <a:t>버전이 아닌</a:t>
+            </a:r>
+            <a:r>
+              <a:rPr lang="en-US" altLang="ko-KR" sz="1600" dirty="0"/>
+              <a:t>, 5</a:t>
+            </a:r>
+            <a:r>
+              <a:rPr lang="ko-KR" altLang="en-US" sz="1600" dirty="0"/>
+              <a:t>버전으로 넘어가는 추세이다</a:t>
+            </a:r>
+            <a:r>
+              <a:rPr lang="en-US" altLang="ko-KR" sz="1600" dirty="0"/>
+              <a:t>. (2023~)</a:t>
+            </a:r>
+          </a:p>
+        </p:txBody>
+      </p:sp>
+    </p:spTree>
+    <p:extLst>
+      <p:ext uri="{BB962C8B-B14F-4D97-AF65-F5344CB8AC3E}">
+        <p14:creationId xmlns:p14="http://schemas.microsoft.com/office/powerpoint/2010/main" val="2148710964"/>
+      </p:ext>
+    </p:extLst>
+  </p:cSld>
+  <p:clrMapOvr>
+    <a:masterClrMapping/>
+  </p:clrMapOvr>
+</p:sld>
+</file>
+
+<file path=ppt/slides/slide23.xml><?xml version="1.0" encoding="utf-8"?>
+<p:sld xmlns:a="http://schemas.openxmlformats.org/drawingml/2006/main" xmlns:r="http://schemas.openxmlformats.org/officeDocument/2006/relationships" xmlns:p="http://schemas.openxmlformats.org/presentationml/2006/main">
+  <p:cSld>
+    <p:spTree>
+      <p:nvGrpSpPr>
+        <p:cNvPr id="1" name=""/>
+        <p:cNvGrpSpPr/>
+        <p:nvPr/>
+      </p:nvGrpSpPr>
+      <p:grpSpPr>
+        <a:xfrm>
+          <a:off x="0" y="0"/>
+          <a:ext cx="0" cy="0"/>
+          <a:chOff x="0" y="0"/>
+          <a:chExt cx="0" cy="0"/>
+        </a:xfrm>
+      </p:grpSpPr>
+      <p:sp>
+        <p:nvSpPr>
+          <p:cNvPr id="5" name="TextBox 4">
+            <a:extLst>
+              <a:ext uri="{FF2B5EF4-FFF2-40B4-BE49-F238E27FC236}">
+                <a16:creationId xmlns:a16="http://schemas.microsoft.com/office/drawing/2014/main" id="{A389414F-66B7-1262-7F78-D45BD7660CF6}"/>
+              </a:ext>
+            </a:extLst>
+          </p:cNvPr>
+          <p:cNvSpPr txBox="1"/>
+          <p:nvPr/>
+        </p:nvSpPr>
+        <p:spPr>
+          <a:xfrm>
+            <a:off x="3186294" y="2767281"/>
+            <a:ext cx="5819415" cy="1323439"/>
+          </a:xfrm>
+          <a:prstGeom prst="rect">
+            <a:avLst/>
+          </a:prstGeom>
+          <a:solidFill>
+            <a:srgbClr val="1C3166"/>
+          </a:solidFill>
+          <a:ln>
+            <a:solidFill>
+              <a:schemeClr val="tx1"/>
+            </a:solidFill>
+          </a:ln>
+        </p:spPr>
+        <p:txBody>
+          <a:bodyPr wrap="none" rtlCol="0">
+            <a:spAutoFit/>
+          </a:bodyPr>
+          <a:lstStyle/>
+          <a:p>
+            <a:pPr algn="ctr"/>
+            <a:r>
+              <a:rPr lang="ko-KR" altLang="en-US" sz="4000" dirty="0">
+                <a:solidFill>
+                  <a:schemeClr val="bg1"/>
+                </a:solidFill>
+                <a:latin typeface="에스코어 드림 6 Bold" panose="020B0703030302020204" pitchFamily="34" charset="-127"/>
+                <a:ea typeface="에스코어 드림 6 Bold" panose="020B0703030302020204" pitchFamily="34" charset="-127"/>
+              </a:rPr>
+              <a:t>섹션</a:t>
+            </a:r>
+            <a:r>
+              <a:rPr lang="en-US" altLang="ko-KR" sz="4000" dirty="0">
+                <a:solidFill>
+                  <a:schemeClr val="bg1"/>
+                </a:solidFill>
+                <a:latin typeface="에스코어 드림 6 Bold" panose="020B0703030302020204" pitchFamily="34" charset="-127"/>
+                <a:ea typeface="에스코어 드림 6 Bold" panose="020B0703030302020204" pitchFamily="34" charset="-127"/>
+              </a:rPr>
+              <a:t>1-2</a:t>
+            </a:r>
+            <a:r>
+              <a:rPr lang="ko-KR" altLang="en-US" sz="4000" dirty="0">
+                <a:solidFill>
+                  <a:schemeClr val="bg1"/>
+                </a:solidFill>
+                <a:latin typeface="에스코어 드림 6 Bold" panose="020B0703030302020204" pitchFamily="34" charset="-127"/>
+                <a:ea typeface="에스코어 드림 6 Bold" panose="020B0703030302020204" pitchFamily="34" charset="-127"/>
+              </a:rPr>
+              <a:t>강</a:t>
+            </a:r>
+            <a:r>
+              <a:rPr lang="en-US" altLang="ko-KR" sz="4000" dirty="0">
+                <a:solidFill>
+                  <a:schemeClr val="bg1"/>
+                </a:solidFill>
+                <a:latin typeface="에스코어 드림 6 Bold" panose="020B0703030302020204" pitchFamily="34" charset="-127"/>
+                <a:ea typeface="에스코어 드림 6 Bold" panose="020B0703030302020204" pitchFamily="34" charset="-127"/>
+              </a:rPr>
+              <a:t>(12:00)</a:t>
+            </a:r>
+          </a:p>
+          <a:p>
+            <a:pPr algn="ctr"/>
+            <a:r>
+              <a:rPr lang="en-US" altLang="ko-KR" sz="4000" dirty="0">
+                <a:solidFill>
+                  <a:schemeClr val="bg1"/>
+                </a:solidFill>
+                <a:latin typeface="에스코어 드림 6 Bold" panose="020B0703030302020204" pitchFamily="34" charset="-127"/>
+                <a:ea typeface="에스코어 드림 6 Bold" panose="020B0703030302020204" pitchFamily="34" charset="-127"/>
+              </a:rPr>
+              <a:t>java Test program </a:t>
+            </a:r>
+            <a:r>
+              <a:rPr lang="ko-KR" altLang="en-US" sz="4000" dirty="0">
+                <a:solidFill>
+                  <a:schemeClr val="bg1"/>
+                </a:solidFill>
+                <a:latin typeface="에스코어 드림 6 Bold" panose="020B0703030302020204" pitchFamily="34" charset="-127"/>
+                <a:ea typeface="에스코어 드림 6 Bold" panose="020B0703030302020204" pitchFamily="34" charset="-127"/>
+              </a:rPr>
+              <a:t>종류</a:t>
+            </a:r>
+            <a:endParaRPr lang="en-US" altLang="ko-KR" sz="4000" dirty="0">
+              <a:solidFill>
+                <a:schemeClr val="bg1"/>
+              </a:solidFill>
+              <a:latin typeface="에스코어 드림 6 Bold" panose="020B0703030302020204" pitchFamily="34" charset="-127"/>
+              <a:ea typeface="에스코어 드림 6 Bold" panose="020B0703030302020204" pitchFamily="34" charset="-127"/>
+            </a:endParaRPr>
+          </a:p>
+        </p:txBody>
+      </p:sp>
+    </p:spTree>
+    <p:extLst>
+      <p:ext uri="{BB962C8B-B14F-4D97-AF65-F5344CB8AC3E}">
+        <p14:creationId xmlns:p14="http://schemas.microsoft.com/office/powerpoint/2010/main" val="617740012"/>
+      </p:ext>
+    </p:extLst>
+  </p:cSld>
+  <p:clrMapOvr>
+    <a:masterClrMapping/>
+  </p:clrMapOvr>
+</p:sld>
+</file>
+
+<file path=ppt/slides/slide24.xml><?xml version="1.0" encoding="utf-8"?>
+<p:sld xmlns:a="http://schemas.openxmlformats.org/drawingml/2006/main" xmlns:r="http://schemas.openxmlformats.org/officeDocument/2006/relationships" xmlns:p="http://schemas.openxmlformats.org/presentationml/2006/main">
+  <p:cSld>
+    <p:spTree>
+      <p:nvGrpSpPr>
+        <p:cNvPr id="1" name=""/>
+        <p:cNvGrpSpPr/>
+        <p:nvPr/>
+      </p:nvGrpSpPr>
+      <p:grpSpPr>
+        <a:xfrm>
+          <a:off x="0" y="0"/>
+          <a:ext cx="0" cy="0"/>
+          <a:chOff x="0" y="0"/>
+          <a:chExt cx="0" cy="0"/>
+        </a:xfrm>
+      </p:grpSpPr>
+      <p:sp>
+        <p:nvSpPr>
+          <p:cNvPr id="5" name="TextBox 4">
+            <a:extLst>
+              <a:ext uri="{FF2B5EF4-FFF2-40B4-BE49-F238E27FC236}">
+                <a16:creationId xmlns:a16="http://schemas.microsoft.com/office/drawing/2014/main" id="{A389414F-66B7-1262-7F78-D45BD7660CF6}"/>
+              </a:ext>
+            </a:extLst>
+          </p:cNvPr>
+          <p:cNvSpPr txBox="1"/>
+          <p:nvPr/>
+        </p:nvSpPr>
+        <p:spPr>
+          <a:xfrm>
+            <a:off x="125457" y="134439"/>
+            <a:ext cx="3002040" cy="707886"/>
+          </a:xfrm>
+          <a:prstGeom prst="rect">
+            <a:avLst/>
+          </a:prstGeom>
+          <a:solidFill>
+            <a:srgbClr val="1C3166"/>
+          </a:solidFill>
+          <a:ln>
+            <a:solidFill>
+              <a:schemeClr val="tx1"/>
+            </a:solidFill>
+          </a:ln>
+        </p:spPr>
+        <p:txBody>
+          <a:bodyPr wrap="none" rtlCol="0">
+            <a:spAutoFit/>
+          </a:bodyPr>
+          <a:lstStyle/>
+          <a:p>
+            <a:pPr algn="ctr"/>
+            <a:r>
+              <a:rPr lang="ko-KR" altLang="en-US" sz="2000" dirty="0">
+                <a:solidFill>
+                  <a:schemeClr val="bg1"/>
+                </a:solidFill>
+                <a:latin typeface="에스코어 드림 6 Bold" panose="020B0703030302020204" pitchFamily="34" charset="-127"/>
+                <a:ea typeface="에스코어 드림 6 Bold" panose="020B0703030302020204" pitchFamily="34" charset="-127"/>
+              </a:rPr>
+              <a:t>섹션</a:t>
+            </a:r>
+            <a:r>
+              <a:rPr lang="en-US" altLang="ko-KR" sz="2000" dirty="0">
+                <a:solidFill>
+                  <a:schemeClr val="bg1"/>
+                </a:solidFill>
+                <a:latin typeface="에스코어 드림 6 Bold" panose="020B0703030302020204" pitchFamily="34" charset="-127"/>
+                <a:ea typeface="에스코어 드림 6 Bold" panose="020B0703030302020204" pitchFamily="34" charset="-127"/>
+              </a:rPr>
+              <a:t>1-2</a:t>
+            </a:r>
+            <a:r>
+              <a:rPr lang="ko-KR" altLang="en-US" sz="2000" dirty="0">
+                <a:solidFill>
+                  <a:schemeClr val="bg1"/>
+                </a:solidFill>
+                <a:latin typeface="에스코어 드림 6 Bold" panose="020B0703030302020204" pitchFamily="34" charset="-127"/>
+                <a:ea typeface="에스코어 드림 6 Bold" panose="020B0703030302020204" pitchFamily="34" charset="-127"/>
+              </a:rPr>
+              <a:t>강</a:t>
+            </a:r>
+            <a:r>
+              <a:rPr lang="en-US" altLang="ko-KR" sz="2000" dirty="0">
+                <a:solidFill>
+                  <a:schemeClr val="bg1"/>
+                </a:solidFill>
+                <a:latin typeface="에스코어 드림 6 Bold" panose="020B0703030302020204" pitchFamily="34" charset="-127"/>
+                <a:ea typeface="에스코어 드림 6 Bold" panose="020B0703030302020204" pitchFamily="34" charset="-127"/>
+              </a:rPr>
+              <a:t>(12:00)</a:t>
+            </a:r>
+          </a:p>
+          <a:p>
+            <a:pPr algn="ctr"/>
+            <a:r>
+              <a:rPr lang="en-US" altLang="ko-KR" sz="2000" dirty="0">
+                <a:solidFill>
+                  <a:schemeClr val="bg1"/>
+                </a:solidFill>
+                <a:latin typeface="에스코어 드림 6 Bold" panose="020B0703030302020204" pitchFamily="34" charset="-127"/>
+                <a:ea typeface="에스코어 드림 6 Bold" panose="020B0703030302020204" pitchFamily="34" charset="-127"/>
+              </a:rPr>
+              <a:t>java Test program </a:t>
+            </a:r>
+            <a:r>
+              <a:rPr lang="ko-KR" altLang="en-US" sz="2000" dirty="0">
+                <a:solidFill>
+                  <a:schemeClr val="bg1"/>
+                </a:solidFill>
+                <a:latin typeface="에스코어 드림 6 Bold" panose="020B0703030302020204" pitchFamily="34" charset="-127"/>
+                <a:ea typeface="에스코어 드림 6 Bold" panose="020B0703030302020204" pitchFamily="34" charset="-127"/>
+              </a:rPr>
+              <a:t>종류</a:t>
+            </a:r>
+            <a:endParaRPr lang="en-US" altLang="ko-KR" sz="2000" dirty="0">
+              <a:solidFill>
+                <a:schemeClr val="bg1"/>
+              </a:solidFill>
+              <a:latin typeface="에스코어 드림 6 Bold" panose="020B0703030302020204" pitchFamily="34" charset="-127"/>
+              <a:ea typeface="에스코어 드림 6 Bold" panose="020B0703030302020204" pitchFamily="34" charset="-127"/>
+            </a:endParaRPr>
+          </a:p>
+        </p:txBody>
+      </p:sp>
+      <p:sp>
+        <p:nvSpPr>
+          <p:cNvPr id="2" name="TextBox 1">
+            <a:extLst>
+              <a:ext uri="{FF2B5EF4-FFF2-40B4-BE49-F238E27FC236}">
+                <a16:creationId xmlns:a16="http://schemas.microsoft.com/office/drawing/2014/main" id="{553BBF41-8E2B-D292-A28A-D43E28A5B4F1}"/>
+              </a:ext>
+            </a:extLst>
+          </p:cNvPr>
+          <p:cNvSpPr txBox="1"/>
+          <p:nvPr/>
+        </p:nvSpPr>
+        <p:spPr>
+          <a:xfrm>
+            <a:off x="125457" y="1332187"/>
+            <a:ext cx="7399783" cy="1477328"/>
+          </a:xfrm>
+          <a:prstGeom prst="rect">
+            <a:avLst/>
+          </a:prstGeom>
+          <a:noFill/>
+          <a:ln>
+            <a:solidFill>
+              <a:schemeClr val="tx1"/>
+            </a:solidFill>
+          </a:ln>
+        </p:spPr>
+        <p:txBody>
+          <a:bodyPr wrap="none" rtlCol="0">
+            <a:spAutoFit/>
+          </a:bodyPr>
+          <a:lstStyle/>
+          <a:p>
+            <a:r>
+              <a:rPr lang="en-US" altLang="ko-KR" dirty="0"/>
+              <a:t>&lt;</a:t>
+            </a:r>
+            <a:r>
+              <a:rPr lang="ko-KR" altLang="en-US" dirty="0"/>
+              <a:t>참고</a:t>
+            </a:r>
+            <a:r>
+              <a:rPr lang="en-US" altLang="ko-KR" dirty="0"/>
+              <a:t>&gt;</a:t>
+            </a:r>
+          </a:p>
+          <a:p>
+            <a:pPr marL="342900" indent="-342900">
+              <a:buAutoNum type="arabicPeriod"/>
+            </a:pPr>
+            <a:r>
+              <a:rPr lang="en-US" altLang="ko-KR" dirty="0"/>
+              <a:t>JUnit = </a:t>
+            </a:r>
+            <a:r>
+              <a:rPr lang="ko-KR" altLang="en-US" dirty="0"/>
+              <a:t>테스트 프레임워크</a:t>
+            </a:r>
+            <a:endParaRPr lang="en-US" altLang="ko-KR" dirty="0"/>
+          </a:p>
+          <a:p>
+            <a:pPr marL="342900" indent="-342900">
+              <a:buAutoNum type="arabicPeriod"/>
+            </a:pPr>
+            <a:r>
+              <a:rPr lang="en-US" altLang="ko-KR" dirty="0" err="1"/>
+              <a:t>mockito</a:t>
+            </a:r>
+            <a:r>
+              <a:rPr lang="en-US" altLang="ko-KR" dirty="0"/>
+              <a:t> = </a:t>
+            </a:r>
+            <a:r>
+              <a:rPr lang="ko-KR" altLang="en-US" dirty="0"/>
+              <a:t>목 라이브러리</a:t>
+            </a:r>
+            <a:endParaRPr lang="en-US" altLang="ko-KR" dirty="0"/>
+          </a:p>
+          <a:p>
+            <a:pPr marL="342900" indent="-342900">
+              <a:buAutoNum type="arabicPeriod"/>
+            </a:pPr>
+            <a:r>
+              <a:rPr lang="en-US" altLang="ko-KR" dirty="0" err="1"/>
+              <a:t>assertj</a:t>
+            </a:r>
+            <a:r>
+              <a:rPr lang="en-US" altLang="ko-KR" dirty="0"/>
+              <a:t> = </a:t>
+            </a:r>
+            <a:r>
+              <a:rPr lang="ko-KR" altLang="en-US" dirty="0"/>
+              <a:t>테스트 코드를 좀 더 편하게 작성하게 도와주는 라이브러리 </a:t>
+            </a:r>
+            <a:endParaRPr lang="en-US" altLang="ko-KR" dirty="0"/>
+          </a:p>
+          <a:p>
+            <a:pPr marL="342900" indent="-342900">
+              <a:buAutoNum type="arabicPeriod"/>
+            </a:pPr>
+            <a:r>
+              <a:rPr lang="en-US" altLang="ko-KR" dirty="0"/>
+              <a:t>Spring-test = </a:t>
+            </a:r>
+            <a:r>
+              <a:rPr lang="ko-KR" altLang="en-US" dirty="0"/>
+              <a:t>스프링 통합 테스트 지원</a:t>
+            </a:r>
+          </a:p>
+        </p:txBody>
+      </p:sp>
+    </p:spTree>
+    <p:extLst>
+      <p:ext uri="{BB962C8B-B14F-4D97-AF65-F5344CB8AC3E}">
+        <p14:creationId xmlns:p14="http://schemas.microsoft.com/office/powerpoint/2010/main" val="65502167"/>
+      </p:ext>
+    </p:extLst>
+  </p:cSld>
+  <p:clrMapOvr>
+    <a:masterClrMapping/>
+  </p:clrMapOvr>
+</p:sld>
+</file>
+
+<file path=ppt/slides/slide25.xml><?xml version="1.0" encoding="utf-8"?>
+<p:sld xmlns:a="http://schemas.openxmlformats.org/drawingml/2006/main" xmlns:r="http://schemas.openxmlformats.org/officeDocument/2006/relationships" xmlns:p="http://schemas.openxmlformats.org/presentationml/2006/main">
+  <p:cSld>
+    <p:spTree>
+      <p:nvGrpSpPr>
+        <p:cNvPr id="1" name=""/>
+        <p:cNvGrpSpPr/>
+        <p:nvPr/>
+      </p:nvGrpSpPr>
+      <p:grpSpPr>
+        <a:xfrm>
+          <a:off x="0" y="0"/>
+          <a:ext cx="0" cy="0"/>
+          <a:chOff x="0" y="0"/>
+          <a:chExt cx="0" cy="0"/>
+        </a:xfrm>
+      </p:grpSpPr>
+      <p:sp>
+        <p:nvSpPr>
+          <p:cNvPr id="5" name="TextBox 4">
+            <a:extLst>
+              <a:ext uri="{FF2B5EF4-FFF2-40B4-BE49-F238E27FC236}">
+                <a16:creationId xmlns:a16="http://schemas.microsoft.com/office/drawing/2014/main" id="{A389414F-66B7-1262-7F78-D45BD7660CF6}"/>
+              </a:ext>
+            </a:extLst>
+          </p:cNvPr>
+          <p:cNvSpPr txBox="1"/>
+          <p:nvPr/>
+        </p:nvSpPr>
+        <p:spPr>
+          <a:xfrm>
+            <a:off x="3591885" y="2767281"/>
+            <a:ext cx="5008230" cy="1323439"/>
+          </a:xfrm>
+          <a:prstGeom prst="rect">
+            <a:avLst/>
+          </a:prstGeom>
+          <a:solidFill>
+            <a:srgbClr val="1C3166"/>
+          </a:solidFill>
+          <a:ln>
+            <a:solidFill>
+              <a:schemeClr val="tx1"/>
+            </a:solidFill>
+          </a:ln>
+        </p:spPr>
+        <p:txBody>
+          <a:bodyPr wrap="none" rtlCol="0">
+            <a:spAutoFit/>
+          </a:bodyPr>
+          <a:lstStyle/>
+          <a:p>
+            <a:pPr algn="ctr"/>
+            <a:r>
+              <a:rPr lang="ko-KR" altLang="en-US" sz="4000" dirty="0">
+                <a:solidFill>
+                  <a:schemeClr val="bg1"/>
+                </a:solidFill>
+                <a:latin typeface="에스코어 드림 6 Bold" panose="020B0703030302020204" pitchFamily="34" charset="-127"/>
+                <a:ea typeface="에스코어 드림 6 Bold" panose="020B0703030302020204" pitchFamily="34" charset="-127"/>
+              </a:rPr>
+              <a:t>섹션</a:t>
+            </a:r>
+            <a:r>
+              <a:rPr lang="en-US" altLang="ko-KR" sz="4000" dirty="0">
+                <a:solidFill>
+                  <a:schemeClr val="bg1"/>
+                </a:solidFill>
+                <a:latin typeface="에스코어 드림 6 Bold" panose="020B0703030302020204" pitchFamily="34" charset="-127"/>
+                <a:ea typeface="에스코어 드림 6 Bold" panose="020B0703030302020204" pitchFamily="34" charset="-127"/>
+              </a:rPr>
+              <a:t>1-3</a:t>
+            </a:r>
+            <a:r>
+              <a:rPr lang="ko-KR" altLang="en-US" sz="4000" dirty="0">
+                <a:solidFill>
+                  <a:schemeClr val="bg1"/>
+                </a:solidFill>
+                <a:latin typeface="에스코어 드림 6 Bold" panose="020B0703030302020204" pitchFamily="34" charset="-127"/>
+                <a:ea typeface="에스코어 드림 6 Bold" panose="020B0703030302020204" pitchFamily="34" charset="-127"/>
+              </a:rPr>
+              <a:t>강</a:t>
+            </a:r>
+            <a:endParaRPr lang="en-US" altLang="ko-KR" sz="4000" dirty="0">
+              <a:solidFill>
+                <a:schemeClr val="bg1"/>
+              </a:solidFill>
+              <a:latin typeface="에스코어 드림 6 Bold" panose="020B0703030302020204" pitchFamily="34" charset="-127"/>
+              <a:ea typeface="에스코어 드림 6 Bold" panose="020B0703030302020204" pitchFamily="34" charset="-127"/>
+            </a:endParaRPr>
+          </a:p>
+          <a:p>
+            <a:pPr algn="ctr"/>
+            <a:r>
+              <a:rPr lang="ko-KR" altLang="en-US" sz="4000" dirty="0">
+                <a:solidFill>
+                  <a:schemeClr val="bg1"/>
+                </a:solidFill>
+                <a:latin typeface="에스코어 드림 6 Bold" panose="020B0703030302020204" pitchFamily="34" charset="-127"/>
+                <a:ea typeface="에스코어 드림 6 Bold" panose="020B0703030302020204" pitchFamily="34" charset="-127"/>
+              </a:rPr>
+              <a:t>제목 </a:t>
+            </a:r>
+            <a:r>
+              <a:rPr lang="en-US" altLang="ko-KR" sz="4000" dirty="0">
+                <a:solidFill>
+                  <a:schemeClr val="bg1"/>
+                </a:solidFill>
+                <a:latin typeface="에스코어 드림 6 Bold" panose="020B0703030302020204" pitchFamily="34" charset="-127"/>
+                <a:ea typeface="에스코어 드림 6 Bold" panose="020B0703030302020204" pitchFamily="34" charset="-127"/>
+              </a:rPr>
+              <a:t>: View </a:t>
+            </a:r>
+            <a:r>
+              <a:rPr lang="ko-KR" altLang="en-US" sz="4000" dirty="0">
+                <a:solidFill>
+                  <a:schemeClr val="bg1"/>
+                </a:solidFill>
+                <a:latin typeface="에스코어 드림 6 Bold" panose="020B0703030302020204" pitchFamily="34" charset="-127"/>
+                <a:ea typeface="에스코어 드림 6 Bold" panose="020B0703030302020204" pitchFamily="34" charset="-127"/>
+              </a:rPr>
+              <a:t>환경설정</a:t>
+            </a:r>
+            <a:endParaRPr lang="en-US" altLang="ko-KR" sz="4000" dirty="0">
+              <a:solidFill>
+                <a:schemeClr val="bg1"/>
+              </a:solidFill>
+              <a:latin typeface="에스코어 드림 6 Bold" panose="020B0703030302020204" pitchFamily="34" charset="-127"/>
+              <a:ea typeface="에스코어 드림 6 Bold" panose="020B0703030302020204" pitchFamily="34" charset="-127"/>
+            </a:endParaRPr>
+          </a:p>
+        </p:txBody>
+      </p:sp>
+    </p:spTree>
+    <p:extLst>
+      <p:ext uri="{BB962C8B-B14F-4D97-AF65-F5344CB8AC3E}">
+        <p14:creationId xmlns:p14="http://schemas.microsoft.com/office/powerpoint/2010/main" val="4174628910"/>
+      </p:ext>
+    </p:extLst>
+  </p:cSld>
+  <p:clrMapOvr>
+    <a:masterClrMapping/>
+  </p:clrMapOvr>
+</p:sld>
+</file>
+
+<file path=ppt/slides/slide26.xml><?xml version="1.0" encoding="utf-8"?>
+<p:sld xmlns:a="http://schemas.openxmlformats.org/drawingml/2006/main" xmlns:r="http://schemas.openxmlformats.org/officeDocument/2006/relationships" xmlns:p="http://schemas.openxmlformats.org/presentationml/2006/main">
+  <p:cSld>
+    <p:spTree>
+      <p:nvGrpSpPr>
+        <p:cNvPr id="1" name=""/>
+        <p:cNvGrpSpPr/>
+        <p:nvPr/>
+      </p:nvGrpSpPr>
+      <p:grpSpPr>
+        <a:xfrm>
+          <a:off x="0" y="0"/>
+          <a:ext cx="0" cy="0"/>
+          <a:chOff x="0" y="0"/>
+          <a:chExt cx="0" cy="0"/>
+        </a:xfrm>
+      </p:grpSpPr>
+      <p:sp>
+        <p:nvSpPr>
+          <p:cNvPr id="5" name="TextBox 4">
+            <a:extLst>
+              <a:ext uri="{FF2B5EF4-FFF2-40B4-BE49-F238E27FC236}">
+                <a16:creationId xmlns:a16="http://schemas.microsoft.com/office/drawing/2014/main" id="{A389414F-66B7-1262-7F78-D45BD7660CF6}"/>
+              </a:ext>
+            </a:extLst>
+          </p:cNvPr>
+          <p:cNvSpPr txBox="1"/>
+          <p:nvPr/>
+        </p:nvSpPr>
+        <p:spPr>
+          <a:xfrm>
+            <a:off x="150871" y="134440"/>
+            <a:ext cx="2352118" cy="646331"/>
+          </a:xfrm>
+          <a:prstGeom prst="rect">
+            <a:avLst/>
+          </a:prstGeom>
+          <a:solidFill>
+            <a:srgbClr val="1C3166"/>
+          </a:solidFill>
+          <a:ln>
+            <a:solidFill>
+              <a:schemeClr val="tx1"/>
+            </a:solidFill>
+          </a:ln>
+        </p:spPr>
+        <p:txBody>
+          <a:bodyPr wrap="none" rtlCol="0">
+            <a:spAutoFit/>
+          </a:bodyPr>
+          <a:lstStyle/>
+          <a:p>
+            <a:pPr algn="ctr"/>
+            <a:r>
+              <a:rPr lang="ko-KR" altLang="en-US" dirty="0">
+                <a:solidFill>
+                  <a:schemeClr val="bg1"/>
+                </a:solidFill>
+                <a:latin typeface="에스코어 드림 6 Bold" panose="020B0703030302020204" pitchFamily="34" charset="-127"/>
+                <a:ea typeface="에스코어 드림 6 Bold" panose="020B0703030302020204" pitchFamily="34" charset="-127"/>
+              </a:rPr>
+              <a:t>섹션</a:t>
+            </a:r>
+            <a:r>
+              <a:rPr lang="en-US" altLang="ko-KR" dirty="0">
+                <a:solidFill>
+                  <a:schemeClr val="bg1"/>
+                </a:solidFill>
+                <a:latin typeface="에스코어 드림 6 Bold" panose="020B0703030302020204" pitchFamily="34" charset="-127"/>
+                <a:ea typeface="에스코어 드림 6 Bold" panose="020B0703030302020204" pitchFamily="34" charset="-127"/>
+              </a:rPr>
+              <a:t>1-3</a:t>
+            </a:r>
+            <a:r>
+              <a:rPr lang="ko-KR" altLang="en-US" dirty="0">
+                <a:solidFill>
+                  <a:schemeClr val="bg1"/>
+                </a:solidFill>
+                <a:latin typeface="에스코어 드림 6 Bold" panose="020B0703030302020204" pitchFamily="34" charset="-127"/>
+                <a:ea typeface="에스코어 드림 6 Bold" panose="020B0703030302020204" pitchFamily="34" charset="-127"/>
+              </a:rPr>
+              <a:t>강</a:t>
+            </a:r>
+            <a:endParaRPr lang="en-US" altLang="ko-KR" dirty="0">
+              <a:solidFill>
+                <a:schemeClr val="bg1"/>
+              </a:solidFill>
+              <a:latin typeface="에스코어 드림 6 Bold" panose="020B0703030302020204" pitchFamily="34" charset="-127"/>
+              <a:ea typeface="에스코어 드림 6 Bold" panose="020B0703030302020204" pitchFamily="34" charset="-127"/>
+            </a:endParaRPr>
+          </a:p>
+          <a:p>
+            <a:pPr algn="ctr"/>
+            <a:r>
+              <a:rPr lang="ko-KR" altLang="en-US" dirty="0">
+                <a:solidFill>
+                  <a:schemeClr val="bg1"/>
+                </a:solidFill>
+                <a:latin typeface="에스코어 드림 6 Bold" panose="020B0703030302020204" pitchFamily="34" charset="-127"/>
+                <a:ea typeface="에스코어 드림 6 Bold" panose="020B0703030302020204" pitchFamily="34" charset="-127"/>
+              </a:rPr>
+              <a:t>제목 </a:t>
+            </a:r>
+            <a:r>
+              <a:rPr lang="en-US" altLang="ko-KR" dirty="0">
+                <a:solidFill>
+                  <a:schemeClr val="bg1"/>
+                </a:solidFill>
+                <a:latin typeface="에스코어 드림 6 Bold" panose="020B0703030302020204" pitchFamily="34" charset="-127"/>
+                <a:ea typeface="에스코어 드림 6 Bold" panose="020B0703030302020204" pitchFamily="34" charset="-127"/>
+              </a:rPr>
+              <a:t>: View </a:t>
+            </a:r>
+            <a:r>
+              <a:rPr lang="ko-KR" altLang="en-US" dirty="0">
+                <a:solidFill>
+                  <a:schemeClr val="bg1"/>
+                </a:solidFill>
+                <a:latin typeface="에스코어 드림 6 Bold" panose="020B0703030302020204" pitchFamily="34" charset="-127"/>
+                <a:ea typeface="에스코어 드림 6 Bold" panose="020B0703030302020204" pitchFamily="34" charset="-127"/>
+              </a:rPr>
+              <a:t>환경설정</a:t>
+            </a:r>
+            <a:endParaRPr lang="en-US" altLang="ko-KR" dirty="0">
+              <a:solidFill>
+                <a:schemeClr val="bg1"/>
+              </a:solidFill>
+              <a:latin typeface="에스코어 드림 6 Bold" panose="020B0703030302020204" pitchFamily="34" charset="-127"/>
+              <a:ea typeface="에스코어 드림 6 Bold" panose="020B0703030302020204" pitchFamily="34" charset="-127"/>
+            </a:endParaRPr>
+          </a:p>
+        </p:txBody>
+      </p:sp>
+      <p:sp>
+        <p:nvSpPr>
+          <p:cNvPr id="2" name="TextBox 1">
+            <a:extLst>
+              <a:ext uri="{FF2B5EF4-FFF2-40B4-BE49-F238E27FC236}">
+                <a16:creationId xmlns:a16="http://schemas.microsoft.com/office/drawing/2014/main" id="{E7B711CB-C42A-9956-0480-3F34AE9FA20E}"/>
+              </a:ext>
+            </a:extLst>
+          </p:cNvPr>
+          <p:cNvSpPr txBox="1"/>
+          <p:nvPr/>
+        </p:nvSpPr>
+        <p:spPr>
+          <a:xfrm>
+            <a:off x="417786" y="1158766"/>
+            <a:ext cx="9547807" cy="923330"/>
+          </a:xfrm>
+          <a:prstGeom prst="rect">
+            <a:avLst/>
+          </a:prstGeom>
+          <a:noFill/>
+          <a:ln>
+            <a:solidFill>
+              <a:schemeClr val="tx1"/>
+            </a:solidFill>
+          </a:ln>
+        </p:spPr>
+        <p:txBody>
+          <a:bodyPr wrap="none" rtlCol="0">
+            <a:spAutoFit/>
+          </a:bodyPr>
+          <a:lstStyle/>
+          <a:p>
+            <a:r>
+              <a:rPr lang="en-US" altLang="ko-KR" dirty="0"/>
+              <a:t>&lt;</a:t>
+            </a:r>
+            <a:r>
+              <a:rPr lang="ko-KR" altLang="en-US" dirty="0"/>
+              <a:t>참고</a:t>
+            </a:r>
+            <a:r>
+              <a:rPr lang="en-US" altLang="ko-KR" dirty="0"/>
+              <a:t>&gt;</a:t>
+            </a:r>
+          </a:p>
+          <a:p>
+            <a:pPr marL="342900" indent="-342900">
+              <a:buAutoNum type="arabicPeriod"/>
+            </a:pPr>
+            <a:r>
+              <a:rPr lang="ko-KR" altLang="en-US" dirty="0"/>
+              <a:t>처음에 </a:t>
+            </a:r>
+            <a:r>
+              <a:rPr lang="ko-KR" altLang="en-US" dirty="0" err="1"/>
+              <a:t>톰캣을</a:t>
+            </a:r>
+            <a:r>
+              <a:rPr lang="ko-KR" altLang="en-US" dirty="0"/>
+              <a:t> 실행하고</a:t>
+            </a:r>
+            <a:r>
+              <a:rPr lang="en-US" altLang="ko-KR" dirty="0"/>
+              <a:t> </a:t>
+            </a:r>
+            <a:r>
+              <a:rPr lang="ko-KR" altLang="en-US" dirty="0"/>
+              <a:t>브라우저에서 실행한 프로그램에 접근하면 에러 페이지가 떨어졌다</a:t>
+            </a:r>
+            <a:r>
+              <a:rPr lang="en-US" altLang="ko-KR" dirty="0"/>
+              <a:t>.</a:t>
+            </a:r>
+          </a:p>
+          <a:p>
+            <a:pPr marL="342900" indent="-342900">
+              <a:buAutoNum type="arabicPeriod"/>
+            </a:pPr>
+            <a:r>
+              <a:rPr lang="ko-KR" altLang="en-US" dirty="0"/>
+              <a:t>이유는 브라우저로 아무런 데이터가 넘어가지 않아서 발생한 일인데</a:t>
+            </a:r>
+            <a:r>
+              <a:rPr lang="en-US" altLang="ko-KR" dirty="0"/>
+              <a:t>, </a:t>
+            </a:r>
+            <a:r>
+              <a:rPr lang="ko-KR" altLang="en-US" dirty="0"/>
+              <a:t>이를 해결해 보자</a:t>
+            </a:r>
+          </a:p>
+        </p:txBody>
+      </p:sp>
+      <p:grpSp>
+        <p:nvGrpSpPr>
+          <p:cNvPr id="7" name="그룹 6">
+            <a:extLst>
+              <a:ext uri="{FF2B5EF4-FFF2-40B4-BE49-F238E27FC236}">
+                <a16:creationId xmlns:a16="http://schemas.microsoft.com/office/drawing/2014/main" id="{3CD3468B-AEA6-8B82-83B0-BAB7D59B7851}"/>
+              </a:ext>
+            </a:extLst>
+          </p:cNvPr>
+          <p:cNvGrpSpPr/>
+          <p:nvPr/>
+        </p:nvGrpSpPr>
+        <p:grpSpPr>
+          <a:xfrm>
+            <a:off x="362055" y="2719027"/>
+            <a:ext cx="5153953" cy="2690093"/>
+            <a:chOff x="362055" y="2719027"/>
+            <a:chExt cx="5153953" cy="2690093"/>
+          </a:xfrm>
+        </p:grpSpPr>
+        <p:pic>
+          <p:nvPicPr>
+            <p:cNvPr id="3" name="그림 2">
+              <a:extLst>
+                <a:ext uri="{FF2B5EF4-FFF2-40B4-BE49-F238E27FC236}">
+                  <a16:creationId xmlns:a16="http://schemas.microsoft.com/office/drawing/2014/main" id="{0FBB7305-7F25-5BAB-F58A-271F7100A5F8}"/>
+                </a:ext>
+              </a:extLst>
+            </p:cNvPr>
+            <p:cNvPicPr>
+              <a:picLocks noChangeAspect="1"/>
+            </p:cNvPicPr>
+            <p:nvPr/>
+          </p:nvPicPr>
+          <p:blipFill>
+            <a:blip r:embed="rId2"/>
+            <a:stretch>
+              <a:fillRect/>
+            </a:stretch>
+          </p:blipFill>
+          <p:spPr>
+            <a:xfrm>
+              <a:off x="417786" y="2719027"/>
+              <a:ext cx="5098222" cy="2690093"/>
+            </a:xfrm>
+            <a:prstGeom prst="rect">
+              <a:avLst/>
+            </a:prstGeom>
+            <a:ln>
+              <a:solidFill>
+                <a:schemeClr val="tx1"/>
+              </a:solidFill>
+            </a:ln>
+          </p:spPr>
+        </p:pic>
+        <p:sp>
+          <p:nvSpPr>
+            <p:cNvPr id="6" name="직사각형 5">
+              <a:extLst>
+                <a:ext uri="{FF2B5EF4-FFF2-40B4-BE49-F238E27FC236}">
+                  <a16:creationId xmlns:a16="http://schemas.microsoft.com/office/drawing/2014/main" id="{EB5E646B-7EA6-FF26-75FA-0C2123D65276}"/>
+                </a:ext>
+              </a:extLst>
+            </p:cNvPr>
+            <p:cNvSpPr/>
+            <p:nvPr/>
+          </p:nvSpPr>
+          <p:spPr>
+            <a:xfrm>
+              <a:off x="362055" y="3819955"/>
+              <a:ext cx="5153953" cy="1532438"/>
+            </a:xfrm>
+            <a:prstGeom prst="rect">
+              <a:avLst/>
+            </a:prstGeom>
+            <a:noFill/>
+            <a:ln w="38100">
+              <a:solidFill>
+                <a:srgbClr val="FF0000"/>
+              </a:solidFill>
+            </a:ln>
+          </p:spPr>
+          <p:style>
+            <a:lnRef idx="2">
+              <a:schemeClr val="accent1">
+                <a:shade val="15000"/>
+              </a:schemeClr>
+            </a:lnRef>
+            <a:fillRef idx="1">
+              <a:schemeClr val="accent1"/>
+            </a:fillRef>
+            <a:effectRef idx="0">
+              <a:schemeClr val="accent1"/>
+            </a:effectRef>
+            <a:fontRef idx="minor">
+              <a:schemeClr val="lt1"/>
+            </a:fontRef>
+          </p:style>
+          <p:txBody>
+            <a:bodyPr rtlCol="0" anchor="ctr"/>
+            <a:lstStyle/>
+            <a:p>
+              <a:pPr algn="ctr"/>
+              <a:endParaRPr lang="ko-KR" altLang="en-US"/>
+            </a:p>
+          </p:txBody>
+        </p:sp>
+      </p:grpSp>
+    </p:spTree>
+    <p:extLst>
+      <p:ext uri="{BB962C8B-B14F-4D97-AF65-F5344CB8AC3E}">
+        <p14:creationId xmlns:p14="http://schemas.microsoft.com/office/powerpoint/2010/main" val="1978313846"/>
+      </p:ext>
+    </p:extLst>
+  </p:cSld>
+  <p:clrMapOvr>
+    <a:masterClrMapping/>
+  </p:clrMapOvr>
+</p:sld>
+</file>
+
+<file path=ppt/slides/slide27.xml><?xml version="1.0" encoding="utf-8"?>
+<p:sld xmlns:a="http://schemas.openxmlformats.org/drawingml/2006/main" xmlns:r="http://schemas.openxmlformats.org/officeDocument/2006/relationships" xmlns:p="http://schemas.openxmlformats.org/presentationml/2006/main">
+  <p:cSld>
+    <p:spTree>
+      <p:nvGrpSpPr>
+        <p:cNvPr id="1" name=""/>
+        <p:cNvGrpSpPr/>
+        <p:nvPr/>
+      </p:nvGrpSpPr>
+      <p:grpSpPr>
+        <a:xfrm>
+          <a:off x="0" y="0"/>
+          <a:ext cx="0" cy="0"/>
+          <a:chOff x="0" y="0"/>
+          <a:chExt cx="0" cy="0"/>
+        </a:xfrm>
+      </p:grpSpPr>
+      <p:sp>
+        <p:nvSpPr>
+          <p:cNvPr id="5" name="TextBox 4">
+            <a:extLst>
+              <a:ext uri="{FF2B5EF4-FFF2-40B4-BE49-F238E27FC236}">
+                <a16:creationId xmlns:a16="http://schemas.microsoft.com/office/drawing/2014/main" id="{A389414F-66B7-1262-7F78-D45BD7660CF6}"/>
+              </a:ext>
+            </a:extLst>
+          </p:cNvPr>
+          <p:cNvSpPr txBox="1"/>
+          <p:nvPr/>
+        </p:nvSpPr>
+        <p:spPr>
+          <a:xfrm>
+            <a:off x="150871" y="134440"/>
+            <a:ext cx="2352118" cy="646331"/>
+          </a:xfrm>
+          <a:prstGeom prst="rect">
+            <a:avLst/>
+          </a:prstGeom>
+          <a:solidFill>
+            <a:srgbClr val="1C3166"/>
+          </a:solidFill>
+          <a:ln>
+            <a:solidFill>
+              <a:schemeClr val="tx1"/>
+            </a:solidFill>
+          </a:ln>
+        </p:spPr>
+        <p:txBody>
+          <a:bodyPr wrap="none" rtlCol="0">
+            <a:spAutoFit/>
+          </a:bodyPr>
+          <a:lstStyle/>
+          <a:p>
+            <a:pPr algn="ctr"/>
+            <a:r>
+              <a:rPr lang="ko-KR" altLang="en-US" dirty="0">
+                <a:solidFill>
+                  <a:schemeClr val="bg1"/>
+                </a:solidFill>
+                <a:latin typeface="에스코어 드림 6 Bold" panose="020B0703030302020204" pitchFamily="34" charset="-127"/>
+                <a:ea typeface="에스코어 드림 6 Bold" panose="020B0703030302020204" pitchFamily="34" charset="-127"/>
+              </a:rPr>
+              <a:t>섹션</a:t>
+            </a:r>
+            <a:r>
+              <a:rPr lang="en-US" altLang="ko-KR" dirty="0">
+                <a:solidFill>
+                  <a:schemeClr val="bg1"/>
+                </a:solidFill>
+                <a:latin typeface="에스코어 드림 6 Bold" panose="020B0703030302020204" pitchFamily="34" charset="-127"/>
+                <a:ea typeface="에스코어 드림 6 Bold" panose="020B0703030302020204" pitchFamily="34" charset="-127"/>
+              </a:rPr>
+              <a:t>1-3</a:t>
+            </a:r>
+            <a:r>
+              <a:rPr lang="ko-KR" altLang="en-US" dirty="0">
+                <a:solidFill>
+                  <a:schemeClr val="bg1"/>
+                </a:solidFill>
+                <a:latin typeface="에스코어 드림 6 Bold" panose="020B0703030302020204" pitchFamily="34" charset="-127"/>
+                <a:ea typeface="에스코어 드림 6 Bold" panose="020B0703030302020204" pitchFamily="34" charset="-127"/>
+              </a:rPr>
+              <a:t>강</a:t>
+            </a:r>
+            <a:endParaRPr lang="en-US" altLang="ko-KR" dirty="0">
+              <a:solidFill>
+                <a:schemeClr val="bg1"/>
+              </a:solidFill>
+              <a:latin typeface="에스코어 드림 6 Bold" panose="020B0703030302020204" pitchFamily="34" charset="-127"/>
+              <a:ea typeface="에스코어 드림 6 Bold" panose="020B0703030302020204" pitchFamily="34" charset="-127"/>
+            </a:endParaRPr>
+          </a:p>
+          <a:p>
+            <a:pPr algn="ctr"/>
+            <a:r>
+              <a:rPr lang="ko-KR" altLang="en-US" dirty="0">
+                <a:solidFill>
+                  <a:schemeClr val="bg1"/>
+                </a:solidFill>
+                <a:latin typeface="에스코어 드림 6 Bold" panose="020B0703030302020204" pitchFamily="34" charset="-127"/>
+                <a:ea typeface="에스코어 드림 6 Bold" panose="020B0703030302020204" pitchFamily="34" charset="-127"/>
+              </a:rPr>
+              <a:t>제목 </a:t>
+            </a:r>
+            <a:r>
+              <a:rPr lang="en-US" altLang="ko-KR" dirty="0">
+                <a:solidFill>
+                  <a:schemeClr val="bg1"/>
+                </a:solidFill>
+                <a:latin typeface="에스코어 드림 6 Bold" panose="020B0703030302020204" pitchFamily="34" charset="-127"/>
+                <a:ea typeface="에스코어 드림 6 Bold" panose="020B0703030302020204" pitchFamily="34" charset="-127"/>
+              </a:rPr>
+              <a:t>: View </a:t>
+            </a:r>
+            <a:r>
+              <a:rPr lang="ko-KR" altLang="en-US" dirty="0">
+                <a:solidFill>
+                  <a:schemeClr val="bg1"/>
+                </a:solidFill>
+                <a:latin typeface="에스코어 드림 6 Bold" panose="020B0703030302020204" pitchFamily="34" charset="-127"/>
+                <a:ea typeface="에스코어 드림 6 Bold" panose="020B0703030302020204" pitchFamily="34" charset="-127"/>
+              </a:rPr>
+              <a:t>환경설정</a:t>
+            </a:r>
+            <a:endParaRPr lang="en-US" altLang="ko-KR" dirty="0">
+              <a:solidFill>
+                <a:schemeClr val="bg1"/>
+              </a:solidFill>
+              <a:latin typeface="에스코어 드림 6 Bold" panose="020B0703030302020204" pitchFamily="34" charset="-127"/>
+              <a:ea typeface="에스코어 드림 6 Bold" panose="020B0703030302020204" pitchFamily="34" charset="-127"/>
+            </a:endParaRPr>
+          </a:p>
+        </p:txBody>
+      </p:sp>
+      <p:sp>
+        <p:nvSpPr>
+          <p:cNvPr id="2" name="TextBox 1">
+            <a:extLst>
+              <a:ext uri="{FF2B5EF4-FFF2-40B4-BE49-F238E27FC236}">
+                <a16:creationId xmlns:a16="http://schemas.microsoft.com/office/drawing/2014/main" id="{E7B711CB-C42A-9956-0480-3F34AE9FA20E}"/>
+              </a:ext>
+            </a:extLst>
+          </p:cNvPr>
+          <p:cNvSpPr txBox="1"/>
+          <p:nvPr/>
+        </p:nvSpPr>
+        <p:spPr>
+          <a:xfrm>
+            <a:off x="159122" y="898661"/>
+            <a:ext cx="8213723" cy="646331"/>
+          </a:xfrm>
+          <a:prstGeom prst="rect">
+            <a:avLst/>
+          </a:prstGeom>
+          <a:noFill/>
+          <a:ln>
+            <a:solidFill>
+              <a:schemeClr val="tx1"/>
+            </a:solidFill>
+          </a:ln>
+        </p:spPr>
+        <p:txBody>
+          <a:bodyPr wrap="none" rtlCol="0">
+            <a:spAutoFit/>
+          </a:bodyPr>
+          <a:lstStyle/>
+          <a:p>
+            <a:r>
+              <a:rPr lang="en-US" altLang="ko-KR" dirty="0"/>
+              <a:t>&lt;</a:t>
+            </a:r>
+            <a:r>
+              <a:rPr lang="ko-KR" altLang="en-US" dirty="0"/>
+              <a:t>진행</a:t>
+            </a:r>
+            <a:r>
+              <a:rPr lang="en-US" altLang="ko-KR" dirty="0"/>
+              <a:t>&gt;</a:t>
+            </a:r>
+          </a:p>
+          <a:p>
+            <a:pPr marL="342900" indent="-342900">
+              <a:buAutoNum type="arabicPeriod"/>
+            </a:pPr>
+            <a:r>
+              <a:rPr lang="en-US" altLang="ko-KR" dirty="0" err="1"/>
+              <a:t>src</a:t>
+            </a:r>
+            <a:r>
+              <a:rPr lang="en-US" altLang="ko-KR" dirty="0"/>
+              <a:t>/main/resources/static/New/File</a:t>
+            </a:r>
+            <a:r>
+              <a:rPr lang="ko-KR" altLang="en-US" dirty="0"/>
+              <a:t>을 클릭하여 </a:t>
+            </a:r>
+            <a:r>
+              <a:rPr lang="en-US" altLang="ko-KR" dirty="0"/>
+              <a:t>html</a:t>
+            </a:r>
+            <a:r>
+              <a:rPr lang="ko-KR" altLang="en-US" dirty="0"/>
+              <a:t>파일을 생성합니다</a:t>
+            </a:r>
+            <a:r>
+              <a:rPr lang="en-US" altLang="ko-KR" dirty="0"/>
+              <a:t>. </a:t>
+            </a:r>
+            <a:endParaRPr lang="ko-KR" altLang="en-US" dirty="0"/>
+          </a:p>
+        </p:txBody>
+      </p:sp>
+      <p:grpSp>
+        <p:nvGrpSpPr>
+          <p:cNvPr id="21" name="그룹 20">
+            <a:extLst>
+              <a:ext uri="{FF2B5EF4-FFF2-40B4-BE49-F238E27FC236}">
+                <a16:creationId xmlns:a16="http://schemas.microsoft.com/office/drawing/2014/main" id="{92F5FA67-1090-BFB1-4C2E-FB30FB4DBAB7}"/>
+              </a:ext>
+            </a:extLst>
+          </p:cNvPr>
+          <p:cNvGrpSpPr/>
+          <p:nvPr/>
+        </p:nvGrpSpPr>
+        <p:grpSpPr>
+          <a:xfrm>
+            <a:off x="417786" y="3715994"/>
+            <a:ext cx="11243523" cy="2705239"/>
+            <a:chOff x="417786" y="3715994"/>
+            <a:chExt cx="11243523" cy="2705239"/>
+          </a:xfrm>
+        </p:grpSpPr>
+        <p:pic>
+          <p:nvPicPr>
+            <p:cNvPr id="13" name="그림 12">
+              <a:extLst>
+                <a:ext uri="{FF2B5EF4-FFF2-40B4-BE49-F238E27FC236}">
+                  <a16:creationId xmlns:a16="http://schemas.microsoft.com/office/drawing/2014/main" id="{37D4E4ED-DA73-99D5-0D0C-5447DDE76DCE}"/>
+                </a:ext>
+              </a:extLst>
+            </p:cNvPr>
+            <p:cNvPicPr>
+              <a:picLocks noChangeAspect="1"/>
+            </p:cNvPicPr>
+            <p:nvPr/>
+          </p:nvPicPr>
+          <p:blipFill>
+            <a:blip r:embed="rId2"/>
+            <a:stretch>
+              <a:fillRect/>
+            </a:stretch>
+          </p:blipFill>
+          <p:spPr>
+            <a:xfrm>
+              <a:off x="8460745" y="3715994"/>
+              <a:ext cx="3200564" cy="704886"/>
+            </a:xfrm>
+            <a:prstGeom prst="rect">
+              <a:avLst/>
+            </a:prstGeom>
+          </p:spPr>
+        </p:pic>
+        <p:grpSp>
+          <p:nvGrpSpPr>
+            <p:cNvPr id="20" name="그룹 19">
+              <a:extLst>
+                <a:ext uri="{FF2B5EF4-FFF2-40B4-BE49-F238E27FC236}">
+                  <a16:creationId xmlns:a16="http://schemas.microsoft.com/office/drawing/2014/main" id="{5E1FB2E3-60DD-DC04-DC76-75A6C41907F3}"/>
+                </a:ext>
+              </a:extLst>
+            </p:cNvPr>
+            <p:cNvGrpSpPr/>
+            <p:nvPr/>
+          </p:nvGrpSpPr>
+          <p:grpSpPr>
+            <a:xfrm>
+              <a:off x="417786" y="3715994"/>
+              <a:ext cx="10794874" cy="2705239"/>
+              <a:chOff x="417786" y="3715994"/>
+              <a:chExt cx="10794874" cy="2705239"/>
+            </a:xfrm>
+          </p:grpSpPr>
+          <p:grpSp>
+            <p:nvGrpSpPr>
+              <p:cNvPr id="11" name="그룹 10">
+                <a:extLst>
+                  <a:ext uri="{FF2B5EF4-FFF2-40B4-BE49-F238E27FC236}">
+                    <a16:creationId xmlns:a16="http://schemas.microsoft.com/office/drawing/2014/main" id="{322CDAEC-6E0D-3295-BCE5-56BB7609E2E6}"/>
+                  </a:ext>
+                </a:extLst>
+              </p:cNvPr>
+              <p:cNvGrpSpPr/>
+              <p:nvPr/>
+            </p:nvGrpSpPr>
+            <p:grpSpPr>
+              <a:xfrm>
+                <a:off x="417786" y="3715994"/>
+                <a:ext cx="7207620" cy="2705239"/>
+                <a:chOff x="417786" y="2533580"/>
+                <a:chExt cx="7207620" cy="2705239"/>
+              </a:xfrm>
+            </p:grpSpPr>
+            <p:pic>
+              <p:nvPicPr>
+                <p:cNvPr id="9" name="그림 8">
+                  <a:extLst>
+                    <a:ext uri="{FF2B5EF4-FFF2-40B4-BE49-F238E27FC236}">
+                      <a16:creationId xmlns:a16="http://schemas.microsoft.com/office/drawing/2014/main" id="{63649B51-9165-5158-B0B1-819A802E132C}"/>
+                    </a:ext>
+                  </a:extLst>
+                </p:cNvPr>
+                <p:cNvPicPr>
+                  <a:picLocks noChangeAspect="1"/>
+                </p:cNvPicPr>
+                <p:nvPr/>
+              </p:nvPicPr>
+              <p:blipFill>
+                <a:blip r:embed="rId3"/>
+                <a:stretch>
+                  <a:fillRect/>
+                </a:stretch>
+              </p:blipFill>
+              <p:spPr>
+                <a:xfrm>
+                  <a:off x="417786" y="2533580"/>
+                  <a:ext cx="7207620" cy="2705239"/>
+                </a:xfrm>
+                <a:prstGeom prst="rect">
+                  <a:avLst/>
+                </a:prstGeom>
+              </p:spPr>
+            </p:pic>
+            <p:sp>
+              <p:nvSpPr>
+                <p:cNvPr id="4" name="직사각형 3">
+                  <a:extLst>
+                    <a:ext uri="{FF2B5EF4-FFF2-40B4-BE49-F238E27FC236}">
+                      <a16:creationId xmlns:a16="http://schemas.microsoft.com/office/drawing/2014/main" id="{A71AC641-3293-FAAD-233A-98E0805CECBB}"/>
+                    </a:ext>
+                  </a:extLst>
+                </p:cNvPr>
+                <p:cNvSpPr/>
+                <p:nvPr/>
+              </p:nvSpPr>
+              <p:spPr>
+                <a:xfrm>
+                  <a:off x="1237043" y="4157865"/>
+                  <a:ext cx="804592" cy="295894"/>
+                </a:xfrm>
+                <a:prstGeom prst="rect">
+                  <a:avLst/>
+                </a:prstGeom>
+                <a:noFill/>
+                <a:ln w="38100">
+                  <a:solidFill>
+                    <a:srgbClr val="FF0000"/>
+                  </a:solidFill>
+                </a:ln>
+              </p:spPr>
+              <p:style>
+                <a:lnRef idx="2">
+                  <a:schemeClr val="accent1">
+                    <a:shade val="15000"/>
+                  </a:schemeClr>
+                </a:lnRef>
+                <a:fillRef idx="1">
+                  <a:schemeClr val="accent1"/>
+                </a:fillRef>
+                <a:effectRef idx="0">
+                  <a:schemeClr val="accent1"/>
+                </a:effectRef>
+                <a:fontRef idx="minor">
+                  <a:schemeClr val="lt1"/>
+                </a:fontRef>
+              </p:style>
+              <p:txBody>
+                <a:bodyPr rtlCol="0" anchor="ctr"/>
+                <a:lstStyle/>
+                <a:p>
+                  <a:pPr algn="ctr"/>
+                  <a:endParaRPr lang="ko-KR" altLang="en-US"/>
+                </a:p>
+              </p:txBody>
+            </p:sp>
+            <p:sp>
+              <p:nvSpPr>
+                <p:cNvPr id="8" name="직사각형 7">
+                  <a:extLst>
+                    <a:ext uri="{FF2B5EF4-FFF2-40B4-BE49-F238E27FC236}">
+                      <a16:creationId xmlns:a16="http://schemas.microsoft.com/office/drawing/2014/main" id="{C4974659-F64F-8542-9657-6E59D798C109}"/>
+                    </a:ext>
+                  </a:extLst>
+                </p:cNvPr>
+                <p:cNvSpPr/>
+                <p:nvPr/>
+              </p:nvSpPr>
+              <p:spPr>
+                <a:xfrm>
+                  <a:off x="2206622" y="4305812"/>
+                  <a:ext cx="804592" cy="295894"/>
+                </a:xfrm>
+                <a:prstGeom prst="rect">
+                  <a:avLst/>
+                </a:prstGeom>
+                <a:noFill/>
+                <a:ln w="38100">
+                  <a:solidFill>
+                    <a:srgbClr val="FF0000"/>
+                  </a:solidFill>
+                </a:ln>
+              </p:spPr>
+              <p:style>
+                <a:lnRef idx="2">
+                  <a:schemeClr val="accent1">
+                    <a:shade val="15000"/>
+                  </a:schemeClr>
+                </a:lnRef>
+                <a:fillRef idx="1">
+                  <a:schemeClr val="accent1"/>
+                </a:fillRef>
+                <a:effectRef idx="0">
+                  <a:schemeClr val="accent1"/>
+                </a:effectRef>
+                <a:fontRef idx="minor">
+                  <a:schemeClr val="lt1"/>
+                </a:fontRef>
+              </p:style>
+              <p:txBody>
+                <a:bodyPr rtlCol="0" anchor="ctr"/>
+                <a:lstStyle/>
+                <a:p>
+                  <a:pPr algn="ctr"/>
+                  <a:endParaRPr lang="ko-KR" altLang="en-US"/>
+                </a:p>
+              </p:txBody>
+            </p:sp>
+            <p:sp>
+              <p:nvSpPr>
+                <p:cNvPr id="10" name="직사각형 9">
+                  <a:extLst>
+                    <a:ext uri="{FF2B5EF4-FFF2-40B4-BE49-F238E27FC236}">
+                      <a16:creationId xmlns:a16="http://schemas.microsoft.com/office/drawing/2014/main" id="{D1321AC4-472A-5C73-F339-EA6383CA0173}"/>
+                    </a:ext>
+                  </a:extLst>
+                </p:cNvPr>
+                <p:cNvSpPr/>
+                <p:nvPr/>
+              </p:nvSpPr>
+              <p:spPr>
+                <a:xfrm>
+                  <a:off x="4916014" y="4534412"/>
+                  <a:ext cx="804592" cy="295894"/>
+                </a:xfrm>
+                <a:prstGeom prst="rect">
+                  <a:avLst/>
+                </a:prstGeom>
+                <a:noFill/>
+                <a:ln w="38100">
+                  <a:solidFill>
+                    <a:srgbClr val="FF0000"/>
+                  </a:solidFill>
+                </a:ln>
+              </p:spPr>
+              <p:style>
+                <a:lnRef idx="2">
+                  <a:schemeClr val="accent1">
+                    <a:shade val="15000"/>
+                  </a:schemeClr>
+                </a:lnRef>
+                <a:fillRef idx="1">
+                  <a:schemeClr val="accent1"/>
+                </a:fillRef>
+                <a:effectRef idx="0">
+                  <a:schemeClr val="accent1"/>
+                </a:effectRef>
+                <a:fontRef idx="minor">
+                  <a:schemeClr val="lt1"/>
+                </a:fontRef>
+              </p:style>
+              <p:txBody>
+                <a:bodyPr rtlCol="0" anchor="ctr"/>
+                <a:lstStyle/>
+                <a:p>
+                  <a:pPr algn="ctr"/>
+                  <a:endParaRPr lang="ko-KR" altLang="en-US"/>
+                </a:p>
+              </p:txBody>
+            </p:sp>
+          </p:grpSp>
+          <p:sp>
+            <p:nvSpPr>
+              <p:cNvPr id="14" name="화살표: 오른쪽 13">
+                <a:extLst>
+                  <a:ext uri="{FF2B5EF4-FFF2-40B4-BE49-F238E27FC236}">
+                    <a16:creationId xmlns:a16="http://schemas.microsoft.com/office/drawing/2014/main" id="{60707540-A41C-025C-4DE8-45520E0C5104}"/>
+                  </a:ext>
+                </a:extLst>
+              </p:cNvPr>
+              <p:cNvSpPr/>
+              <p:nvPr/>
+            </p:nvSpPr>
+            <p:spPr>
+              <a:xfrm>
+                <a:off x="7982564" y="3750740"/>
+                <a:ext cx="236483" cy="409904"/>
+              </a:xfrm>
+              <a:prstGeom prst="rightArrow">
+                <a:avLst/>
+              </a:prstGeom>
+            </p:spPr>
+            <p:style>
+              <a:lnRef idx="2">
+                <a:schemeClr val="accent1">
+                  <a:shade val="15000"/>
+                </a:schemeClr>
+              </a:lnRef>
+              <a:fillRef idx="1">
+                <a:schemeClr val="accent1"/>
+              </a:fillRef>
+              <a:effectRef idx="0">
+                <a:schemeClr val="accent1"/>
+              </a:effectRef>
+              <a:fontRef idx="minor">
+                <a:schemeClr val="lt1"/>
+              </a:fontRef>
+            </p:style>
+            <p:txBody>
+              <a:bodyPr rtlCol="0" anchor="ctr"/>
+              <a:lstStyle/>
+              <a:p>
+                <a:pPr algn="ctr"/>
+                <a:endParaRPr lang="ko-KR" altLang="en-US"/>
+              </a:p>
+            </p:txBody>
+          </p:sp>
+          <p:sp>
+            <p:nvSpPr>
+              <p:cNvPr id="15" name="화살표: 오른쪽 14">
+                <a:extLst>
+                  <a:ext uri="{FF2B5EF4-FFF2-40B4-BE49-F238E27FC236}">
+                    <a16:creationId xmlns:a16="http://schemas.microsoft.com/office/drawing/2014/main" id="{C6624383-27CB-8C97-FB18-5AE46C5D6B5C}"/>
+                  </a:ext>
+                </a:extLst>
+              </p:cNvPr>
+              <p:cNvSpPr/>
+              <p:nvPr/>
+            </p:nvSpPr>
+            <p:spPr>
+              <a:xfrm rot="5400000">
+                <a:off x="9942785" y="4540468"/>
+                <a:ext cx="236483" cy="409904"/>
+              </a:xfrm>
+              <a:prstGeom prst="rightArrow">
+                <a:avLst/>
+              </a:prstGeom>
+            </p:spPr>
+            <p:style>
+              <a:lnRef idx="2">
+                <a:schemeClr val="accent1">
+                  <a:shade val="15000"/>
+                </a:schemeClr>
+              </a:lnRef>
+              <a:fillRef idx="1">
+                <a:schemeClr val="accent1"/>
+              </a:fillRef>
+              <a:effectRef idx="0">
+                <a:schemeClr val="accent1"/>
+              </a:effectRef>
+              <a:fontRef idx="minor">
+                <a:schemeClr val="lt1"/>
+              </a:fontRef>
+            </p:style>
+            <p:txBody>
+              <a:bodyPr rtlCol="0" anchor="ctr"/>
+              <a:lstStyle/>
+              <a:p>
+                <a:pPr algn="ctr"/>
+                <a:endParaRPr lang="ko-KR" altLang="en-US"/>
+              </a:p>
+            </p:txBody>
+          </p:sp>
+          <p:pic>
+            <p:nvPicPr>
+              <p:cNvPr id="17" name="그림 16">
+                <a:extLst>
+                  <a:ext uri="{FF2B5EF4-FFF2-40B4-BE49-F238E27FC236}">
+                    <a16:creationId xmlns:a16="http://schemas.microsoft.com/office/drawing/2014/main" id="{EE7C1F77-019B-0BAA-B90D-F6941A6B524D}"/>
+                  </a:ext>
+                </a:extLst>
+              </p:cNvPr>
+              <p:cNvPicPr>
+                <a:picLocks noChangeAspect="1"/>
+              </p:cNvPicPr>
+              <p:nvPr/>
+            </p:nvPicPr>
+            <p:blipFill>
+              <a:blip r:embed="rId4"/>
+              <a:stretch>
+                <a:fillRect/>
+              </a:stretch>
+            </p:blipFill>
+            <p:spPr>
+              <a:xfrm>
+                <a:off x="9225008" y="5179499"/>
+                <a:ext cx="1987652" cy="755689"/>
+              </a:xfrm>
+              <a:prstGeom prst="rect">
+                <a:avLst/>
+              </a:prstGeom>
+            </p:spPr>
+          </p:pic>
+          <p:sp>
+            <p:nvSpPr>
+              <p:cNvPr id="18" name="직사각형 17">
+                <a:extLst>
+                  <a:ext uri="{FF2B5EF4-FFF2-40B4-BE49-F238E27FC236}">
+                    <a16:creationId xmlns:a16="http://schemas.microsoft.com/office/drawing/2014/main" id="{1525F480-7DCB-DCD6-AFE8-106D430C70A9}"/>
+                  </a:ext>
+                </a:extLst>
+              </p:cNvPr>
+              <p:cNvSpPr/>
+              <p:nvPr/>
+            </p:nvSpPr>
+            <p:spPr>
+              <a:xfrm>
+                <a:off x="8420416" y="4068437"/>
+                <a:ext cx="804592" cy="295894"/>
+              </a:xfrm>
+              <a:prstGeom prst="rect">
+                <a:avLst/>
+              </a:prstGeom>
+              <a:noFill/>
+              <a:ln w="38100">
+                <a:solidFill>
+                  <a:srgbClr val="FF0000"/>
+                </a:solidFill>
+              </a:ln>
+            </p:spPr>
+            <p:style>
+              <a:lnRef idx="2">
+                <a:schemeClr val="accent1">
+                  <a:shade val="15000"/>
+                </a:schemeClr>
+              </a:lnRef>
+              <a:fillRef idx="1">
+                <a:schemeClr val="accent1"/>
+              </a:fillRef>
+              <a:effectRef idx="0">
+                <a:schemeClr val="accent1"/>
+              </a:effectRef>
+              <a:fontRef idx="minor">
+                <a:schemeClr val="lt1"/>
+              </a:fontRef>
+            </p:style>
+            <p:txBody>
+              <a:bodyPr rtlCol="0" anchor="ctr"/>
+              <a:lstStyle/>
+              <a:p>
+                <a:pPr algn="ctr"/>
+                <a:endParaRPr lang="ko-KR" altLang="en-US"/>
+              </a:p>
+            </p:txBody>
+          </p:sp>
+          <p:sp>
+            <p:nvSpPr>
+              <p:cNvPr id="19" name="직사각형 18">
+                <a:extLst>
+                  <a:ext uri="{FF2B5EF4-FFF2-40B4-BE49-F238E27FC236}">
+                    <a16:creationId xmlns:a16="http://schemas.microsoft.com/office/drawing/2014/main" id="{18B5E787-E203-87F7-A654-6419E95F300E}"/>
+                  </a:ext>
+                </a:extLst>
+              </p:cNvPr>
+              <p:cNvSpPr/>
+              <p:nvPr/>
+            </p:nvSpPr>
+            <p:spPr>
+              <a:xfrm>
+                <a:off x="9842488" y="5639294"/>
+                <a:ext cx="1130311" cy="295894"/>
+              </a:xfrm>
+              <a:prstGeom prst="rect">
+                <a:avLst/>
+              </a:prstGeom>
+              <a:noFill/>
+              <a:ln w="38100">
+                <a:solidFill>
+                  <a:srgbClr val="FF0000"/>
+                </a:solidFill>
+              </a:ln>
+            </p:spPr>
+            <p:style>
+              <a:lnRef idx="2">
+                <a:schemeClr val="accent1">
+                  <a:shade val="15000"/>
+                </a:schemeClr>
+              </a:lnRef>
+              <a:fillRef idx="1">
+                <a:schemeClr val="accent1"/>
+              </a:fillRef>
+              <a:effectRef idx="0">
+                <a:schemeClr val="accent1"/>
+              </a:effectRef>
+              <a:fontRef idx="minor">
+                <a:schemeClr val="lt1"/>
+              </a:fontRef>
+            </p:style>
+            <p:txBody>
+              <a:bodyPr rtlCol="0" anchor="ctr"/>
+              <a:lstStyle/>
+              <a:p>
+                <a:pPr algn="ctr"/>
+                <a:endParaRPr lang="ko-KR" altLang="en-US"/>
+              </a:p>
+            </p:txBody>
+          </p:sp>
+        </p:grpSp>
+      </p:grpSp>
+      <p:sp>
+        <p:nvSpPr>
+          <p:cNvPr id="22" name="TextBox 21">
+            <a:extLst>
+              <a:ext uri="{FF2B5EF4-FFF2-40B4-BE49-F238E27FC236}">
+                <a16:creationId xmlns:a16="http://schemas.microsoft.com/office/drawing/2014/main" id="{0BE49CE5-501A-517D-2F96-5B6D91163A1E}"/>
+              </a:ext>
+            </a:extLst>
+          </p:cNvPr>
+          <p:cNvSpPr txBox="1"/>
+          <p:nvPr/>
+        </p:nvSpPr>
+        <p:spPr>
+          <a:xfrm>
+            <a:off x="150871" y="1678659"/>
+            <a:ext cx="11474744" cy="1661993"/>
+          </a:xfrm>
+          <a:prstGeom prst="rect">
+            <a:avLst/>
+          </a:prstGeom>
+          <a:noFill/>
+          <a:ln>
+            <a:solidFill>
+              <a:schemeClr val="tx1"/>
+            </a:solidFill>
+          </a:ln>
+        </p:spPr>
+        <p:txBody>
+          <a:bodyPr wrap="none" rtlCol="0">
+            <a:spAutoFit/>
+          </a:bodyPr>
+          <a:lstStyle/>
+          <a:p>
+            <a:r>
+              <a:rPr lang="en-US" altLang="ko-KR" dirty="0"/>
+              <a:t>&lt;</a:t>
+            </a:r>
+            <a:r>
+              <a:rPr lang="ko-KR" altLang="en-US" dirty="0"/>
+              <a:t>질문</a:t>
+            </a:r>
+            <a:r>
+              <a:rPr lang="en-US" altLang="ko-KR" dirty="0"/>
+              <a:t>&gt;</a:t>
+            </a:r>
+          </a:p>
+          <a:p>
+            <a:pPr marL="342900" indent="-342900">
+              <a:buAutoNum type="arabicPeriod"/>
+            </a:pPr>
+            <a:r>
+              <a:rPr lang="en-US" altLang="ko-KR" dirty="0"/>
+              <a:t>static </a:t>
+            </a:r>
+            <a:r>
+              <a:rPr lang="ko-KR" altLang="en-US" dirty="0"/>
+              <a:t>폴더는 무엇을 넣는 폴더인가요</a:t>
+            </a:r>
+            <a:r>
+              <a:rPr lang="en-US" altLang="ko-KR" dirty="0"/>
+              <a:t>?</a:t>
+            </a:r>
+          </a:p>
+          <a:p>
+            <a:pPr marL="800100" lvl="1" indent="-342900">
+              <a:buAutoNum type="arabicPeriod"/>
+            </a:pPr>
+            <a:r>
+              <a:rPr lang="ko-KR" altLang="en-US" sz="1600" dirty="0"/>
+              <a:t>정적 리소스 </a:t>
+            </a:r>
+            <a:r>
+              <a:rPr lang="en-US" altLang="ko-KR" sz="1600" dirty="0"/>
+              <a:t>(html/</a:t>
+            </a:r>
+            <a:r>
+              <a:rPr lang="en-US" altLang="ko-KR" sz="1600" dirty="0" err="1"/>
+              <a:t>css</a:t>
+            </a:r>
+            <a:r>
+              <a:rPr lang="en-US" altLang="ko-KR" sz="1600" dirty="0"/>
+              <a:t>/</a:t>
+            </a:r>
+            <a:r>
+              <a:rPr lang="en-US" altLang="ko-KR" sz="1600" dirty="0" err="1"/>
+              <a:t>js</a:t>
+            </a:r>
+            <a:r>
+              <a:rPr lang="en-US" altLang="ko-KR" sz="1600" dirty="0"/>
+              <a:t>/</a:t>
+            </a:r>
+            <a:r>
+              <a:rPr lang="en-US" altLang="ko-KR" sz="1600" dirty="0" err="1"/>
+              <a:t>img</a:t>
+            </a:r>
+            <a:r>
+              <a:rPr lang="en-US" altLang="ko-KR" sz="1600" dirty="0"/>
+              <a:t>...)</a:t>
+            </a:r>
+          </a:p>
+          <a:p>
+            <a:pPr marL="800100" lvl="1" indent="-342900">
+              <a:buAutoNum type="arabicPeriod"/>
+            </a:pPr>
+            <a:endParaRPr lang="en-US" altLang="ko-KR" sz="1600" dirty="0"/>
+          </a:p>
+          <a:p>
+            <a:pPr marL="342900" indent="-342900">
+              <a:buAutoNum type="arabicPeriod"/>
+            </a:pPr>
+            <a:r>
+              <a:rPr lang="ko-KR" altLang="en-US" dirty="0"/>
+              <a:t>파일 이름은 왜 </a:t>
+            </a:r>
+            <a:r>
+              <a:rPr lang="en-US" altLang="ko-KR" dirty="0"/>
+              <a:t>index.html</a:t>
+            </a:r>
+            <a:r>
+              <a:rPr lang="ko-KR" altLang="en-US" dirty="0"/>
+              <a:t>인가요</a:t>
+            </a:r>
+            <a:r>
+              <a:rPr lang="en-US" altLang="ko-KR" dirty="0"/>
+              <a:t>?</a:t>
+            </a:r>
+          </a:p>
+          <a:p>
+            <a:pPr marL="800100" lvl="1" indent="-342900">
+              <a:buAutoNum type="arabicPeriod"/>
+            </a:pPr>
+            <a:r>
+              <a:rPr lang="ko-KR" altLang="en-US" sz="1600" dirty="0"/>
+              <a:t>파일 경로를 설정하지 않고</a:t>
+            </a:r>
+            <a:r>
+              <a:rPr lang="en-US" altLang="ko-KR" sz="1600" dirty="0"/>
+              <a:t> </a:t>
+            </a:r>
+            <a:r>
+              <a:rPr lang="ko-KR" altLang="en-US" sz="1600" dirty="0"/>
+              <a:t>브라우저에 </a:t>
+            </a:r>
+            <a:r>
+              <a:rPr lang="en-US" altLang="ko-KR" sz="1600" dirty="0"/>
+              <a:t>URL</a:t>
+            </a:r>
+            <a:r>
+              <a:rPr lang="ko-KR" altLang="en-US" sz="1600" dirty="0"/>
+              <a:t>을 입력했을 경우</a:t>
+            </a:r>
+            <a:r>
+              <a:rPr lang="en-US" altLang="ko-KR" sz="1600" dirty="0"/>
+              <a:t>, </a:t>
+            </a:r>
+            <a:r>
+              <a:rPr lang="ko-KR" altLang="en-US" sz="1600" dirty="0"/>
+              <a:t>자동으로 </a:t>
+            </a:r>
+            <a:r>
+              <a:rPr lang="en-US" altLang="ko-KR" sz="1600" dirty="0"/>
+              <a:t>index</a:t>
+            </a:r>
+            <a:r>
+              <a:rPr lang="ko-KR" altLang="en-US" sz="1600" dirty="0"/>
+              <a:t>라는 이름을 가진 파일을 열기 때문입니다</a:t>
+            </a:r>
+            <a:endParaRPr lang="en-US" altLang="ko-KR" sz="1600" dirty="0"/>
+          </a:p>
+        </p:txBody>
+      </p:sp>
+      <p:pic>
+        <p:nvPicPr>
+          <p:cNvPr id="24" name="그림 23">
+            <a:extLst>
+              <a:ext uri="{FF2B5EF4-FFF2-40B4-BE49-F238E27FC236}">
+                <a16:creationId xmlns:a16="http://schemas.microsoft.com/office/drawing/2014/main" id="{08034FE4-1EEF-A511-EE10-D44E2D9D3AE6}"/>
+              </a:ext>
+            </a:extLst>
+          </p:cNvPr>
+          <p:cNvPicPr>
+            <a:picLocks noChangeAspect="1"/>
+          </p:cNvPicPr>
+          <p:nvPr/>
+        </p:nvPicPr>
+        <p:blipFill>
+          <a:blip r:embed="rId5"/>
+          <a:stretch>
+            <a:fillRect/>
+          </a:stretch>
+        </p:blipFill>
+        <p:spPr>
+          <a:xfrm>
+            <a:off x="4343310" y="3067031"/>
+            <a:ext cx="3505380" cy="723937"/>
+          </a:xfrm>
+          <a:prstGeom prst="rect">
+            <a:avLst/>
+          </a:prstGeom>
+        </p:spPr>
+      </p:pic>
+    </p:spTree>
+    <p:extLst>
+      <p:ext uri="{BB962C8B-B14F-4D97-AF65-F5344CB8AC3E}">
+        <p14:creationId xmlns:p14="http://schemas.microsoft.com/office/powerpoint/2010/main" val="1125494946"/>
+      </p:ext>
+    </p:extLst>
+  </p:cSld>
+  <p:clrMapOvr>
+    <a:masterClrMapping/>
+  </p:clrMapOvr>
+</p:sld>
+</file>
+
+<file path=ppt/slides/slide28.xml><?xml version="1.0" encoding="utf-8"?>
+<p:sld xmlns:a="http://schemas.openxmlformats.org/drawingml/2006/main" xmlns:r="http://schemas.openxmlformats.org/officeDocument/2006/relationships" xmlns:p="http://schemas.openxmlformats.org/presentationml/2006/main">
+  <p:cSld>
+    <p:spTree>
+      <p:nvGrpSpPr>
+        <p:cNvPr id="1" name=""/>
+        <p:cNvGrpSpPr/>
+        <p:nvPr/>
+      </p:nvGrpSpPr>
+      <p:grpSpPr>
+        <a:xfrm>
+          <a:off x="0" y="0"/>
+          <a:ext cx="0" cy="0"/>
+          <a:chOff x="0" y="0"/>
+          <a:chExt cx="0" cy="0"/>
+        </a:xfrm>
+      </p:grpSpPr>
+      <p:sp>
+        <p:nvSpPr>
+          <p:cNvPr id="5" name="TextBox 4">
+            <a:extLst>
+              <a:ext uri="{FF2B5EF4-FFF2-40B4-BE49-F238E27FC236}">
+                <a16:creationId xmlns:a16="http://schemas.microsoft.com/office/drawing/2014/main" id="{A389414F-66B7-1262-7F78-D45BD7660CF6}"/>
+              </a:ext>
+            </a:extLst>
+          </p:cNvPr>
+          <p:cNvSpPr txBox="1"/>
+          <p:nvPr/>
+        </p:nvSpPr>
+        <p:spPr>
+          <a:xfrm>
+            <a:off x="150871" y="134440"/>
+            <a:ext cx="2352118" cy="646331"/>
+          </a:xfrm>
+          <a:prstGeom prst="rect">
+            <a:avLst/>
+          </a:prstGeom>
+          <a:solidFill>
+            <a:srgbClr val="1C3166"/>
+          </a:solidFill>
+          <a:ln>
+            <a:solidFill>
+              <a:schemeClr val="tx1"/>
+            </a:solidFill>
+          </a:ln>
+        </p:spPr>
+        <p:txBody>
+          <a:bodyPr wrap="none" rtlCol="0">
+            <a:spAutoFit/>
+          </a:bodyPr>
+          <a:lstStyle/>
+          <a:p>
+            <a:pPr algn="ctr"/>
+            <a:r>
+              <a:rPr lang="ko-KR" altLang="en-US" dirty="0">
+                <a:solidFill>
+                  <a:schemeClr val="bg1"/>
+                </a:solidFill>
+                <a:latin typeface="에스코어 드림 6 Bold" panose="020B0703030302020204" pitchFamily="34" charset="-127"/>
+                <a:ea typeface="에스코어 드림 6 Bold" panose="020B0703030302020204" pitchFamily="34" charset="-127"/>
+              </a:rPr>
+              <a:t>섹션</a:t>
+            </a:r>
+            <a:r>
+              <a:rPr lang="en-US" altLang="ko-KR" dirty="0">
+                <a:solidFill>
+                  <a:schemeClr val="bg1"/>
+                </a:solidFill>
+                <a:latin typeface="에스코어 드림 6 Bold" panose="020B0703030302020204" pitchFamily="34" charset="-127"/>
+                <a:ea typeface="에스코어 드림 6 Bold" panose="020B0703030302020204" pitchFamily="34" charset="-127"/>
+              </a:rPr>
+              <a:t>1-3</a:t>
+            </a:r>
+            <a:r>
+              <a:rPr lang="ko-KR" altLang="en-US" dirty="0">
+                <a:solidFill>
+                  <a:schemeClr val="bg1"/>
+                </a:solidFill>
+                <a:latin typeface="에스코어 드림 6 Bold" panose="020B0703030302020204" pitchFamily="34" charset="-127"/>
+                <a:ea typeface="에스코어 드림 6 Bold" panose="020B0703030302020204" pitchFamily="34" charset="-127"/>
+              </a:rPr>
+              <a:t>강</a:t>
+            </a:r>
+            <a:endParaRPr lang="en-US" altLang="ko-KR" dirty="0">
+              <a:solidFill>
+                <a:schemeClr val="bg1"/>
+              </a:solidFill>
+              <a:latin typeface="에스코어 드림 6 Bold" panose="020B0703030302020204" pitchFamily="34" charset="-127"/>
+              <a:ea typeface="에스코어 드림 6 Bold" panose="020B0703030302020204" pitchFamily="34" charset="-127"/>
+            </a:endParaRPr>
+          </a:p>
+          <a:p>
+            <a:pPr algn="ctr"/>
+            <a:r>
+              <a:rPr lang="ko-KR" altLang="en-US" dirty="0">
+                <a:solidFill>
+                  <a:schemeClr val="bg1"/>
+                </a:solidFill>
+                <a:latin typeface="에스코어 드림 6 Bold" panose="020B0703030302020204" pitchFamily="34" charset="-127"/>
+                <a:ea typeface="에스코어 드림 6 Bold" panose="020B0703030302020204" pitchFamily="34" charset="-127"/>
+              </a:rPr>
+              <a:t>제목 </a:t>
+            </a:r>
+            <a:r>
+              <a:rPr lang="en-US" altLang="ko-KR" dirty="0">
+                <a:solidFill>
+                  <a:schemeClr val="bg1"/>
+                </a:solidFill>
+                <a:latin typeface="에스코어 드림 6 Bold" panose="020B0703030302020204" pitchFamily="34" charset="-127"/>
+                <a:ea typeface="에스코어 드림 6 Bold" panose="020B0703030302020204" pitchFamily="34" charset="-127"/>
+              </a:rPr>
+              <a:t>: View </a:t>
+            </a:r>
+            <a:r>
+              <a:rPr lang="ko-KR" altLang="en-US" dirty="0">
+                <a:solidFill>
+                  <a:schemeClr val="bg1"/>
+                </a:solidFill>
+                <a:latin typeface="에스코어 드림 6 Bold" panose="020B0703030302020204" pitchFamily="34" charset="-127"/>
+                <a:ea typeface="에스코어 드림 6 Bold" panose="020B0703030302020204" pitchFamily="34" charset="-127"/>
+              </a:rPr>
+              <a:t>환경설정</a:t>
+            </a:r>
+            <a:endParaRPr lang="en-US" altLang="ko-KR" dirty="0">
+              <a:solidFill>
+                <a:schemeClr val="bg1"/>
+              </a:solidFill>
+              <a:latin typeface="에스코어 드림 6 Bold" panose="020B0703030302020204" pitchFamily="34" charset="-127"/>
+              <a:ea typeface="에스코어 드림 6 Bold" panose="020B0703030302020204" pitchFamily="34" charset="-127"/>
+            </a:endParaRPr>
+          </a:p>
+        </p:txBody>
+      </p:sp>
+      <p:sp>
+        <p:nvSpPr>
+          <p:cNvPr id="2" name="TextBox 1">
+            <a:extLst>
+              <a:ext uri="{FF2B5EF4-FFF2-40B4-BE49-F238E27FC236}">
+                <a16:creationId xmlns:a16="http://schemas.microsoft.com/office/drawing/2014/main" id="{E7B711CB-C42A-9956-0480-3F34AE9FA20E}"/>
+              </a:ext>
+            </a:extLst>
+          </p:cNvPr>
+          <p:cNvSpPr txBox="1"/>
+          <p:nvPr/>
+        </p:nvSpPr>
+        <p:spPr>
+          <a:xfrm>
+            <a:off x="159122" y="898661"/>
+            <a:ext cx="10048135" cy="1200329"/>
+          </a:xfrm>
+          <a:prstGeom prst="rect">
+            <a:avLst/>
+          </a:prstGeom>
+          <a:noFill/>
+          <a:ln>
+            <a:solidFill>
+              <a:schemeClr val="tx1"/>
+            </a:solidFill>
+          </a:ln>
+        </p:spPr>
+        <p:txBody>
+          <a:bodyPr wrap="none" rtlCol="0">
+            <a:spAutoFit/>
+          </a:bodyPr>
+          <a:lstStyle/>
+          <a:p>
+            <a:r>
+              <a:rPr lang="en-US" altLang="ko-KR" dirty="0"/>
+              <a:t>&lt;</a:t>
+            </a:r>
+            <a:r>
+              <a:rPr lang="ko-KR" altLang="en-US" dirty="0"/>
+              <a:t>진행</a:t>
+            </a:r>
+            <a:r>
+              <a:rPr lang="en-US" altLang="ko-KR" dirty="0"/>
+              <a:t>&gt;</a:t>
+            </a:r>
+          </a:p>
+          <a:p>
+            <a:pPr marL="342900" indent="-342900">
+              <a:buAutoNum type="arabicPeriod"/>
+            </a:pPr>
+            <a:r>
+              <a:rPr lang="ko-KR" altLang="en-US" dirty="0"/>
+              <a:t>인텔리제이도 </a:t>
+            </a:r>
+            <a:r>
+              <a:rPr lang="en-US" altLang="ko-KR" dirty="0" err="1"/>
+              <a:t>VSCode</a:t>
+            </a:r>
+            <a:r>
+              <a:rPr lang="ko-KR" altLang="en-US" dirty="0"/>
+              <a:t>와 같이</a:t>
+            </a:r>
+            <a:r>
+              <a:rPr lang="en-US" altLang="ko-KR" dirty="0"/>
+              <a:t>, !</a:t>
+            </a:r>
+            <a:r>
+              <a:rPr lang="ko-KR" altLang="en-US" dirty="0"/>
+              <a:t>를 작성한 뒤</a:t>
+            </a:r>
+            <a:r>
+              <a:rPr lang="en-US" altLang="ko-KR" dirty="0"/>
+              <a:t>, tab</a:t>
+            </a:r>
+            <a:r>
+              <a:rPr lang="ko-KR" altLang="en-US" dirty="0"/>
+              <a:t>을 누르면 </a:t>
+            </a:r>
+            <a:r>
+              <a:rPr lang="en-US" altLang="ko-KR" dirty="0"/>
+              <a:t>html </a:t>
+            </a:r>
+            <a:r>
+              <a:rPr lang="ko-KR" altLang="en-US" dirty="0"/>
+              <a:t>기본 코드가 자동 생성됩니다</a:t>
+            </a:r>
+            <a:r>
+              <a:rPr lang="en-US" altLang="ko-KR" dirty="0"/>
+              <a:t>. </a:t>
+            </a:r>
+          </a:p>
+          <a:p>
+            <a:pPr marL="342900" indent="-342900">
+              <a:buAutoNum type="arabicPeriod"/>
+            </a:pPr>
+            <a:r>
+              <a:rPr lang="en-US" altLang="ko-KR" dirty="0"/>
+              <a:t>&lt;body&gt;</a:t>
+            </a:r>
+            <a:r>
+              <a:rPr lang="ko-KR" altLang="en-US" dirty="0"/>
+              <a:t>내부에 </a:t>
+            </a:r>
+            <a:r>
+              <a:rPr lang="en-US" altLang="ko-KR" dirty="0"/>
+              <a:t>‘Welcome’</a:t>
+            </a:r>
+            <a:r>
+              <a:rPr lang="ko-KR" altLang="en-US" dirty="0"/>
+              <a:t>을 작성합니다</a:t>
+            </a:r>
+            <a:endParaRPr lang="en-US" altLang="ko-KR" dirty="0"/>
+          </a:p>
+          <a:p>
+            <a:pPr marL="342900" indent="-342900">
+              <a:buAutoNum type="arabicPeriod"/>
+            </a:pPr>
+            <a:r>
+              <a:rPr lang="ko-KR" altLang="en-US" dirty="0"/>
+              <a:t>인텔리제이 우측 상단에 시작 버튼을 눌러 프로그램을 실행시킵니다</a:t>
+            </a:r>
+            <a:r>
+              <a:rPr lang="en-US" altLang="ko-KR" dirty="0"/>
+              <a:t>.</a:t>
+            </a:r>
+            <a:endParaRPr lang="ko-KR" altLang="en-US" dirty="0"/>
+          </a:p>
+        </p:txBody>
+      </p:sp>
+      <p:grpSp>
+        <p:nvGrpSpPr>
+          <p:cNvPr id="25" name="그룹 24">
+            <a:extLst>
+              <a:ext uri="{FF2B5EF4-FFF2-40B4-BE49-F238E27FC236}">
+                <a16:creationId xmlns:a16="http://schemas.microsoft.com/office/drawing/2014/main" id="{08527D4E-3E40-5B30-C6DA-716C09256CB3}"/>
+              </a:ext>
+            </a:extLst>
+          </p:cNvPr>
+          <p:cNvGrpSpPr/>
+          <p:nvPr/>
+        </p:nvGrpSpPr>
+        <p:grpSpPr>
+          <a:xfrm>
+            <a:off x="159122" y="3876571"/>
+            <a:ext cx="11392525" cy="2102387"/>
+            <a:chOff x="159122" y="3876571"/>
+            <a:chExt cx="11392525" cy="2102387"/>
+          </a:xfrm>
+        </p:grpSpPr>
+        <p:pic>
+          <p:nvPicPr>
+            <p:cNvPr id="24" name="그림 23">
+              <a:extLst>
+                <a:ext uri="{FF2B5EF4-FFF2-40B4-BE49-F238E27FC236}">
+                  <a16:creationId xmlns:a16="http://schemas.microsoft.com/office/drawing/2014/main" id="{08034FE4-1EEF-A511-EE10-D44E2D9D3AE6}"/>
+                </a:ext>
+              </a:extLst>
+            </p:cNvPr>
+            <p:cNvPicPr>
+              <a:picLocks noChangeAspect="1"/>
+            </p:cNvPicPr>
+            <p:nvPr/>
+          </p:nvPicPr>
+          <p:blipFill>
+            <a:blip r:embed="rId2"/>
+            <a:stretch>
+              <a:fillRect/>
+            </a:stretch>
+          </p:blipFill>
+          <p:spPr>
+            <a:xfrm>
+              <a:off x="159122" y="3876571"/>
+              <a:ext cx="3505380" cy="723937"/>
+            </a:xfrm>
+            <a:prstGeom prst="rect">
+              <a:avLst/>
+            </a:prstGeom>
+          </p:spPr>
+        </p:pic>
+        <p:sp>
+          <p:nvSpPr>
+            <p:cNvPr id="3" name="화살표: 오른쪽 2">
+              <a:extLst>
+                <a:ext uri="{FF2B5EF4-FFF2-40B4-BE49-F238E27FC236}">
+                  <a16:creationId xmlns:a16="http://schemas.microsoft.com/office/drawing/2014/main" id="{1FAE7EA9-5300-6B8A-73C1-9EA599F91FF1}"/>
+                </a:ext>
+              </a:extLst>
+            </p:cNvPr>
+            <p:cNvSpPr/>
+            <p:nvPr/>
+          </p:nvSpPr>
+          <p:spPr>
+            <a:xfrm>
+              <a:off x="3875866" y="4084825"/>
+              <a:ext cx="283224" cy="307428"/>
+            </a:xfrm>
+            <a:prstGeom prst="rightArrow">
+              <a:avLst/>
+            </a:prstGeom>
+          </p:spPr>
+          <p:style>
+            <a:lnRef idx="2">
+              <a:schemeClr val="accent1">
+                <a:shade val="15000"/>
+              </a:schemeClr>
+            </a:lnRef>
+            <a:fillRef idx="1">
+              <a:schemeClr val="accent1"/>
+            </a:fillRef>
+            <a:effectRef idx="0">
+              <a:schemeClr val="accent1"/>
+            </a:effectRef>
+            <a:fontRef idx="minor">
+              <a:schemeClr val="lt1"/>
+            </a:fontRef>
+          </p:style>
+          <p:txBody>
+            <a:bodyPr rtlCol="0" anchor="ctr"/>
+            <a:lstStyle/>
+            <a:p>
+              <a:pPr algn="ctr"/>
+              <a:endParaRPr lang="ko-KR" altLang="en-US"/>
+            </a:p>
+          </p:txBody>
+        </p:sp>
+        <p:sp>
+          <p:nvSpPr>
+            <p:cNvPr id="6" name="Rectangle 1">
+              <a:extLst>
+                <a:ext uri="{FF2B5EF4-FFF2-40B4-BE49-F238E27FC236}">
+                  <a16:creationId xmlns:a16="http://schemas.microsoft.com/office/drawing/2014/main" id="{8D12B040-4B25-C218-41F5-F0819E2719AF}"/>
+                </a:ext>
+              </a:extLst>
+            </p:cNvPr>
+            <p:cNvSpPr>
+              <a:spLocks noChangeArrowheads="1"/>
+            </p:cNvSpPr>
+            <p:nvPr/>
+          </p:nvSpPr>
+          <p:spPr bwMode="auto">
+            <a:xfrm>
+              <a:off x="4370454" y="3876571"/>
+              <a:ext cx="7181193" cy="1892826"/>
+            </a:xfrm>
+            <a:prstGeom prst="rect">
+              <a:avLst/>
+            </a:prstGeom>
+            <a:solidFill>
+              <a:srgbClr val="1E1F22"/>
+            </a:solidFill>
+            <a:ln>
+              <a:noFill/>
+            </a:ln>
+            <a:effectLst/>
+            <a:extLst>
+              <a:ext uri="{91240B29-F687-4F45-9708-019B960494DF}">
+                <a14:hiddenLine xmlns:a14="http://schemas.microsoft.com/office/drawing/2010/main" w="9525">
+                  <a:solidFill>
+                    <a:schemeClr val="tx1"/>
+                  </a:solidFill>
+                  <a:miter lim="800000"/>
+                  <a:headEnd/>
+                  <a:tailEnd/>
+                </a14:hiddenLine>
+              </a:ext>
+              <a:ext uri="{AF507438-7753-43E0-B8FC-AC1667EBCBE1}">
+                <a14:hiddenEffects xmlns:a14="http://schemas.microsoft.com/office/drawing/2010/main">
+                  <a:effectLst>
+                    <a:outerShdw dist="35921" dir="2700000" algn="ctr" rotWithShape="0">
+                      <a:schemeClr val="bg2"/>
+                    </a:outerShdw>
+                  </a:effectLst>
+                </a14:hiddenEffects>
+              </a:ext>
+            </a:extLst>
+          </p:spPr>
+          <p:txBody>
+            <a:bodyPr vert="horz" wrap="square" lIns="91440" tIns="45720" rIns="91440" bIns="45720" numCol="1" anchor="ctr" anchorCtr="0" compatLnSpc="1">
+              <a:prstTxWarp prst="textNoShape">
+                <a:avLst/>
+              </a:prstTxWarp>
+              <a:spAutoFit/>
+            </a:bodyPr>
+            <a:lstStyle/>
+            <a:p>
+              <a:pPr marL="0" marR="0" lvl="0" indent="0" algn="l" defTabSz="914400" rtl="0" eaLnBrk="0" fontAlgn="base" latinLnBrk="0" hangingPunct="0">
+                <a:lnSpc>
+                  <a:spcPct val="100000"/>
+                </a:lnSpc>
+                <a:spcBef>
+                  <a:spcPct val="0"/>
+                </a:spcBef>
+                <a:spcAft>
+                  <a:spcPct val="0"/>
+                </a:spcAft>
+                <a:buClrTx/>
+                <a:buSzTx/>
+                <a:buFontTx/>
+                <a:buNone/>
+                <a:tabLst/>
+              </a:pPr>
+              <a:r>
+                <a:rPr kumimoji="0" lang="ko-KR" altLang="ko-KR" sz="900" b="0" i="0" u="none" strike="noStrike" cap="none" normalizeH="0" baseline="0">
+                  <a:ln>
+                    <a:noFill/>
+                  </a:ln>
+                  <a:solidFill>
+                    <a:srgbClr val="D5B778"/>
+                  </a:solidFill>
+                  <a:effectLst/>
+                  <a:latin typeface="Arial Unicode MS"/>
+                  <a:ea typeface="JetBrains Mono"/>
+                </a:rPr>
+                <a:t>&lt;!doctype </a:t>
+              </a:r>
+              <a:r>
+                <a:rPr kumimoji="0" lang="ko-KR" altLang="ko-KR" sz="900" b="0" i="0" u="none" strike="noStrike" cap="none" normalizeH="0" baseline="0">
+                  <a:ln>
+                    <a:noFill/>
+                  </a:ln>
+                  <a:solidFill>
+                    <a:srgbClr val="BABABA"/>
+                  </a:solidFill>
+                  <a:effectLst/>
+                  <a:latin typeface="Arial Unicode MS"/>
+                  <a:ea typeface="JetBrains Mono"/>
+                </a:rPr>
+                <a:t>html</a:t>
+              </a:r>
+              <a:r>
+                <a:rPr kumimoji="0" lang="ko-KR" altLang="ko-KR" sz="900" b="0" i="0" u="none" strike="noStrike" cap="none" normalizeH="0" baseline="0">
+                  <a:ln>
+                    <a:noFill/>
+                  </a:ln>
+                  <a:solidFill>
+                    <a:srgbClr val="D5B778"/>
+                  </a:solidFill>
+                  <a:effectLst/>
+                  <a:latin typeface="Arial Unicode MS"/>
+                  <a:ea typeface="JetBrains Mono"/>
+                </a:rPr>
+                <a:t>&gt;</a:t>
+              </a:r>
+              <a:br>
+                <a:rPr kumimoji="0" lang="ko-KR" altLang="ko-KR" sz="900" b="0" i="0" u="none" strike="noStrike" cap="none" normalizeH="0" baseline="0">
+                  <a:ln>
+                    <a:noFill/>
+                  </a:ln>
+                  <a:solidFill>
+                    <a:srgbClr val="D5B778"/>
+                  </a:solidFill>
+                  <a:effectLst/>
+                  <a:latin typeface="Arial Unicode MS"/>
+                  <a:ea typeface="JetBrains Mono"/>
+                </a:rPr>
+              </a:br>
+              <a:r>
+                <a:rPr kumimoji="0" lang="ko-KR" altLang="ko-KR" sz="900" b="0" i="0" u="none" strike="noStrike" cap="none" normalizeH="0" baseline="0">
+                  <a:ln>
+                    <a:noFill/>
+                  </a:ln>
+                  <a:solidFill>
+                    <a:srgbClr val="D5B778"/>
+                  </a:solidFill>
+                  <a:effectLst/>
+                  <a:latin typeface="Arial Unicode MS"/>
+                  <a:ea typeface="JetBrains Mono"/>
+                </a:rPr>
+                <a:t>&lt;html </a:t>
+              </a:r>
+              <a:r>
+                <a:rPr kumimoji="0" lang="ko-KR" altLang="ko-KR" sz="900" b="0" i="0" u="none" strike="noStrike" cap="none" normalizeH="0" baseline="0">
+                  <a:ln>
+                    <a:noFill/>
+                  </a:ln>
+                  <a:solidFill>
+                    <a:srgbClr val="BABABA"/>
+                  </a:solidFill>
+                  <a:effectLst/>
+                  <a:latin typeface="Arial Unicode MS"/>
+                  <a:ea typeface="JetBrains Mono"/>
+                </a:rPr>
+                <a:t>lang</a:t>
+              </a:r>
+              <a:r>
+                <a:rPr kumimoji="0" lang="ko-KR" altLang="ko-KR" sz="900" b="0" i="0" u="none" strike="noStrike" cap="none" normalizeH="0" baseline="0">
+                  <a:ln>
+                    <a:noFill/>
+                  </a:ln>
+                  <a:solidFill>
+                    <a:srgbClr val="6AAB73"/>
+                  </a:solidFill>
+                  <a:effectLst/>
+                  <a:latin typeface="Arial Unicode MS"/>
+                  <a:ea typeface="JetBrains Mono"/>
+                </a:rPr>
+                <a:t>="en"</a:t>
+              </a:r>
+              <a:r>
+                <a:rPr kumimoji="0" lang="ko-KR" altLang="ko-KR" sz="900" b="0" i="0" u="none" strike="noStrike" cap="none" normalizeH="0" baseline="0">
+                  <a:ln>
+                    <a:noFill/>
+                  </a:ln>
+                  <a:solidFill>
+                    <a:srgbClr val="D5B778"/>
+                  </a:solidFill>
+                  <a:effectLst/>
+                  <a:latin typeface="Arial Unicode MS"/>
+                  <a:ea typeface="JetBrains Mono"/>
+                </a:rPr>
+                <a:t>&gt;</a:t>
+              </a:r>
+              <a:br>
+                <a:rPr kumimoji="0" lang="ko-KR" altLang="ko-KR" sz="900" b="0" i="0" u="none" strike="noStrike" cap="none" normalizeH="0" baseline="0">
+                  <a:ln>
+                    <a:noFill/>
+                  </a:ln>
+                  <a:solidFill>
+                    <a:srgbClr val="D5B778"/>
+                  </a:solidFill>
+                  <a:effectLst/>
+                  <a:latin typeface="Arial Unicode MS"/>
+                  <a:ea typeface="JetBrains Mono"/>
+                </a:rPr>
+              </a:br>
+              <a:r>
+                <a:rPr kumimoji="0" lang="ko-KR" altLang="ko-KR" sz="900" b="0" i="0" u="none" strike="noStrike" cap="none" normalizeH="0" baseline="0">
+                  <a:ln>
+                    <a:noFill/>
+                  </a:ln>
+                  <a:solidFill>
+                    <a:srgbClr val="D5B778"/>
+                  </a:solidFill>
+                  <a:effectLst/>
+                  <a:latin typeface="Arial Unicode MS"/>
+                  <a:ea typeface="JetBrains Mono"/>
+                </a:rPr>
+                <a:t>&lt;head&gt;</a:t>
+              </a:r>
+              <a:br>
+                <a:rPr kumimoji="0" lang="ko-KR" altLang="ko-KR" sz="900" b="0" i="0" u="none" strike="noStrike" cap="none" normalizeH="0" baseline="0">
+                  <a:ln>
+                    <a:noFill/>
+                  </a:ln>
+                  <a:solidFill>
+                    <a:srgbClr val="D5B778"/>
+                  </a:solidFill>
+                  <a:effectLst/>
+                  <a:latin typeface="Arial Unicode MS"/>
+                  <a:ea typeface="JetBrains Mono"/>
+                </a:rPr>
+              </a:br>
+              <a:r>
+                <a:rPr kumimoji="0" lang="ko-KR" altLang="ko-KR" sz="900" b="0" i="0" u="none" strike="noStrike" cap="none" normalizeH="0" baseline="0">
+                  <a:ln>
+                    <a:noFill/>
+                  </a:ln>
+                  <a:solidFill>
+                    <a:srgbClr val="D5B778"/>
+                  </a:solidFill>
+                  <a:effectLst/>
+                  <a:latin typeface="Arial Unicode MS"/>
+                  <a:ea typeface="JetBrains Mono"/>
+                </a:rPr>
+                <a:t>    &lt;meta </a:t>
+              </a:r>
+              <a:r>
+                <a:rPr kumimoji="0" lang="ko-KR" altLang="ko-KR" sz="900" b="0" i="0" u="none" strike="noStrike" cap="none" normalizeH="0" baseline="0">
+                  <a:ln>
+                    <a:noFill/>
+                  </a:ln>
+                  <a:solidFill>
+                    <a:srgbClr val="BABABA"/>
+                  </a:solidFill>
+                  <a:effectLst/>
+                  <a:latin typeface="Arial Unicode MS"/>
+                  <a:ea typeface="JetBrains Mono"/>
+                </a:rPr>
+                <a:t>charset</a:t>
+              </a:r>
+              <a:r>
+                <a:rPr kumimoji="0" lang="ko-KR" altLang="ko-KR" sz="900" b="0" i="0" u="none" strike="noStrike" cap="none" normalizeH="0" baseline="0">
+                  <a:ln>
+                    <a:noFill/>
+                  </a:ln>
+                  <a:solidFill>
+                    <a:srgbClr val="6AAB73"/>
+                  </a:solidFill>
+                  <a:effectLst/>
+                  <a:latin typeface="Arial Unicode MS"/>
+                  <a:ea typeface="JetBrains Mono"/>
+                </a:rPr>
+                <a:t>="UTF-8"</a:t>
+              </a:r>
+              <a:r>
+                <a:rPr kumimoji="0" lang="ko-KR" altLang="ko-KR" sz="900" b="0" i="0" u="none" strike="noStrike" cap="none" normalizeH="0" baseline="0">
+                  <a:ln>
+                    <a:noFill/>
+                  </a:ln>
+                  <a:solidFill>
+                    <a:srgbClr val="D5B778"/>
+                  </a:solidFill>
+                  <a:effectLst/>
+                  <a:latin typeface="Arial Unicode MS"/>
+                  <a:ea typeface="JetBrains Mono"/>
+                </a:rPr>
+                <a:t>&gt;</a:t>
+              </a:r>
+              <a:br>
+                <a:rPr kumimoji="0" lang="ko-KR" altLang="ko-KR" sz="900" b="0" i="0" u="none" strike="noStrike" cap="none" normalizeH="0" baseline="0">
+                  <a:ln>
+                    <a:noFill/>
+                  </a:ln>
+                  <a:solidFill>
+                    <a:srgbClr val="D5B778"/>
+                  </a:solidFill>
+                  <a:effectLst/>
+                  <a:latin typeface="Arial Unicode MS"/>
+                  <a:ea typeface="JetBrains Mono"/>
+                </a:rPr>
+              </a:br>
+              <a:r>
+                <a:rPr kumimoji="0" lang="ko-KR" altLang="ko-KR" sz="900" b="0" i="0" u="none" strike="noStrike" cap="none" normalizeH="0" baseline="0">
+                  <a:ln>
+                    <a:noFill/>
+                  </a:ln>
+                  <a:solidFill>
+                    <a:srgbClr val="D5B778"/>
+                  </a:solidFill>
+                  <a:effectLst/>
+                  <a:latin typeface="Arial Unicode MS"/>
+                  <a:ea typeface="JetBrains Mono"/>
+                </a:rPr>
+                <a:t>    &lt;meta </a:t>
+              </a:r>
+              <a:r>
+                <a:rPr kumimoji="0" lang="ko-KR" altLang="ko-KR" sz="900" b="0" i="0" u="none" strike="noStrike" cap="none" normalizeH="0" baseline="0">
+                  <a:ln>
+                    <a:noFill/>
+                  </a:ln>
+                  <a:solidFill>
+                    <a:srgbClr val="BABABA"/>
+                  </a:solidFill>
+                  <a:effectLst/>
+                  <a:latin typeface="Arial Unicode MS"/>
+                  <a:ea typeface="JetBrains Mono"/>
+                </a:rPr>
+                <a:t>name</a:t>
+              </a:r>
+              <a:r>
+                <a:rPr kumimoji="0" lang="ko-KR" altLang="ko-KR" sz="900" b="0" i="0" u="none" strike="noStrike" cap="none" normalizeH="0" baseline="0">
+                  <a:ln>
+                    <a:noFill/>
+                  </a:ln>
+                  <a:solidFill>
+                    <a:srgbClr val="6AAB73"/>
+                  </a:solidFill>
+                  <a:effectLst/>
+                  <a:latin typeface="Arial Unicode MS"/>
+                  <a:ea typeface="JetBrains Mono"/>
+                </a:rPr>
+                <a:t>="viewport"</a:t>
+              </a:r>
+              <a:br>
+                <a:rPr kumimoji="0" lang="ko-KR" altLang="ko-KR" sz="900" b="0" i="0" u="none" strike="noStrike" cap="none" normalizeH="0" baseline="0">
+                  <a:ln>
+                    <a:noFill/>
+                  </a:ln>
+                  <a:solidFill>
+                    <a:srgbClr val="6AAB73"/>
+                  </a:solidFill>
+                  <a:effectLst/>
+                  <a:latin typeface="Arial Unicode MS"/>
+                  <a:ea typeface="JetBrains Mono"/>
+                </a:rPr>
+              </a:br>
+              <a:r>
+                <a:rPr kumimoji="0" lang="ko-KR" altLang="ko-KR" sz="900" b="0" i="0" u="none" strike="noStrike" cap="none" normalizeH="0" baseline="0">
+                  <a:ln>
+                    <a:noFill/>
+                  </a:ln>
+                  <a:solidFill>
+                    <a:srgbClr val="6AAB73"/>
+                  </a:solidFill>
+                  <a:effectLst/>
+                  <a:latin typeface="Arial Unicode MS"/>
+                  <a:ea typeface="JetBrains Mono"/>
+                </a:rPr>
+                <a:t>          </a:t>
+              </a:r>
+              <a:r>
+                <a:rPr kumimoji="0" lang="ko-KR" altLang="ko-KR" sz="900" b="0" i="0" u="none" strike="noStrike" cap="none" normalizeH="0" baseline="0">
+                  <a:ln>
+                    <a:noFill/>
+                  </a:ln>
+                  <a:solidFill>
+                    <a:srgbClr val="BABABA"/>
+                  </a:solidFill>
+                  <a:effectLst/>
+                  <a:latin typeface="Arial Unicode MS"/>
+                  <a:ea typeface="JetBrains Mono"/>
+                </a:rPr>
+                <a:t>content</a:t>
+              </a:r>
+              <a:r>
+                <a:rPr kumimoji="0" lang="ko-KR" altLang="ko-KR" sz="900" b="0" i="0" u="none" strike="noStrike" cap="none" normalizeH="0" baseline="0">
+                  <a:ln>
+                    <a:noFill/>
+                  </a:ln>
+                  <a:solidFill>
+                    <a:srgbClr val="6AAB73"/>
+                  </a:solidFill>
+                  <a:effectLst/>
+                  <a:latin typeface="Arial Unicode MS"/>
+                  <a:ea typeface="JetBrains Mono"/>
+                </a:rPr>
+                <a:t>="width=device-width, user-scalable=no, initial-scale=1.0, maximum-scale=1.0, minimum-scale=1.0"</a:t>
+              </a:r>
+              <a:r>
+                <a:rPr kumimoji="0" lang="ko-KR" altLang="ko-KR" sz="900" b="0" i="0" u="none" strike="noStrike" cap="none" normalizeH="0" baseline="0">
+                  <a:ln>
+                    <a:noFill/>
+                  </a:ln>
+                  <a:solidFill>
+                    <a:srgbClr val="D5B778"/>
+                  </a:solidFill>
+                  <a:effectLst/>
+                  <a:latin typeface="Arial Unicode MS"/>
+                  <a:ea typeface="JetBrains Mono"/>
+                </a:rPr>
+                <a:t>&gt;</a:t>
+              </a:r>
+              <a:br>
+                <a:rPr kumimoji="0" lang="ko-KR" altLang="ko-KR" sz="900" b="0" i="0" u="none" strike="noStrike" cap="none" normalizeH="0" baseline="0">
+                  <a:ln>
+                    <a:noFill/>
+                  </a:ln>
+                  <a:solidFill>
+                    <a:srgbClr val="D5B778"/>
+                  </a:solidFill>
+                  <a:effectLst/>
+                  <a:latin typeface="Arial Unicode MS"/>
+                  <a:ea typeface="JetBrains Mono"/>
+                </a:rPr>
+              </a:br>
+              <a:r>
+                <a:rPr kumimoji="0" lang="ko-KR" altLang="ko-KR" sz="900" b="0" i="0" u="none" strike="noStrike" cap="none" normalizeH="0" baseline="0">
+                  <a:ln>
+                    <a:noFill/>
+                  </a:ln>
+                  <a:solidFill>
+                    <a:srgbClr val="D5B778"/>
+                  </a:solidFill>
+                  <a:effectLst/>
+                  <a:latin typeface="Arial Unicode MS"/>
+                  <a:ea typeface="JetBrains Mono"/>
+                </a:rPr>
+                <a:t>    &lt;meta </a:t>
+              </a:r>
+              <a:r>
+                <a:rPr kumimoji="0" lang="ko-KR" altLang="ko-KR" sz="900" b="0" i="0" u="none" strike="noStrike" cap="none" normalizeH="0" baseline="0">
+                  <a:ln>
+                    <a:noFill/>
+                  </a:ln>
+                  <a:solidFill>
+                    <a:srgbClr val="BABABA"/>
+                  </a:solidFill>
+                  <a:effectLst/>
+                  <a:latin typeface="Arial Unicode MS"/>
+                  <a:ea typeface="JetBrains Mono"/>
+                </a:rPr>
+                <a:t>http-equiv</a:t>
+              </a:r>
+              <a:r>
+                <a:rPr kumimoji="0" lang="ko-KR" altLang="ko-KR" sz="900" b="0" i="0" u="none" strike="noStrike" cap="none" normalizeH="0" baseline="0">
+                  <a:ln>
+                    <a:noFill/>
+                  </a:ln>
+                  <a:solidFill>
+                    <a:srgbClr val="6AAB73"/>
+                  </a:solidFill>
+                  <a:effectLst/>
+                  <a:latin typeface="Arial Unicode MS"/>
+                  <a:ea typeface="JetBrains Mono"/>
+                </a:rPr>
+                <a:t>="X-UA-Compatible" </a:t>
+              </a:r>
+              <a:r>
+                <a:rPr kumimoji="0" lang="ko-KR" altLang="ko-KR" sz="900" b="0" i="0" u="none" strike="noStrike" cap="none" normalizeH="0" baseline="0">
+                  <a:ln>
+                    <a:noFill/>
+                  </a:ln>
+                  <a:solidFill>
+                    <a:srgbClr val="BABABA"/>
+                  </a:solidFill>
+                  <a:effectLst/>
+                  <a:latin typeface="Arial Unicode MS"/>
+                  <a:ea typeface="JetBrains Mono"/>
+                </a:rPr>
+                <a:t>content</a:t>
+              </a:r>
+              <a:r>
+                <a:rPr kumimoji="0" lang="ko-KR" altLang="ko-KR" sz="900" b="0" i="0" u="none" strike="noStrike" cap="none" normalizeH="0" baseline="0">
+                  <a:ln>
+                    <a:noFill/>
+                  </a:ln>
+                  <a:solidFill>
+                    <a:srgbClr val="6AAB73"/>
+                  </a:solidFill>
+                  <a:effectLst/>
+                  <a:latin typeface="Arial Unicode MS"/>
+                  <a:ea typeface="JetBrains Mono"/>
+                </a:rPr>
+                <a:t>="ie=edge"</a:t>
+              </a:r>
+              <a:r>
+                <a:rPr kumimoji="0" lang="ko-KR" altLang="ko-KR" sz="900" b="0" i="0" u="none" strike="noStrike" cap="none" normalizeH="0" baseline="0">
+                  <a:ln>
+                    <a:noFill/>
+                  </a:ln>
+                  <a:solidFill>
+                    <a:srgbClr val="D5B778"/>
+                  </a:solidFill>
+                  <a:effectLst/>
+                  <a:latin typeface="Arial Unicode MS"/>
+                  <a:ea typeface="JetBrains Mono"/>
+                </a:rPr>
+                <a:t>&gt;</a:t>
+              </a:r>
+              <a:br>
+                <a:rPr kumimoji="0" lang="ko-KR" altLang="ko-KR" sz="900" b="0" i="0" u="none" strike="noStrike" cap="none" normalizeH="0" baseline="0">
+                  <a:ln>
+                    <a:noFill/>
+                  </a:ln>
+                  <a:solidFill>
+                    <a:srgbClr val="D5B778"/>
+                  </a:solidFill>
+                  <a:effectLst/>
+                  <a:latin typeface="Arial Unicode MS"/>
+                  <a:ea typeface="JetBrains Mono"/>
+                </a:rPr>
+              </a:br>
+              <a:r>
+                <a:rPr kumimoji="0" lang="ko-KR" altLang="ko-KR" sz="900" b="0" i="0" u="none" strike="noStrike" cap="none" normalizeH="0" baseline="0">
+                  <a:ln>
+                    <a:noFill/>
+                  </a:ln>
+                  <a:solidFill>
+                    <a:srgbClr val="D5B778"/>
+                  </a:solidFill>
+                  <a:effectLst/>
+                  <a:latin typeface="Arial Unicode MS"/>
+                  <a:ea typeface="JetBrains Mono"/>
+                </a:rPr>
+                <a:t>    &lt;title&gt;</a:t>
+              </a:r>
+              <a:r>
+                <a:rPr kumimoji="0" lang="ko-KR" altLang="ko-KR" sz="900" b="0" i="0" u="none" strike="noStrike" cap="none" normalizeH="0" baseline="0">
+                  <a:ln>
+                    <a:noFill/>
+                  </a:ln>
+                  <a:solidFill>
+                    <a:srgbClr val="BCBEC4"/>
+                  </a:solidFill>
+                  <a:effectLst/>
+                  <a:latin typeface="Arial Unicode MS"/>
+                  <a:ea typeface="JetBrains Mono"/>
+                </a:rPr>
+                <a:t>Document</a:t>
+              </a:r>
+              <a:r>
+                <a:rPr kumimoji="0" lang="ko-KR" altLang="ko-KR" sz="900" b="0" i="0" u="none" strike="noStrike" cap="none" normalizeH="0" baseline="0">
+                  <a:ln>
+                    <a:noFill/>
+                  </a:ln>
+                  <a:solidFill>
+                    <a:srgbClr val="D5B778"/>
+                  </a:solidFill>
+                  <a:effectLst/>
+                  <a:latin typeface="Arial Unicode MS"/>
+                  <a:ea typeface="JetBrains Mono"/>
+                </a:rPr>
+                <a:t>&lt;/title&gt;</a:t>
+              </a:r>
+              <a:br>
+                <a:rPr kumimoji="0" lang="ko-KR" altLang="ko-KR" sz="900" b="0" i="0" u="none" strike="noStrike" cap="none" normalizeH="0" baseline="0">
+                  <a:ln>
+                    <a:noFill/>
+                  </a:ln>
+                  <a:solidFill>
+                    <a:srgbClr val="D5B778"/>
+                  </a:solidFill>
+                  <a:effectLst/>
+                  <a:latin typeface="Arial Unicode MS"/>
+                  <a:ea typeface="JetBrains Mono"/>
+                </a:rPr>
+              </a:br>
+              <a:r>
+                <a:rPr kumimoji="0" lang="ko-KR" altLang="ko-KR" sz="900" b="0" i="0" u="none" strike="noStrike" cap="none" normalizeH="0" baseline="0">
+                  <a:ln>
+                    <a:noFill/>
+                  </a:ln>
+                  <a:solidFill>
+                    <a:srgbClr val="D5B778"/>
+                  </a:solidFill>
+                  <a:effectLst/>
+                  <a:latin typeface="Arial Unicode MS"/>
+                  <a:ea typeface="JetBrains Mono"/>
+                </a:rPr>
+                <a:t>&lt;/head&gt;</a:t>
+              </a:r>
+              <a:br>
+                <a:rPr kumimoji="0" lang="ko-KR" altLang="ko-KR" sz="900" b="0" i="0" u="none" strike="noStrike" cap="none" normalizeH="0" baseline="0">
+                  <a:ln>
+                    <a:noFill/>
+                  </a:ln>
+                  <a:solidFill>
+                    <a:srgbClr val="D5B778"/>
+                  </a:solidFill>
+                  <a:effectLst/>
+                  <a:latin typeface="Arial Unicode MS"/>
+                  <a:ea typeface="JetBrains Mono"/>
+                </a:rPr>
+              </a:br>
+              <a:r>
+                <a:rPr kumimoji="0" lang="ko-KR" altLang="ko-KR" sz="900" b="0" i="0" u="none" strike="noStrike" cap="none" normalizeH="0" baseline="0">
+                  <a:ln>
+                    <a:noFill/>
+                  </a:ln>
+                  <a:solidFill>
+                    <a:srgbClr val="D5B778"/>
+                  </a:solidFill>
+                  <a:effectLst/>
+                  <a:latin typeface="Arial Unicode MS"/>
+                  <a:ea typeface="JetBrains Mono"/>
+                </a:rPr>
+                <a:t>&lt;body&gt;</a:t>
+              </a:r>
+              <a:br>
+                <a:rPr kumimoji="0" lang="ko-KR" altLang="ko-KR" sz="900" b="0" i="0" u="none" strike="noStrike" cap="none" normalizeH="0" baseline="0">
+                  <a:ln>
+                    <a:noFill/>
+                  </a:ln>
+                  <a:solidFill>
+                    <a:srgbClr val="D5B778"/>
+                  </a:solidFill>
+                  <a:effectLst/>
+                  <a:latin typeface="Arial Unicode MS"/>
+                  <a:ea typeface="JetBrains Mono"/>
+                </a:rPr>
+              </a:br>
+              <a:br>
+                <a:rPr kumimoji="0" lang="ko-KR" altLang="ko-KR" sz="900" b="0" i="0" u="none" strike="noStrike" cap="none" normalizeH="0" baseline="0">
+                  <a:ln>
+                    <a:noFill/>
+                  </a:ln>
+                  <a:solidFill>
+                    <a:srgbClr val="D5B778"/>
+                  </a:solidFill>
+                  <a:effectLst/>
+                  <a:latin typeface="Arial Unicode MS"/>
+                  <a:ea typeface="JetBrains Mono"/>
+                </a:rPr>
+              </a:br>
+              <a:r>
+                <a:rPr kumimoji="0" lang="ko-KR" altLang="ko-KR" sz="900" b="0" i="0" u="none" strike="noStrike" cap="none" normalizeH="0" baseline="0">
+                  <a:ln>
+                    <a:noFill/>
+                  </a:ln>
+                  <a:solidFill>
+                    <a:srgbClr val="D5B778"/>
+                  </a:solidFill>
+                  <a:effectLst/>
+                  <a:latin typeface="Arial Unicode MS"/>
+                  <a:ea typeface="JetBrains Mono"/>
+                </a:rPr>
+                <a:t>&lt;/body&gt;</a:t>
+              </a:r>
+              <a:br>
+                <a:rPr kumimoji="0" lang="ko-KR" altLang="ko-KR" sz="900" b="0" i="0" u="none" strike="noStrike" cap="none" normalizeH="0" baseline="0">
+                  <a:ln>
+                    <a:noFill/>
+                  </a:ln>
+                  <a:solidFill>
+                    <a:srgbClr val="D5B778"/>
+                  </a:solidFill>
+                  <a:effectLst/>
+                  <a:latin typeface="Arial Unicode MS"/>
+                  <a:ea typeface="JetBrains Mono"/>
+                </a:rPr>
+              </a:br>
+              <a:r>
+                <a:rPr kumimoji="0" lang="ko-KR" altLang="ko-KR" sz="900" b="0" i="0" u="none" strike="noStrike" cap="none" normalizeH="0" baseline="0">
+                  <a:ln>
+                    <a:noFill/>
+                  </a:ln>
+                  <a:solidFill>
+                    <a:srgbClr val="D5B778"/>
+                  </a:solidFill>
+                  <a:effectLst/>
+                  <a:latin typeface="Arial Unicode MS"/>
+                  <a:ea typeface="JetBrains Mono"/>
+                </a:rPr>
+                <a:t>&lt;/html&gt;</a:t>
+              </a:r>
+              <a:endParaRPr kumimoji="0" lang="ko-KR" altLang="ko-KR" sz="1800" b="0" i="0" u="none" strike="noStrike" cap="none" normalizeH="0" baseline="0">
+                <a:ln>
+                  <a:noFill/>
+                </a:ln>
+                <a:solidFill>
+                  <a:schemeClr val="tx1"/>
+                </a:solidFill>
+                <a:effectLst/>
+                <a:latin typeface="Arial" panose="020B0604020202020204" pitchFamily="34" charset="0"/>
+              </a:endParaRPr>
+            </a:p>
+          </p:txBody>
+        </p:sp>
+        <p:pic>
+          <p:nvPicPr>
+            <p:cNvPr id="12" name="그림 11">
+              <a:extLst>
+                <a:ext uri="{FF2B5EF4-FFF2-40B4-BE49-F238E27FC236}">
+                  <a16:creationId xmlns:a16="http://schemas.microsoft.com/office/drawing/2014/main" id="{017DD281-CE8E-A743-7BDD-91DBFAA4ABAF}"/>
+                </a:ext>
+              </a:extLst>
+            </p:cNvPr>
+            <p:cNvPicPr>
+              <a:picLocks noChangeAspect="1"/>
+            </p:cNvPicPr>
+            <p:nvPr/>
+          </p:nvPicPr>
+          <p:blipFill>
+            <a:blip r:embed="rId3"/>
+            <a:stretch>
+              <a:fillRect/>
+            </a:stretch>
+          </p:blipFill>
+          <p:spPr>
+            <a:xfrm>
+              <a:off x="331880" y="5559836"/>
+              <a:ext cx="2794144" cy="419122"/>
+            </a:xfrm>
+            <a:prstGeom prst="rect">
+              <a:avLst/>
+            </a:prstGeom>
+          </p:spPr>
+        </p:pic>
+        <p:sp>
+          <p:nvSpPr>
+            <p:cNvPr id="16" name="직사각형 15">
+              <a:extLst>
+                <a:ext uri="{FF2B5EF4-FFF2-40B4-BE49-F238E27FC236}">
+                  <a16:creationId xmlns:a16="http://schemas.microsoft.com/office/drawing/2014/main" id="{353D78A4-BB78-053A-A2CF-C77E446A630F}"/>
+                </a:ext>
+              </a:extLst>
+            </p:cNvPr>
+            <p:cNvSpPr/>
+            <p:nvPr/>
+          </p:nvSpPr>
+          <p:spPr>
+            <a:xfrm>
+              <a:off x="640353" y="4244306"/>
+              <a:ext cx="305578" cy="280397"/>
+            </a:xfrm>
+            <a:prstGeom prst="rect">
+              <a:avLst/>
+            </a:prstGeom>
+            <a:noFill/>
+            <a:ln w="38100">
+              <a:solidFill>
+                <a:srgbClr val="FF0000"/>
+              </a:solidFill>
+            </a:ln>
+          </p:spPr>
+          <p:style>
+            <a:lnRef idx="2">
+              <a:schemeClr val="accent1">
+                <a:shade val="15000"/>
+              </a:schemeClr>
+            </a:lnRef>
+            <a:fillRef idx="1">
+              <a:schemeClr val="accent1"/>
+            </a:fillRef>
+            <a:effectRef idx="0">
+              <a:schemeClr val="accent1"/>
+            </a:effectRef>
+            <a:fontRef idx="minor">
+              <a:schemeClr val="lt1"/>
+            </a:fontRef>
+          </p:style>
+          <p:txBody>
+            <a:bodyPr rtlCol="0" anchor="ctr"/>
+            <a:lstStyle/>
+            <a:p>
+              <a:pPr algn="ctr"/>
+              <a:endParaRPr lang="ko-KR" altLang="en-US"/>
+            </a:p>
+          </p:txBody>
+        </p:sp>
+        <p:sp>
+          <p:nvSpPr>
+            <p:cNvPr id="23" name="직사각형 22">
+              <a:extLst>
+                <a:ext uri="{FF2B5EF4-FFF2-40B4-BE49-F238E27FC236}">
+                  <a16:creationId xmlns:a16="http://schemas.microsoft.com/office/drawing/2014/main" id="{A459BE76-A381-81BF-C2B0-2EC9DD21F9CA}"/>
+                </a:ext>
+              </a:extLst>
+            </p:cNvPr>
+            <p:cNvSpPr/>
+            <p:nvPr/>
+          </p:nvSpPr>
+          <p:spPr>
+            <a:xfrm>
+              <a:off x="2197411" y="5629198"/>
+              <a:ext cx="305578" cy="280397"/>
+            </a:xfrm>
+            <a:prstGeom prst="rect">
+              <a:avLst/>
+            </a:prstGeom>
+            <a:noFill/>
+            <a:ln w="38100">
+              <a:solidFill>
+                <a:srgbClr val="FF0000"/>
+              </a:solidFill>
+            </a:ln>
+          </p:spPr>
+          <p:style>
+            <a:lnRef idx="2">
+              <a:schemeClr val="accent1">
+                <a:shade val="15000"/>
+              </a:schemeClr>
+            </a:lnRef>
+            <a:fillRef idx="1">
+              <a:schemeClr val="accent1"/>
+            </a:fillRef>
+            <a:effectRef idx="0">
+              <a:schemeClr val="accent1"/>
+            </a:effectRef>
+            <a:fontRef idx="minor">
+              <a:schemeClr val="lt1"/>
+            </a:fontRef>
+          </p:style>
+          <p:txBody>
+            <a:bodyPr rtlCol="0" anchor="ctr"/>
+            <a:lstStyle/>
+            <a:p>
+              <a:pPr algn="ctr"/>
+              <a:endParaRPr lang="ko-KR" altLang="en-US"/>
+            </a:p>
+          </p:txBody>
+        </p:sp>
+        <p:sp>
+          <p:nvSpPr>
+            <p:cNvPr id="26" name="화살표: 오른쪽 25">
+              <a:extLst>
+                <a:ext uri="{FF2B5EF4-FFF2-40B4-BE49-F238E27FC236}">
+                  <a16:creationId xmlns:a16="http://schemas.microsoft.com/office/drawing/2014/main" id="{9F79F072-4D3F-3770-C4F1-C16CDFDACFC7}"/>
+                </a:ext>
+              </a:extLst>
+            </p:cNvPr>
+            <p:cNvSpPr/>
+            <p:nvPr/>
+          </p:nvSpPr>
+          <p:spPr>
+            <a:xfrm rot="10800000">
+              <a:off x="3664502" y="5629198"/>
+              <a:ext cx="283224" cy="307428"/>
+            </a:xfrm>
+            <a:prstGeom prst="rightArrow">
+              <a:avLst/>
+            </a:prstGeom>
+          </p:spPr>
+          <p:style>
+            <a:lnRef idx="2">
+              <a:schemeClr val="accent1">
+                <a:shade val="15000"/>
+              </a:schemeClr>
+            </a:lnRef>
+            <a:fillRef idx="1">
+              <a:schemeClr val="accent1"/>
+            </a:fillRef>
+            <a:effectRef idx="0">
+              <a:schemeClr val="accent1"/>
+            </a:effectRef>
+            <a:fontRef idx="minor">
+              <a:schemeClr val="lt1"/>
+            </a:fontRef>
+          </p:style>
+          <p:txBody>
+            <a:bodyPr rtlCol="0" anchor="ctr"/>
+            <a:lstStyle/>
+            <a:p>
+              <a:pPr algn="ctr"/>
+              <a:endParaRPr lang="ko-KR" altLang="en-US"/>
+            </a:p>
+          </p:txBody>
+        </p:sp>
+      </p:grpSp>
+    </p:spTree>
+    <p:extLst>
+      <p:ext uri="{BB962C8B-B14F-4D97-AF65-F5344CB8AC3E}">
+        <p14:creationId xmlns:p14="http://schemas.microsoft.com/office/powerpoint/2010/main" val="2262101556"/>
+      </p:ext>
+    </p:extLst>
+  </p:cSld>
+  <p:clrMapOvr>
+    <a:masterClrMapping/>
+  </p:clrMapOvr>
+</p:sld>
+</file>
+
+<file path=ppt/slides/slide29.xml><?xml version="1.0" encoding="utf-8"?>
+<p:sld xmlns:a="http://schemas.openxmlformats.org/drawingml/2006/main" xmlns:r="http://schemas.openxmlformats.org/officeDocument/2006/relationships" xmlns:p="http://schemas.openxmlformats.org/presentationml/2006/main">
+  <p:cSld>
+    <p:spTree>
+      <p:nvGrpSpPr>
+        <p:cNvPr id="1" name=""/>
+        <p:cNvGrpSpPr/>
+        <p:nvPr/>
+      </p:nvGrpSpPr>
+      <p:grpSpPr>
+        <a:xfrm>
+          <a:off x="0" y="0"/>
+          <a:ext cx="0" cy="0"/>
+          <a:chOff x="0" y="0"/>
+          <a:chExt cx="0" cy="0"/>
+        </a:xfrm>
+      </p:grpSpPr>
+      <p:sp>
+        <p:nvSpPr>
+          <p:cNvPr id="5" name="TextBox 4">
+            <a:extLst>
+              <a:ext uri="{FF2B5EF4-FFF2-40B4-BE49-F238E27FC236}">
+                <a16:creationId xmlns:a16="http://schemas.microsoft.com/office/drawing/2014/main" id="{A389414F-66B7-1262-7F78-D45BD7660CF6}"/>
+              </a:ext>
+            </a:extLst>
+          </p:cNvPr>
+          <p:cNvSpPr txBox="1"/>
+          <p:nvPr/>
+        </p:nvSpPr>
+        <p:spPr>
+          <a:xfrm>
+            <a:off x="150871" y="134440"/>
+            <a:ext cx="2352118" cy="646331"/>
+          </a:xfrm>
+          <a:prstGeom prst="rect">
+            <a:avLst/>
+          </a:prstGeom>
+          <a:solidFill>
+            <a:srgbClr val="1C3166"/>
+          </a:solidFill>
+          <a:ln>
+            <a:solidFill>
+              <a:schemeClr val="tx1"/>
+            </a:solidFill>
+          </a:ln>
+        </p:spPr>
+        <p:txBody>
+          <a:bodyPr wrap="none" rtlCol="0">
+            <a:spAutoFit/>
+          </a:bodyPr>
+          <a:lstStyle/>
+          <a:p>
+            <a:pPr algn="ctr"/>
+            <a:r>
+              <a:rPr lang="ko-KR" altLang="en-US" dirty="0">
+                <a:solidFill>
+                  <a:schemeClr val="bg1"/>
+                </a:solidFill>
+                <a:latin typeface="에스코어 드림 6 Bold" panose="020B0703030302020204" pitchFamily="34" charset="-127"/>
+                <a:ea typeface="에스코어 드림 6 Bold" panose="020B0703030302020204" pitchFamily="34" charset="-127"/>
+              </a:rPr>
+              <a:t>섹션</a:t>
+            </a:r>
+            <a:r>
+              <a:rPr lang="en-US" altLang="ko-KR" dirty="0">
+                <a:solidFill>
+                  <a:schemeClr val="bg1"/>
+                </a:solidFill>
+                <a:latin typeface="에스코어 드림 6 Bold" panose="020B0703030302020204" pitchFamily="34" charset="-127"/>
+                <a:ea typeface="에스코어 드림 6 Bold" panose="020B0703030302020204" pitchFamily="34" charset="-127"/>
+              </a:rPr>
+              <a:t>1-3</a:t>
+            </a:r>
+            <a:r>
+              <a:rPr lang="ko-KR" altLang="en-US" dirty="0">
+                <a:solidFill>
+                  <a:schemeClr val="bg1"/>
+                </a:solidFill>
+                <a:latin typeface="에스코어 드림 6 Bold" panose="020B0703030302020204" pitchFamily="34" charset="-127"/>
+                <a:ea typeface="에스코어 드림 6 Bold" panose="020B0703030302020204" pitchFamily="34" charset="-127"/>
+              </a:rPr>
+              <a:t>강</a:t>
+            </a:r>
+            <a:endParaRPr lang="en-US" altLang="ko-KR" dirty="0">
+              <a:solidFill>
+                <a:schemeClr val="bg1"/>
+              </a:solidFill>
+              <a:latin typeface="에스코어 드림 6 Bold" panose="020B0703030302020204" pitchFamily="34" charset="-127"/>
+              <a:ea typeface="에스코어 드림 6 Bold" panose="020B0703030302020204" pitchFamily="34" charset="-127"/>
+            </a:endParaRPr>
+          </a:p>
+          <a:p>
+            <a:pPr algn="ctr"/>
+            <a:r>
+              <a:rPr lang="ko-KR" altLang="en-US" dirty="0">
+                <a:solidFill>
+                  <a:schemeClr val="bg1"/>
+                </a:solidFill>
+                <a:latin typeface="에스코어 드림 6 Bold" panose="020B0703030302020204" pitchFamily="34" charset="-127"/>
+                <a:ea typeface="에스코어 드림 6 Bold" panose="020B0703030302020204" pitchFamily="34" charset="-127"/>
+              </a:rPr>
+              <a:t>제목 </a:t>
+            </a:r>
+            <a:r>
+              <a:rPr lang="en-US" altLang="ko-KR" dirty="0">
+                <a:solidFill>
+                  <a:schemeClr val="bg1"/>
+                </a:solidFill>
+                <a:latin typeface="에스코어 드림 6 Bold" panose="020B0703030302020204" pitchFamily="34" charset="-127"/>
+                <a:ea typeface="에스코어 드림 6 Bold" panose="020B0703030302020204" pitchFamily="34" charset="-127"/>
+              </a:rPr>
+              <a:t>: View </a:t>
+            </a:r>
+            <a:r>
+              <a:rPr lang="ko-KR" altLang="en-US" dirty="0">
+                <a:solidFill>
+                  <a:schemeClr val="bg1"/>
+                </a:solidFill>
+                <a:latin typeface="에스코어 드림 6 Bold" panose="020B0703030302020204" pitchFamily="34" charset="-127"/>
+                <a:ea typeface="에스코어 드림 6 Bold" panose="020B0703030302020204" pitchFamily="34" charset="-127"/>
+              </a:rPr>
+              <a:t>환경설정</a:t>
+            </a:r>
+            <a:endParaRPr lang="en-US" altLang="ko-KR" dirty="0">
+              <a:solidFill>
+                <a:schemeClr val="bg1"/>
+              </a:solidFill>
+              <a:latin typeface="에스코어 드림 6 Bold" panose="020B0703030302020204" pitchFamily="34" charset="-127"/>
+              <a:ea typeface="에스코어 드림 6 Bold" panose="020B0703030302020204" pitchFamily="34" charset="-127"/>
+            </a:endParaRPr>
+          </a:p>
+        </p:txBody>
+      </p:sp>
+      <p:sp>
+        <p:nvSpPr>
+          <p:cNvPr id="2" name="TextBox 1">
+            <a:extLst>
+              <a:ext uri="{FF2B5EF4-FFF2-40B4-BE49-F238E27FC236}">
+                <a16:creationId xmlns:a16="http://schemas.microsoft.com/office/drawing/2014/main" id="{E7B711CB-C42A-9956-0480-3F34AE9FA20E}"/>
+              </a:ext>
+            </a:extLst>
+          </p:cNvPr>
+          <p:cNvSpPr txBox="1"/>
+          <p:nvPr/>
+        </p:nvSpPr>
+        <p:spPr>
+          <a:xfrm>
+            <a:off x="159122" y="898661"/>
+            <a:ext cx="9884373" cy="2308324"/>
+          </a:xfrm>
+          <a:prstGeom prst="rect">
+            <a:avLst/>
+          </a:prstGeom>
+          <a:noFill/>
+          <a:ln>
+            <a:solidFill>
+              <a:schemeClr val="tx1"/>
+            </a:solidFill>
+          </a:ln>
+        </p:spPr>
+        <p:txBody>
+          <a:bodyPr wrap="none" rtlCol="0">
+            <a:spAutoFit/>
+          </a:bodyPr>
+          <a:lstStyle/>
+          <a:p>
+            <a:r>
+              <a:rPr lang="en-US" altLang="ko-KR" dirty="0"/>
+              <a:t>&lt;</a:t>
+            </a:r>
+            <a:r>
+              <a:rPr lang="ko-KR" altLang="en-US" dirty="0"/>
+              <a:t>진행</a:t>
+            </a:r>
+            <a:r>
+              <a:rPr lang="en-US" altLang="ko-KR" dirty="0"/>
+              <a:t>&gt;</a:t>
+            </a:r>
+          </a:p>
+          <a:p>
+            <a:pPr marL="342900" indent="-342900">
+              <a:buAutoNum type="arabicPeriod"/>
+            </a:pPr>
+            <a:r>
+              <a:rPr lang="ko-KR" altLang="en-US" dirty="0"/>
+              <a:t>브라우저를 </a:t>
+            </a:r>
+            <a:r>
+              <a:rPr lang="en-US" altLang="ko-KR" dirty="0"/>
+              <a:t>Open</a:t>
+            </a:r>
+            <a:r>
+              <a:rPr lang="ko-KR" altLang="en-US" dirty="0"/>
+              <a:t>합니다</a:t>
+            </a:r>
+            <a:r>
+              <a:rPr lang="en-US" altLang="ko-KR" dirty="0"/>
+              <a:t>. </a:t>
+            </a:r>
+          </a:p>
+          <a:p>
+            <a:pPr marL="342900" indent="-342900">
+              <a:buAutoNum type="arabicPeriod"/>
+            </a:pPr>
+            <a:r>
+              <a:rPr lang="ko-KR" altLang="en-US" dirty="0"/>
+              <a:t>브라우저에 </a:t>
+            </a:r>
+            <a:r>
+              <a:rPr lang="en-US" altLang="ko-KR" dirty="0"/>
+              <a:t>localhost:8090</a:t>
+            </a:r>
+            <a:r>
+              <a:rPr lang="ko-KR" altLang="en-US" dirty="0"/>
+              <a:t>을 검색합니다</a:t>
+            </a:r>
+            <a:r>
+              <a:rPr lang="en-US" altLang="ko-KR" dirty="0"/>
+              <a:t>. </a:t>
+            </a:r>
+          </a:p>
+          <a:p>
+            <a:pPr marL="342900" indent="-342900">
+              <a:buAutoNum type="arabicPeriod"/>
+            </a:pPr>
+            <a:r>
+              <a:rPr lang="ko-KR" altLang="en-US" dirty="0"/>
+              <a:t>이전과 다르게 에러가 나지 않는 모습</a:t>
+            </a:r>
+            <a:endParaRPr lang="en-US" altLang="ko-KR" dirty="0"/>
+          </a:p>
+          <a:p>
+            <a:pPr marL="342900" indent="-342900">
+              <a:buAutoNum type="arabicPeriod"/>
+            </a:pPr>
+            <a:endParaRPr lang="en-US" altLang="ko-KR" dirty="0"/>
+          </a:p>
+          <a:p>
+            <a:r>
+              <a:rPr lang="en-US" altLang="ko-KR" dirty="0"/>
+              <a:t>&lt;</a:t>
+            </a:r>
+            <a:r>
+              <a:rPr lang="ko-KR" altLang="en-US" dirty="0"/>
+              <a:t>참고</a:t>
+            </a:r>
+            <a:r>
+              <a:rPr lang="en-US" altLang="ko-KR" dirty="0"/>
+              <a:t>&gt;</a:t>
+            </a:r>
+          </a:p>
+          <a:p>
+            <a:pPr marL="342900" indent="-342900">
+              <a:buAutoNum type="arabicPeriod"/>
+            </a:pPr>
+            <a:r>
+              <a:rPr lang="en-US" altLang="ko-KR" dirty="0"/>
+              <a:t>localhost:8090</a:t>
+            </a:r>
+            <a:r>
+              <a:rPr lang="ko-KR" altLang="en-US" dirty="0"/>
+              <a:t>을 </a:t>
+            </a:r>
+            <a:r>
+              <a:rPr lang="en-US" altLang="ko-KR" dirty="0"/>
+              <a:t>URL</a:t>
+            </a:r>
+            <a:r>
+              <a:rPr lang="ko-KR" altLang="en-US" dirty="0"/>
+              <a:t>에 입력하면</a:t>
+            </a:r>
+            <a:r>
+              <a:rPr lang="en-US" altLang="ko-KR" dirty="0"/>
+              <a:t>, </a:t>
+            </a:r>
+            <a:r>
+              <a:rPr lang="ko-KR" altLang="en-US" dirty="0"/>
+              <a:t>서버는 </a:t>
+            </a:r>
+            <a:r>
+              <a:rPr lang="en-US" altLang="ko-KR" dirty="0"/>
+              <a:t>index</a:t>
+            </a:r>
+            <a:r>
+              <a:rPr lang="ko-KR" altLang="en-US" dirty="0"/>
+              <a:t>라는 이름을 가진 파일을 찾아 </a:t>
+            </a:r>
+            <a:r>
+              <a:rPr lang="en-US" altLang="ko-KR" dirty="0"/>
+              <a:t>Open</a:t>
+            </a:r>
+            <a:r>
+              <a:rPr lang="ko-KR" altLang="en-US" dirty="0"/>
+              <a:t>합니다</a:t>
+            </a:r>
+            <a:r>
+              <a:rPr lang="en-US" altLang="ko-KR" dirty="0"/>
+              <a:t>. </a:t>
+            </a:r>
+          </a:p>
+          <a:p>
+            <a:pPr marL="342900" indent="-342900">
+              <a:buAutoNum type="arabicPeriod"/>
+            </a:pPr>
+            <a:r>
+              <a:rPr lang="ko-KR" altLang="en-US" dirty="0"/>
+              <a:t>즉</a:t>
+            </a:r>
+            <a:r>
+              <a:rPr lang="en-US" altLang="ko-KR" dirty="0"/>
+              <a:t>, </a:t>
+            </a:r>
+            <a:r>
+              <a:rPr lang="ko-KR" altLang="en-US" dirty="0"/>
+              <a:t>아래 </a:t>
+            </a:r>
+            <a:r>
+              <a:rPr lang="en-US" altLang="ko-KR" dirty="0"/>
+              <a:t>URL</a:t>
+            </a:r>
+            <a:r>
+              <a:rPr lang="ko-KR" altLang="en-US" dirty="0"/>
+              <a:t>은 </a:t>
+            </a:r>
+            <a:r>
+              <a:rPr lang="en-US" altLang="ko-KR" dirty="0"/>
+              <a:t>localhost:8090/index</a:t>
+            </a:r>
+            <a:r>
+              <a:rPr lang="ko-KR" altLang="en-US" dirty="0"/>
+              <a:t>과 같은 경로를 가리킵니다</a:t>
+            </a:r>
+            <a:r>
+              <a:rPr lang="en-US" altLang="ko-KR" dirty="0"/>
+              <a:t>.</a:t>
+            </a:r>
+          </a:p>
+        </p:txBody>
+      </p:sp>
+      <p:grpSp>
+        <p:nvGrpSpPr>
+          <p:cNvPr id="8" name="그룹 7">
+            <a:extLst>
+              <a:ext uri="{FF2B5EF4-FFF2-40B4-BE49-F238E27FC236}">
+                <a16:creationId xmlns:a16="http://schemas.microsoft.com/office/drawing/2014/main" id="{E3782427-6012-7BBC-F67D-14CEC3FED2E9}"/>
+              </a:ext>
+            </a:extLst>
+          </p:cNvPr>
+          <p:cNvGrpSpPr/>
+          <p:nvPr/>
+        </p:nvGrpSpPr>
+        <p:grpSpPr>
+          <a:xfrm>
+            <a:off x="416728" y="3965220"/>
+            <a:ext cx="2876698" cy="1587582"/>
+            <a:chOff x="416728" y="3965220"/>
+            <a:chExt cx="2876698" cy="1587582"/>
+          </a:xfrm>
+        </p:grpSpPr>
+        <p:pic>
+          <p:nvPicPr>
+            <p:cNvPr id="28" name="그림 27">
+              <a:extLst>
+                <a:ext uri="{FF2B5EF4-FFF2-40B4-BE49-F238E27FC236}">
+                  <a16:creationId xmlns:a16="http://schemas.microsoft.com/office/drawing/2014/main" id="{39A2EFDC-834C-845B-EAED-E21462E7E16D}"/>
+                </a:ext>
+              </a:extLst>
+            </p:cNvPr>
+            <p:cNvPicPr>
+              <a:picLocks noChangeAspect="1"/>
+            </p:cNvPicPr>
+            <p:nvPr/>
+          </p:nvPicPr>
+          <p:blipFill>
+            <a:blip r:embed="rId2"/>
+            <a:stretch>
+              <a:fillRect/>
+            </a:stretch>
+          </p:blipFill>
+          <p:spPr>
+            <a:xfrm>
+              <a:off x="416728" y="3965220"/>
+              <a:ext cx="2876698" cy="1587582"/>
+            </a:xfrm>
+            <a:prstGeom prst="rect">
+              <a:avLst/>
+            </a:prstGeom>
+            <a:ln>
+              <a:solidFill>
+                <a:schemeClr val="tx1"/>
+              </a:solidFill>
+            </a:ln>
+          </p:spPr>
+        </p:pic>
+        <p:sp>
+          <p:nvSpPr>
+            <p:cNvPr id="4" name="직사각형 3">
+              <a:extLst>
+                <a:ext uri="{FF2B5EF4-FFF2-40B4-BE49-F238E27FC236}">
+                  <a16:creationId xmlns:a16="http://schemas.microsoft.com/office/drawing/2014/main" id="{10E8114C-FA58-63FA-13B1-4640BF2787A4}"/>
+                </a:ext>
+              </a:extLst>
+            </p:cNvPr>
+            <p:cNvSpPr/>
+            <p:nvPr/>
+          </p:nvSpPr>
+          <p:spPr>
+            <a:xfrm>
+              <a:off x="1855076" y="4383722"/>
+              <a:ext cx="966951" cy="353816"/>
+            </a:xfrm>
+            <a:prstGeom prst="rect">
+              <a:avLst/>
+            </a:prstGeom>
+            <a:noFill/>
+            <a:ln w="38100">
+              <a:solidFill>
+                <a:srgbClr val="FF0000"/>
+              </a:solidFill>
+            </a:ln>
+          </p:spPr>
+          <p:style>
+            <a:lnRef idx="2">
+              <a:schemeClr val="accent1">
+                <a:shade val="15000"/>
+              </a:schemeClr>
+            </a:lnRef>
+            <a:fillRef idx="1">
+              <a:schemeClr val="accent1"/>
+            </a:fillRef>
+            <a:effectRef idx="0">
+              <a:schemeClr val="accent1"/>
+            </a:effectRef>
+            <a:fontRef idx="minor">
+              <a:schemeClr val="lt1"/>
+            </a:fontRef>
+          </p:style>
+          <p:txBody>
+            <a:bodyPr rtlCol="0" anchor="ctr"/>
+            <a:lstStyle/>
+            <a:p>
+              <a:pPr algn="ctr"/>
+              <a:endParaRPr lang="ko-KR" altLang="en-US"/>
+            </a:p>
+          </p:txBody>
+        </p:sp>
+        <p:sp>
+          <p:nvSpPr>
+            <p:cNvPr id="7" name="직사각형 6">
+              <a:extLst>
+                <a:ext uri="{FF2B5EF4-FFF2-40B4-BE49-F238E27FC236}">
+                  <a16:creationId xmlns:a16="http://schemas.microsoft.com/office/drawing/2014/main" id="{254FD18C-89F2-5B46-2C97-2F1FB3594D86}"/>
+                </a:ext>
+              </a:extLst>
+            </p:cNvPr>
+            <p:cNvSpPr/>
+            <p:nvPr/>
+          </p:nvSpPr>
+          <p:spPr>
+            <a:xfrm>
+              <a:off x="416728" y="5108936"/>
+              <a:ext cx="966951" cy="353816"/>
+            </a:xfrm>
+            <a:prstGeom prst="rect">
+              <a:avLst/>
+            </a:prstGeom>
+            <a:noFill/>
+            <a:ln w="38100">
+              <a:solidFill>
+                <a:srgbClr val="FF0000"/>
+              </a:solidFill>
+            </a:ln>
+          </p:spPr>
+          <p:style>
+            <a:lnRef idx="2">
+              <a:schemeClr val="accent1">
+                <a:shade val="15000"/>
+              </a:schemeClr>
+            </a:lnRef>
+            <a:fillRef idx="1">
+              <a:schemeClr val="accent1"/>
+            </a:fillRef>
+            <a:effectRef idx="0">
+              <a:schemeClr val="accent1"/>
+            </a:effectRef>
+            <a:fontRef idx="minor">
+              <a:schemeClr val="lt1"/>
+            </a:fontRef>
+          </p:style>
+          <p:txBody>
+            <a:bodyPr rtlCol="0" anchor="ctr"/>
+            <a:lstStyle/>
+            <a:p>
+              <a:pPr algn="ctr"/>
+              <a:endParaRPr lang="ko-KR" altLang="en-US"/>
+            </a:p>
+          </p:txBody>
+        </p:sp>
+      </p:grpSp>
+    </p:spTree>
+    <p:extLst>
+      <p:ext uri="{BB962C8B-B14F-4D97-AF65-F5344CB8AC3E}">
+        <p14:creationId xmlns:p14="http://schemas.microsoft.com/office/powerpoint/2010/main" val="1149016370"/>
       </p:ext>
     </p:extLst>
   </p:cSld>
@@ -8563,6 +14524,1985 @@
     <p:extLst>
       <p:ext uri="{BB962C8B-B14F-4D97-AF65-F5344CB8AC3E}">
         <p14:creationId xmlns:p14="http://schemas.microsoft.com/office/powerpoint/2010/main" val="1635143875"/>
+      </p:ext>
+    </p:extLst>
+  </p:cSld>
+  <p:clrMapOvr>
+    <a:masterClrMapping/>
+  </p:clrMapOvr>
+</p:sld>
+</file>
+
+<file path=ppt/slides/slide30.xml><?xml version="1.0" encoding="utf-8"?>
+<p:sld xmlns:a="http://schemas.openxmlformats.org/drawingml/2006/main" xmlns:r="http://schemas.openxmlformats.org/officeDocument/2006/relationships" xmlns:p="http://schemas.openxmlformats.org/presentationml/2006/main">
+  <p:cSld>
+    <p:spTree>
+      <p:nvGrpSpPr>
+        <p:cNvPr id="1" name=""/>
+        <p:cNvGrpSpPr/>
+        <p:nvPr/>
+      </p:nvGrpSpPr>
+      <p:grpSpPr>
+        <a:xfrm>
+          <a:off x="0" y="0"/>
+          <a:ext cx="0" cy="0"/>
+          <a:chOff x="0" y="0"/>
+          <a:chExt cx="0" cy="0"/>
+        </a:xfrm>
+      </p:grpSpPr>
+      <p:sp>
+        <p:nvSpPr>
+          <p:cNvPr id="5" name="TextBox 4">
+            <a:extLst>
+              <a:ext uri="{FF2B5EF4-FFF2-40B4-BE49-F238E27FC236}">
+                <a16:creationId xmlns:a16="http://schemas.microsoft.com/office/drawing/2014/main" id="{A389414F-66B7-1262-7F78-D45BD7660CF6}"/>
+              </a:ext>
+            </a:extLst>
+          </p:cNvPr>
+          <p:cNvSpPr txBox="1"/>
+          <p:nvPr/>
+        </p:nvSpPr>
+        <p:spPr>
+          <a:xfrm>
+            <a:off x="2295890" y="2767281"/>
+            <a:ext cx="7600222" cy="1323439"/>
+          </a:xfrm>
+          <a:prstGeom prst="rect">
+            <a:avLst/>
+          </a:prstGeom>
+          <a:solidFill>
+            <a:srgbClr val="1C3166"/>
+          </a:solidFill>
+          <a:ln>
+            <a:solidFill>
+              <a:schemeClr val="tx1"/>
+            </a:solidFill>
+          </a:ln>
+        </p:spPr>
+        <p:txBody>
+          <a:bodyPr wrap="none" rtlCol="0">
+            <a:spAutoFit/>
+          </a:bodyPr>
+          <a:lstStyle/>
+          <a:p>
+            <a:pPr algn="ctr"/>
+            <a:r>
+              <a:rPr lang="ko-KR" altLang="en-US" sz="4000" dirty="0">
+                <a:solidFill>
+                  <a:schemeClr val="bg1"/>
+                </a:solidFill>
+                <a:latin typeface="에스코어 드림 6 Bold" panose="020B0703030302020204" pitchFamily="34" charset="-127"/>
+                <a:ea typeface="에스코어 드림 6 Bold" panose="020B0703030302020204" pitchFamily="34" charset="-127"/>
+              </a:rPr>
+              <a:t>섹션</a:t>
+            </a:r>
+            <a:r>
+              <a:rPr lang="en-US" altLang="ko-KR" sz="4000" dirty="0">
+                <a:solidFill>
+                  <a:schemeClr val="bg1"/>
+                </a:solidFill>
+                <a:latin typeface="에스코어 드림 6 Bold" panose="020B0703030302020204" pitchFamily="34" charset="-127"/>
+                <a:ea typeface="에스코어 드림 6 Bold" panose="020B0703030302020204" pitchFamily="34" charset="-127"/>
+              </a:rPr>
+              <a:t>1-3</a:t>
+            </a:r>
+            <a:r>
+              <a:rPr lang="ko-KR" altLang="en-US" sz="4000" dirty="0">
+                <a:solidFill>
+                  <a:schemeClr val="bg1"/>
+                </a:solidFill>
+                <a:latin typeface="에스코어 드림 6 Bold" panose="020B0703030302020204" pitchFamily="34" charset="-127"/>
+                <a:ea typeface="에스코어 드림 6 Bold" panose="020B0703030302020204" pitchFamily="34" charset="-127"/>
+              </a:rPr>
+              <a:t>강</a:t>
+            </a:r>
+            <a:r>
+              <a:rPr lang="en-US" altLang="ko-KR" sz="4000" dirty="0">
+                <a:solidFill>
+                  <a:schemeClr val="bg1"/>
+                </a:solidFill>
+                <a:latin typeface="에스코어 드림 6 Bold" panose="020B0703030302020204" pitchFamily="34" charset="-127"/>
+                <a:ea typeface="에스코어 드림 6 Bold" panose="020B0703030302020204" pitchFamily="34" charset="-127"/>
+              </a:rPr>
+              <a:t>(5:00)</a:t>
+            </a:r>
+          </a:p>
+          <a:p>
+            <a:pPr algn="ctr"/>
+            <a:r>
+              <a:rPr lang="en-US" altLang="ko-KR" sz="4000" dirty="0" err="1">
+                <a:solidFill>
+                  <a:schemeClr val="bg1"/>
+                </a:solidFill>
+                <a:latin typeface="에스코어 드림 6 Bold" panose="020B0703030302020204" pitchFamily="34" charset="-127"/>
+                <a:ea typeface="에스코어 드림 6 Bold" panose="020B0703030302020204" pitchFamily="34" charset="-127"/>
+              </a:rPr>
+              <a:t>thymeleaf</a:t>
+            </a:r>
+            <a:r>
+              <a:rPr lang="en-US" altLang="ko-KR" sz="4000" dirty="0">
+                <a:solidFill>
+                  <a:schemeClr val="bg1"/>
+                </a:solidFill>
+                <a:latin typeface="에스코어 드림 6 Bold" panose="020B0703030302020204" pitchFamily="34" charset="-127"/>
+                <a:ea typeface="에스코어 드림 6 Bold" panose="020B0703030302020204" pitchFamily="34" charset="-127"/>
+              </a:rPr>
+              <a:t> </a:t>
+            </a:r>
+            <a:r>
+              <a:rPr lang="ko-KR" altLang="en-US" sz="4000" dirty="0">
+                <a:solidFill>
+                  <a:schemeClr val="bg1"/>
+                </a:solidFill>
+                <a:latin typeface="에스코어 드림 6 Bold" panose="020B0703030302020204" pitchFamily="34" charset="-127"/>
+                <a:ea typeface="에스코어 드림 6 Bold" panose="020B0703030302020204" pitchFamily="34" charset="-127"/>
+              </a:rPr>
+              <a:t>템플릿 엔진 사용하기</a:t>
+            </a:r>
+            <a:endParaRPr lang="en-US" altLang="ko-KR" sz="4000" dirty="0">
+              <a:solidFill>
+                <a:schemeClr val="bg1"/>
+              </a:solidFill>
+              <a:latin typeface="에스코어 드림 6 Bold" panose="020B0703030302020204" pitchFamily="34" charset="-127"/>
+              <a:ea typeface="에스코어 드림 6 Bold" panose="020B0703030302020204" pitchFamily="34" charset="-127"/>
+            </a:endParaRPr>
+          </a:p>
+        </p:txBody>
+      </p:sp>
+    </p:spTree>
+    <p:extLst>
+      <p:ext uri="{BB962C8B-B14F-4D97-AF65-F5344CB8AC3E}">
+        <p14:creationId xmlns:p14="http://schemas.microsoft.com/office/powerpoint/2010/main" val="1826628355"/>
+      </p:ext>
+    </p:extLst>
+  </p:cSld>
+  <p:clrMapOvr>
+    <a:masterClrMapping/>
+  </p:clrMapOvr>
+</p:sld>
+</file>
+
+<file path=ppt/slides/slide31.xml><?xml version="1.0" encoding="utf-8"?>
+<p:sld xmlns:a="http://schemas.openxmlformats.org/drawingml/2006/main" xmlns:r="http://schemas.openxmlformats.org/officeDocument/2006/relationships" xmlns:p="http://schemas.openxmlformats.org/presentationml/2006/main">
+  <p:cSld>
+    <p:spTree>
+      <p:nvGrpSpPr>
+        <p:cNvPr id="1" name=""/>
+        <p:cNvGrpSpPr/>
+        <p:nvPr/>
+      </p:nvGrpSpPr>
+      <p:grpSpPr>
+        <a:xfrm>
+          <a:off x="0" y="0"/>
+          <a:ext cx="0" cy="0"/>
+          <a:chOff x="0" y="0"/>
+          <a:chExt cx="0" cy="0"/>
+        </a:xfrm>
+      </p:grpSpPr>
+      <p:sp>
+        <p:nvSpPr>
+          <p:cNvPr id="5" name="TextBox 4">
+            <a:extLst>
+              <a:ext uri="{FF2B5EF4-FFF2-40B4-BE49-F238E27FC236}">
+                <a16:creationId xmlns:a16="http://schemas.microsoft.com/office/drawing/2014/main" id="{A389414F-66B7-1262-7F78-D45BD7660CF6}"/>
+              </a:ext>
+            </a:extLst>
+          </p:cNvPr>
+          <p:cNvSpPr txBox="1"/>
+          <p:nvPr/>
+        </p:nvSpPr>
+        <p:spPr>
+          <a:xfrm>
+            <a:off x="135064" y="213267"/>
+            <a:ext cx="3518848" cy="646331"/>
+          </a:xfrm>
+          <a:prstGeom prst="rect">
+            <a:avLst/>
+          </a:prstGeom>
+          <a:solidFill>
+            <a:srgbClr val="1C3166"/>
+          </a:solidFill>
+          <a:ln>
+            <a:solidFill>
+              <a:schemeClr val="tx1"/>
+            </a:solidFill>
+          </a:ln>
+        </p:spPr>
+        <p:txBody>
+          <a:bodyPr wrap="none" rtlCol="0">
+            <a:spAutoFit/>
+          </a:bodyPr>
+          <a:lstStyle/>
+          <a:p>
+            <a:pPr algn="ctr"/>
+            <a:r>
+              <a:rPr lang="ko-KR" altLang="en-US" dirty="0">
+                <a:solidFill>
+                  <a:schemeClr val="bg1"/>
+                </a:solidFill>
+                <a:latin typeface="에스코어 드림 6 Bold" panose="020B0703030302020204" pitchFamily="34" charset="-127"/>
+                <a:ea typeface="에스코어 드림 6 Bold" panose="020B0703030302020204" pitchFamily="34" charset="-127"/>
+              </a:rPr>
+              <a:t>섹션</a:t>
+            </a:r>
+            <a:r>
+              <a:rPr lang="en-US" altLang="ko-KR" dirty="0">
+                <a:solidFill>
+                  <a:schemeClr val="bg1"/>
+                </a:solidFill>
+                <a:latin typeface="에스코어 드림 6 Bold" panose="020B0703030302020204" pitchFamily="34" charset="-127"/>
+                <a:ea typeface="에스코어 드림 6 Bold" panose="020B0703030302020204" pitchFamily="34" charset="-127"/>
+              </a:rPr>
+              <a:t>1-3</a:t>
+            </a:r>
+            <a:r>
+              <a:rPr lang="ko-KR" altLang="en-US" dirty="0">
+                <a:solidFill>
+                  <a:schemeClr val="bg1"/>
+                </a:solidFill>
+                <a:latin typeface="에스코어 드림 6 Bold" panose="020B0703030302020204" pitchFamily="34" charset="-127"/>
+                <a:ea typeface="에스코어 드림 6 Bold" panose="020B0703030302020204" pitchFamily="34" charset="-127"/>
+              </a:rPr>
+              <a:t>강</a:t>
+            </a:r>
+            <a:r>
+              <a:rPr lang="en-US" altLang="ko-KR" dirty="0">
+                <a:solidFill>
+                  <a:schemeClr val="bg1"/>
+                </a:solidFill>
+                <a:latin typeface="에스코어 드림 6 Bold" panose="020B0703030302020204" pitchFamily="34" charset="-127"/>
+                <a:ea typeface="에스코어 드림 6 Bold" panose="020B0703030302020204" pitchFamily="34" charset="-127"/>
+              </a:rPr>
+              <a:t>(5:00)</a:t>
+            </a:r>
+          </a:p>
+          <a:p>
+            <a:pPr algn="ctr"/>
+            <a:r>
+              <a:rPr lang="en-US" altLang="ko-KR" dirty="0" err="1">
+                <a:solidFill>
+                  <a:schemeClr val="bg1"/>
+                </a:solidFill>
+                <a:latin typeface="에스코어 드림 6 Bold" panose="020B0703030302020204" pitchFamily="34" charset="-127"/>
+                <a:ea typeface="에스코어 드림 6 Bold" panose="020B0703030302020204" pitchFamily="34" charset="-127"/>
+              </a:rPr>
+              <a:t>thymeleaf</a:t>
+            </a:r>
+            <a:r>
+              <a:rPr lang="en-US" altLang="ko-KR" dirty="0">
+                <a:solidFill>
+                  <a:schemeClr val="bg1"/>
+                </a:solidFill>
+                <a:latin typeface="에스코어 드림 6 Bold" panose="020B0703030302020204" pitchFamily="34" charset="-127"/>
+                <a:ea typeface="에스코어 드림 6 Bold" panose="020B0703030302020204" pitchFamily="34" charset="-127"/>
+              </a:rPr>
+              <a:t> </a:t>
+            </a:r>
+            <a:r>
+              <a:rPr lang="ko-KR" altLang="en-US" dirty="0">
+                <a:solidFill>
+                  <a:schemeClr val="bg1"/>
+                </a:solidFill>
+                <a:latin typeface="에스코어 드림 6 Bold" panose="020B0703030302020204" pitchFamily="34" charset="-127"/>
+                <a:ea typeface="에스코어 드림 6 Bold" panose="020B0703030302020204" pitchFamily="34" charset="-127"/>
+              </a:rPr>
+              <a:t>템플릿 엔진 사용하기</a:t>
+            </a:r>
+            <a:endParaRPr lang="en-US" altLang="ko-KR" dirty="0">
+              <a:solidFill>
+                <a:schemeClr val="bg1"/>
+              </a:solidFill>
+              <a:latin typeface="에스코어 드림 6 Bold" panose="020B0703030302020204" pitchFamily="34" charset="-127"/>
+              <a:ea typeface="에스코어 드림 6 Bold" panose="020B0703030302020204" pitchFamily="34" charset="-127"/>
+            </a:endParaRPr>
+          </a:p>
+        </p:txBody>
+      </p:sp>
+      <p:sp>
+        <p:nvSpPr>
+          <p:cNvPr id="2" name="TextBox 1">
+            <a:extLst>
+              <a:ext uri="{FF2B5EF4-FFF2-40B4-BE49-F238E27FC236}">
+                <a16:creationId xmlns:a16="http://schemas.microsoft.com/office/drawing/2014/main" id="{D828F9CE-4C84-3783-DD10-9CC4A4C25ADB}"/>
+              </a:ext>
+            </a:extLst>
+          </p:cNvPr>
+          <p:cNvSpPr txBox="1"/>
+          <p:nvPr/>
+        </p:nvSpPr>
+        <p:spPr>
+          <a:xfrm>
+            <a:off x="135064" y="1253359"/>
+            <a:ext cx="5070619" cy="1508105"/>
+          </a:xfrm>
+          <a:prstGeom prst="rect">
+            <a:avLst/>
+          </a:prstGeom>
+          <a:noFill/>
+          <a:ln>
+            <a:solidFill>
+              <a:schemeClr val="tx1"/>
+            </a:solidFill>
+          </a:ln>
+        </p:spPr>
+        <p:txBody>
+          <a:bodyPr wrap="none" rtlCol="0">
+            <a:spAutoFit/>
+          </a:bodyPr>
+          <a:lstStyle/>
+          <a:p>
+            <a:r>
+              <a:rPr lang="en-US" altLang="ko-KR" dirty="0"/>
+              <a:t>&lt;</a:t>
+            </a:r>
+            <a:r>
+              <a:rPr lang="ko-KR" altLang="en-US" dirty="0"/>
+              <a:t>참고</a:t>
+            </a:r>
+            <a:r>
+              <a:rPr lang="en-US" altLang="ko-KR" dirty="0"/>
+              <a:t>&gt;</a:t>
+            </a:r>
+          </a:p>
+          <a:p>
+            <a:pPr marL="342900" indent="-342900">
+              <a:buAutoNum type="arabicPeriod"/>
+            </a:pPr>
+            <a:r>
+              <a:rPr lang="ko-KR" altLang="en-US" dirty="0"/>
+              <a:t>스프링에서 제공해주는 무료 템플릿 엔진 종류</a:t>
+            </a:r>
+            <a:endParaRPr lang="en-US" altLang="ko-KR" dirty="0"/>
+          </a:p>
+          <a:p>
+            <a:pPr marL="800100" lvl="1" indent="-342900">
+              <a:buAutoNum type="arabicPeriod"/>
+            </a:pPr>
+            <a:r>
+              <a:rPr lang="en-US" altLang="ko-KR" sz="1400" dirty="0" err="1"/>
+              <a:t>FreeMarker</a:t>
+            </a:r>
+            <a:r>
+              <a:rPr lang="en-US" altLang="ko-KR" sz="1400" dirty="0"/>
+              <a:t> (</a:t>
+            </a:r>
+            <a:r>
+              <a:rPr lang="ko-KR" altLang="en-US" sz="1400" dirty="0" err="1"/>
+              <a:t>프리마커</a:t>
+            </a:r>
+            <a:r>
+              <a:rPr lang="en-US" altLang="ko-KR" sz="1400" dirty="0"/>
+              <a:t>)</a:t>
+            </a:r>
+          </a:p>
+          <a:p>
+            <a:pPr marL="800100" lvl="1" indent="-342900">
+              <a:buAutoNum type="arabicPeriod"/>
+            </a:pPr>
+            <a:r>
+              <a:rPr lang="en-US" altLang="ko-KR" sz="1400" dirty="0"/>
+              <a:t>Groovy (</a:t>
+            </a:r>
+            <a:r>
+              <a:rPr lang="ko-KR" altLang="en-US" sz="1400" dirty="0" err="1"/>
+              <a:t>그루비</a:t>
+            </a:r>
+            <a:r>
+              <a:rPr lang="en-US" altLang="ko-KR" sz="1400" dirty="0"/>
+              <a:t>)</a:t>
+            </a:r>
+          </a:p>
+          <a:p>
+            <a:pPr marL="800100" lvl="1" indent="-342900">
+              <a:buAutoNum type="arabicPeriod"/>
+            </a:pPr>
+            <a:r>
+              <a:rPr lang="en-US" altLang="ko-KR" sz="1400" dirty="0" err="1"/>
+              <a:t>Thymeleaf</a:t>
+            </a:r>
+            <a:r>
+              <a:rPr lang="en-US" altLang="ko-KR" sz="1400" dirty="0"/>
+              <a:t> (</a:t>
+            </a:r>
+            <a:r>
+              <a:rPr lang="ko-KR" altLang="en-US" sz="1400" dirty="0" err="1"/>
+              <a:t>타임리프</a:t>
+            </a:r>
+            <a:r>
+              <a:rPr lang="en-US" altLang="ko-KR" sz="1400" dirty="0"/>
+              <a:t>)</a:t>
+            </a:r>
+          </a:p>
+          <a:p>
+            <a:pPr marL="800100" lvl="1" indent="-342900">
+              <a:buAutoNum type="arabicPeriod"/>
+            </a:pPr>
+            <a:r>
+              <a:rPr lang="en-US" altLang="ko-KR" sz="1400" dirty="0"/>
+              <a:t>Mustache (</a:t>
+            </a:r>
+            <a:r>
+              <a:rPr lang="ko-KR" altLang="en-US" sz="1400" dirty="0" err="1"/>
+              <a:t>머스태치</a:t>
+            </a:r>
+            <a:r>
+              <a:rPr lang="en-US" altLang="ko-KR" sz="1400" dirty="0"/>
+              <a:t>)</a:t>
+            </a:r>
+            <a:endParaRPr lang="ko-KR" altLang="en-US" dirty="0"/>
+          </a:p>
+        </p:txBody>
+      </p:sp>
+      <p:sp>
+        <p:nvSpPr>
+          <p:cNvPr id="3" name="TextBox 2">
+            <a:extLst>
+              <a:ext uri="{FF2B5EF4-FFF2-40B4-BE49-F238E27FC236}">
+                <a16:creationId xmlns:a16="http://schemas.microsoft.com/office/drawing/2014/main" id="{004D16C8-ECE0-C92F-0D24-A6EEBA55AEC5}"/>
+              </a:ext>
+            </a:extLst>
+          </p:cNvPr>
+          <p:cNvSpPr txBox="1"/>
+          <p:nvPr/>
+        </p:nvSpPr>
+        <p:spPr>
+          <a:xfrm>
+            <a:off x="135064" y="2967335"/>
+            <a:ext cx="7613623" cy="923330"/>
+          </a:xfrm>
+          <a:prstGeom prst="rect">
+            <a:avLst/>
+          </a:prstGeom>
+          <a:noFill/>
+          <a:ln>
+            <a:solidFill>
+              <a:schemeClr val="tx1"/>
+            </a:solidFill>
+          </a:ln>
+        </p:spPr>
+        <p:txBody>
+          <a:bodyPr wrap="none" rtlCol="0">
+            <a:spAutoFit/>
+          </a:bodyPr>
+          <a:lstStyle/>
+          <a:p>
+            <a:r>
+              <a:rPr lang="en-US" altLang="ko-KR" dirty="0"/>
+              <a:t>&lt;</a:t>
+            </a:r>
+            <a:r>
+              <a:rPr lang="ko-KR" altLang="en-US" dirty="0"/>
+              <a:t>진행</a:t>
+            </a:r>
+            <a:r>
+              <a:rPr lang="en-US" altLang="ko-KR" dirty="0"/>
+              <a:t>&gt;</a:t>
+            </a:r>
+          </a:p>
+          <a:p>
+            <a:pPr marL="342900" indent="-342900">
+              <a:buAutoNum type="arabicPeriod"/>
+            </a:pPr>
+            <a:r>
+              <a:rPr lang="en-US" altLang="ko-KR" dirty="0" err="1"/>
+              <a:t>HelloSpringApplication</a:t>
+            </a:r>
+            <a:r>
+              <a:rPr lang="ko-KR" altLang="en-US" dirty="0"/>
+              <a:t>이 있는 곳에 </a:t>
+            </a:r>
+            <a:r>
+              <a:rPr lang="en-US" altLang="ko-KR" dirty="0"/>
+              <a:t>controller </a:t>
+            </a:r>
+            <a:r>
+              <a:rPr lang="ko-KR" altLang="en-US" dirty="0"/>
+              <a:t>패키지를 생성합니다</a:t>
+            </a:r>
+            <a:r>
+              <a:rPr lang="en-US" altLang="ko-KR" dirty="0"/>
+              <a:t>. </a:t>
+            </a:r>
+          </a:p>
+          <a:p>
+            <a:pPr marL="342900" indent="-342900">
+              <a:buAutoNum type="arabicPeriod"/>
+            </a:pPr>
+            <a:r>
+              <a:rPr lang="en-US" altLang="ko-KR" dirty="0"/>
+              <a:t>controller</a:t>
+            </a:r>
+            <a:r>
+              <a:rPr lang="ko-KR" altLang="en-US" dirty="0"/>
+              <a:t>패키지 내부에 </a:t>
+            </a:r>
+            <a:r>
+              <a:rPr lang="en-US" altLang="ko-KR" dirty="0"/>
+              <a:t>HelloController.java</a:t>
+            </a:r>
+            <a:r>
+              <a:rPr lang="ko-KR" altLang="en-US" dirty="0"/>
+              <a:t>파일을 생성합니다</a:t>
+            </a:r>
+            <a:r>
+              <a:rPr lang="en-US" altLang="ko-KR" dirty="0"/>
+              <a:t>.</a:t>
+            </a:r>
+            <a:endParaRPr lang="ko-KR" altLang="en-US" dirty="0"/>
+          </a:p>
+        </p:txBody>
+      </p:sp>
+      <p:grpSp>
+        <p:nvGrpSpPr>
+          <p:cNvPr id="8" name="그룹 7">
+            <a:extLst>
+              <a:ext uri="{FF2B5EF4-FFF2-40B4-BE49-F238E27FC236}">
+                <a16:creationId xmlns:a16="http://schemas.microsoft.com/office/drawing/2014/main" id="{72DF8A08-CEF0-A3AD-4AFB-FD9954318BDA}"/>
+              </a:ext>
+            </a:extLst>
+          </p:cNvPr>
+          <p:cNvGrpSpPr/>
+          <p:nvPr/>
+        </p:nvGrpSpPr>
+        <p:grpSpPr>
+          <a:xfrm>
+            <a:off x="8444870" y="1417855"/>
+            <a:ext cx="3232316" cy="3098959"/>
+            <a:chOff x="8444870" y="1417855"/>
+            <a:chExt cx="3232316" cy="3098959"/>
+          </a:xfrm>
+        </p:grpSpPr>
+        <p:pic>
+          <p:nvPicPr>
+            <p:cNvPr id="6" name="그림 5">
+              <a:extLst>
+                <a:ext uri="{FF2B5EF4-FFF2-40B4-BE49-F238E27FC236}">
+                  <a16:creationId xmlns:a16="http://schemas.microsoft.com/office/drawing/2014/main" id="{2F6D6AAD-31CA-34E9-D902-28482355E40C}"/>
+                </a:ext>
+              </a:extLst>
+            </p:cNvPr>
+            <p:cNvPicPr>
+              <a:picLocks noChangeAspect="1"/>
+            </p:cNvPicPr>
+            <p:nvPr/>
+          </p:nvPicPr>
+          <p:blipFill>
+            <a:blip r:embed="rId2"/>
+            <a:stretch>
+              <a:fillRect/>
+            </a:stretch>
+          </p:blipFill>
+          <p:spPr>
+            <a:xfrm>
+              <a:off x="8444870" y="1417855"/>
+              <a:ext cx="3232316" cy="3098959"/>
+            </a:xfrm>
+            <a:prstGeom prst="rect">
+              <a:avLst/>
+            </a:prstGeom>
+          </p:spPr>
+        </p:pic>
+        <p:sp>
+          <p:nvSpPr>
+            <p:cNvPr id="7" name="직사각형 6">
+              <a:extLst>
+                <a:ext uri="{FF2B5EF4-FFF2-40B4-BE49-F238E27FC236}">
+                  <a16:creationId xmlns:a16="http://schemas.microsoft.com/office/drawing/2014/main" id="{F4456EFB-0095-2792-2115-A473F404ACCF}"/>
+                </a:ext>
+              </a:extLst>
+            </p:cNvPr>
+            <p:cNvSpPr/>
+            <p:nvPr/>
+          </p:nvSpPr>
+          <p:spPr>
+            <a:xfrm>
+              <a:off x="9422524" y="3428999"/>
+              <a:ext cx="1660635" cy="461665"/>
+            </a:xfrm>
+            <a:prstGeom prst="rect">
+              <a:avLst/>
+            </a:prstGeom>
+            <a:noFill/>
+            <a:ln w="38100">
+              <a:solidFill>
+                <a:srgbClr val="FF0000"/>
+              </a:solidFill>
+            </a:ln>
+          </p:spPr>
+          <p:style>
+            <a:lnRef idx="2">
+              <a:schemeClr val="accent1">
+                <a:shade val="15000"/>
+              </a:schemeClr>
+            </a:lnRef>
+            <a:fillRef idx="1">
+              <a:schemeClr val="accent1"/>
+            </a:fillRef>
+            <a:effectRef idx="0">
+              <a:schemeClr val="accent1"/>
+            </a:effectRef>
+            <a:fontRef idx="minor">
+              <a:schemeClr val="lt1"/>
+            </a:fontRef>
+          </p:style>
+          <p:txBody>
+            <a:bodyPr rtlCol="0" anchor="ctr"/>
+            <a:lstStyle/>
+            <a:p>
+              <a:pPr algn="ctr"/>
+              <a:endParaRPr lang="ko-KR" altLang="en-US"/>
+            </a:p>
+          </p:txBody>
+        </p:sp>
+      </p:grpSp>
+    </p:spTree>
+    <p:extLst>
+      <p:ext uri="{BB962C8B-B14F-4D97-AF65-F5344CB8AC3E}">
+        <p14:creationId xmlns:p14="http://schemas.microsoft.com/office/powerpoint/2010/main" val="3212477376"/>
+      </p:ext>
+    </p:extLst>
+  </p:cSld>
+  <p:clrMapOvr>
+    <a:masterClrMapping/>
+  </p:clrMapOvr>
+</p:sld>
+</file>
+
+<file path=ppt/slides/slide32.xml><?xml version="1.0" encoding="utf-8"?>
+<p:sld xmlns:a="http://schemas.openxmlformats.org/drawingml/2006/main" xmlns:r="http://schemas.openxmlformats.org/officeDocument/2006/relationships" xmlns:p="http://schemas.openxmlformats.org/presentationml/2006/main">
+  <p:cSld>
+    <p:spTree>
+      <p:nvGrpSpPr>
+        <p:cNvPr id="1" name=""/>
+        <p:cNvGrpSpPr/>
+        <p:nvPr/>
+      </p:nvGrpSpPr>
+      <p:grpSpPr>
+        <a:xfrm>
+          <a:off x="0" y="0"/>
+          <a:ext cx="0" cy="0"/>
+          <a:chOff x="0" y="0"/>
+          <a:chExt cx="0" cy="0"/>
+        </a:xfrm>
+      </p:grpSpPr>
+      <p:sp>
+        <p:nvSpPr>
+          <p:cNvPr id="5" name="TextBox 4">
+            <a:extLst>
+              <a:ext uri="{FF2B5EF4-FFF2-40B4-BE49-F238E27FC236}">
+                <a16:creationId xmlns:a16="http://schemas.microsoft.com/office/drawing/2014/main" id="{A389414F-66B7-1262-7F78-D45BD7660CF6}"/>
+              </a:ext>
+            </a:extLst>
+          </p:cNvPr>
+          <p:cNvSpPr txBox="1"/>
+          <p:nvPr/>
+        </p:nvSpPr>
+        <p:spPr>
+          <a:xfrm>
+            <a:off x="135064" y="213267"/>
+            <a:ext cx="3518848" cy="646331"/>
+          </a:xfrm>
+          <a:prstGeom prst="rect">
+            <a:avLst/>
+          </a:prstGeom>
+          <a:solidFill>
+            <a:srgbClr val="1C3166"/>
+          </a:solidFill>
+          <a:ln>
+            <a:solidFill>
+              <a:schemeClr val="tx1"/>
+            </a:solidFill>
+          </a:ln>
+        </p:spPr>
+        <p:txBody>
+          <a:bodyPr wrap="none" rtlCol="0">
+            <a:spAutoFit/>
+          </a:bodyPr>
+          <a:lstStyle/>
+          <a:p>
+            <a:pPr algn="ctr"/>
+            <a:r>
+              <a:rPr lang="ko-KR" altLang="en-US" dirty="0">
+                <a:solidFill>
+                  <a:schemeClr val="bg1"/>
+                </a:solidFill>
+                <a:latin typeface="에스코어 드림 6 Bold" panose="020B0703030302020204" pitchFamily="34" charset="-127"/>
+                <a:ea typeface="에스코어 드림 6 Bold" panose="020B0703030302020204" pitchFamily="34" charset="-127"/>
+              </a:rPr>
+              <a:t>섹션</a:t>
+            </a:r>
+            <a:r>
+              <a:rPr lang="en-US" altLang="ko-KR" dirty="0">
+                <a:solidFill>
+                  <a:schemeClr val="bg1"/>
+                </a:solidFill>
+                <a:latin typeface="에스코어 드림 6 Bold" panose="020B0703030302020204" pitchFamily="34" charset="-127"/>
+                <a:ea typeface="에스코어 드림 6 Bold" panose="020B0703030302020204" pitchFamily="34" charset="-127"/>
+              </a:rPr>
+              <a:t>1-3</a:t>
+            </a:r>
+            <a:r>
+              <a:rPr lang="ko-KR" altLang="en-US" dirty="0">
+                <a:solidFill>
+                  <a:schemeClr val="bg1"/>
+                </a:solidFill>
+                <a:latin typeface="에스코어 드림 6 Bold" panose="020B0703030302020204" pitchFamily="34" charset="-127"/>
+                <a:ea typeface="에스코어 드림 6 Bold" panose="020B0703030302020204" pitchFamily="34" charset="-127"/>
+              </a:rPr>
+              <a:t>강</a:t>
+            </a:r>
+            <a:r>
+              <a:rPr lang="en-US" altLang="ko-KR" dirty="0">
+                <a:solidFill>
+                  <a:schemeClr val="bg1"/>
+                </a:solidFill>
+                <a:latin typeface="에스코어 드림 6 Bold" panose="020B0703030302020204" pitchFamily="34" charset="-127"/>
+                <a:ea typeface="에스코어 드림 6 Bold" panose="020B0703030302020204" pitchFamily="34" charset="-127"/>
+              </a:rPr>
+              <a:t>(5:00)</a:t>
+            </a:r>
+          </a:p>
+          <a:p>
+            <a:pPr algn="ctr"/>
+            <a:r>
+              <a:rPr lang="en-US" altLang="ko-KR" dirty="0" err="1">
+                <a:solidFill>
+                  <a:schemeClr val="bg1"/>
+                </a:solidFill>
+                <a:latin typeface="에스코어 드림 6 Bold" panose="020B0703030302020204" pitchFamily="34" charset="-127"/>
+                <a:ea typeface="에스코어 드림 6 Bold" panose="020B0703030302020204" pitchFamily="34" charset="-127"/>
+              </a:rPr>
+              <a:t>thymeleaf</a:t>
+            </a:r>
+            <a:r>
+              <a:rPr lang="en-US" altLang="ko-KR" dirty="0">
+                <a:solidFill>
+                  <a:schemeClr val="bg1"/>
+                </a:solidFill>
+                <a:latin typeface="에스코어 드림 6 Bold" panose="020B0703030302020204" pitchFamily="34" charset="-127"/>
+                <a:ea typeface="에스코어 드림 6 Bold" panose="020B0703030302020204" pitchFamily="34" charset="-127"/>
+              </a:rPr>
+              <a:t> </a:t>
+            </a:r>
+            <a:r>
+              <a:rPr lang="ko-KR" altLang="en-US" dirty="0">
+                <a:solidFill>
+                  <a:schemeClr val="bg1"/>
+                </a:solidFill>
+                <a:latin typeface="에스코어 드림 6 Bold" panose="020B0703030302020204" pitchFamily="34" charset="-127"/>
+                <a:ea typeface="에스코어 드림 6 Bold" panose="020B0703030302020204" pitchFamily="34" charset="-127"/>
+              </a:rPr>
+              <a:t>템플릿 엔진 사용하기</a:t>
+            </a:r>
+            <a:endParaRPr lang="en-US" altLang="ko-KR" dirty="0">
+              <a:solidFill>
+                <a:schemeClr val="bg1"/>
+              </a:solidFill>
+              <a:latin typeface="에스코어 드림 6 Bold" panose="020B0703030302020204" pitchFamily="34" charset="-127"/>
+              <a:ea typeface="에스코어 드림 6 Bold" panose="020B0703030302020204" pitchFamily="34" charset="-127"/>
+            </a:endParaRPr>
+          </a:p>
+        </p:txBody>
+      </p:sp>
+      <p:sp>
+        <p:nvSpPr>
+          <p:cNvPr id="3" name="TextBox 2">
+            <a:extLst>
+              <a:ext uri="{FF2B5EF4-FFF2-40B4-BE49-F238E27FC236}">
+                <a16:creationId xmlns:a16="http://schemas.microsoft.com/office/drawing/2014/main" id="{004D16C8-ECE0-C92F-0D24-A6EEBA55AEC5}"/>
+              </a:ext>
+            </a:extLst>
+          </p:cNvPr>
+          <p:cNvSpPr txBox="1"/>
+          <p:nvPr/>
+        </p:nvSpPr>
+        <p:spPr>
+          <a:xfrm>
+            <a:off x="135064" y="1099121"/>
+            <a:ext cx="5291128" cy="646331"/>
+          </a:xfrm>
+          <a:prstGeom prst="rect">
+            <a:avLst/>
+          </a:prstGeom>
+          <a:noFill/>
+          <a:ln>
+            <a:solidFill>
+              <a:schemeClr val="tx1"/>
+            </a:solidFill>
+          </a:ln>
+        </p:spPr>
+        <p:txBody>
+          <a:bodyPr wrap="none" rtlCol="0">
+            <a:spAutoFit/>
+          </a:bodyPr>
+          <a:lstStyle/>
+          <a:p>
+            <a:r>
+              <a:rPr lang="en-US" altLang="ko-KR" dirty="0"/>
+              <a:t>&lt;</a:t>
+            </a:r>
+            <a:r>
+              <a:rPr lang="ko-KR" altLang="en-US" dirty="0"/>
+              <a:t>진행</a:t>
+            </a:r>
+            <a:r>
+              <a:rPr lang="en-US" altLang="ko-KR" dirty="0"/>
+              <a:t>&gt;</a:t>
+            </a:r>
+          </a:p>
+          <a:p>
+            <a:pPr marL="342900" indent="-342900">
+              <a:buAutoNum type="arabicPeriod"/>
+            </a:pPr>
+            <a:r>
+              <a:rPr lang="en-US" altLang="ko-KR" dirty="0" err="1"/>
+              <a:t>HelloController</a:t>
+            </a:r>
+            <a:r>
+              <a:rPr lang="ko-KR" altLang="en-US" dirty="0"/>
+              <a:t>파일에 아래 코드를 추가합니다</a:t>
+            </a:r>
+            <a:r>
+              <a:rPr lang="en-US" altLang="ko-KR" dirty="0"/>
+              <a:t>.</a:t>
+            </a:r>
+            <a:endParaRPr lang="ko-KR" altLang="en-US" dirty="0"/>
+          </a:p>
+        </p:txBody>
+      </p:sp>
+      <p:sp>
+        <p:nvSpPr>
+          <p:cNvPr id="4" name="Rectangle 1">
+            <a:extLst>
+              <a:ext uri="{FF2B5EF4-FFF2-40B4-BE49-F238E27FC236}">
+                <a16:creationId xmlns:a16="http://schemas.microsoft.com/office/drawing/2014/main" id="{991C9924-A918-549C-8F6E-9660A9295021}"/>
+              </a:ext>
+            </a:extLst>
+          </p:cNvPr>
+          <p:cNvSpPr>
+            <a:spLocks noChangeArrowheads="1"/>
+          </p:cNvSpPr>
+          <p:nvPr/>
+        </p:nvSpPr>
+        <p:spPr bwMode="auto">
+          <a:xfrm>
+            <a:off x="135064" y="2263001"/>
+            <a:ext cx="2814145" cy="1615827"/>
+          </a:xfrm>
+          <a:prstGeom prst="rect">
+            <a:avLst/>
+          </a:prstGeom>
+          <a:solidFill>
+            <a:srgbClr val="1E1F22"/>
+          </a:solidFill>
+          <a:ln>
+            <a:noFill/>
+          </a:ln>
+          <a:effectLst/>
+          <a:extLst>
+            <a:ext uri="{91240B29-F687-4F45-9708-019B960494DF}">
+              <a14:hiddenLine xmlns:a14="http://schemas.microsoft.com/office/drawing/2010/main" w="9525">
+                <a:solidFill>
+                  <a:schemeClr val="tx1"/>
+                </a:solidFill>
+                <a:miter lim="800000"/>
+                <a:headEnd/>
+                <a:tailEnd/>
+              </a14:hiddenLine>
+            </a:ext>
+            <a:ext uri="{AF507438-7753-43E0-B8FC-AC1667EBCBE1}">
+              <a14:hiddenEffects xmlns:a14="http://schemas.microsoft.com/office/drawing/2010/main">
+                <a:effectLst>
+                  <a:outerShdw dist="35921" dir="2700000" algn="ctr" rotWithShape="0">
+                    <a:schemeClr val="bg2"/>
+                  </a:outerShdw>
+                </a:effectLst>
+              </a14:hiddenEffects>
+            </a:ext>
+          </a:extLst>
+        </p:spPr>
+        <p:txBody>
+          <a:bodyPr vert="horz" wrap="square" lIns="91440" tIns="45720" rIns="91440" bIns="45720" numCol="1" anchor="ctr" anchorCtr="0" compatLnSpc="1">
+            <a:prstTxWarp prst="textNoShape">
+              <a:avLst/>
+            </a:prstTxWarp>
+            <a:spAutoFit/>
+          </a:bodyPr>
+          <a:lstStyle/>
+          <a:p>
+            <a:pPr marL="0" marR="0" lvl="0" indent="0" algn="l" defTabSz="914400" rtl="0" eaLnBrk="0" fontAlgn="base" latinLnBrk="0" hangingPunct="0">
+              <a:lnSpc>
+                <a:spcPct val="100000"/>
+              </a:lnSpc>
+              <a:spcBef>
+                <a:spcPct val="0"/>
+              </a:spcBef>
+              <a:spcAft>
+                <a:spcPct val="0"/>
+              </a:spcAft>
+              <a:buClrTx/>
+              <a:buSzTx/>
+              <a:buFontTx/>
+              <a:buNone/>
+              <a:tabLst/>
+            </a:pPr>
+            <a:r>
+              <a:rPr kumimoji="0" lang="ko-KR" altLang="ko-KR" sz="1100" b="0" i="0" u="none" strike="noStrike" cap="none" normalizeH="0" baseline="0" dirty="0">
+                <a:ln>
+                  <a:noFill/>
+                </a:ln>
+                <a:solidFill>
+                  <a:srgbClr val="B3AE60"/>
+                </a:solidFill>
+                <a:effectLst/>
+                <a:latin typeface="Arial Unicode MS"/>
+                <a:ea typeface="JetBrains Mono"/>
+              </a:rPr>
+              <a:t>@Controller</a:t>
+            </a:r>
+            <a:br>
+              <a:rPr kumimoji="0" lang="ko-KR" altLang="ko-KR" sz="1100" b="0" i="0" u="none" strike="noStrike" cap="none" normalizeH="0" baseline="0" dirty="0">
+                <a:ln>
+                  <a:noFill/>
+                </a:ln>
+                <a:solidFill>
+                  <a:srgbClr val="B3AE60"/>
+                </a:solidFill>
+                <a:effectLst/>
+                <a:latin typeface="Arial Unicode MS"/>
+                <a:ea typeface="JetBrains Mono"/>
+              </a:rPr>
+            </a:br>
+            <a:r>
+              <a:rPr kumimoji="0" lang="ko-KR" altLang="ko-KR" sz="1100" b="0" i="0" u="none" strike="noStrike" cap="none" normalizeH="0" baseline="0" dirty="0" err="1">
+                <a:ln>
+                  <a:noFill/>
+                </a:ln>
+                <a:solidFill>
+                  <a:srgbClr val="CF8E6D"/>
+                </a:solidFill>
+                <a:effectLst/>
+                <a:latin typeface="Arial Unicode MS"/>
+                <a:ea typeface="JetBrains Mono"/>
+              </a:rPr>
+              <a:t>public</a:t>
+            </a:r>
+            <a:r>
+              <a:rPr kumimoji="0" lang="ko-KR" altLang="ko-KR" sz="1100" b="0" i="0" u="none" strike="noStrike" cap="none" normalizeH="0" baseline="0" dirty="0">
+                <a:ln>
+                  <a:noFill/>
+                </a:ln>
+                <a:solidFill>
+                  <a:srgbClr val="CF8E6D"/>
+                </a:solidFill>
+                <a:effectLst/>
+                <a:latin typeface="Arial Unicode MS"/>
+                <a:ea typeface="JetBrains Mono"/>
+              </a:rPr>
+              <a:t> </a:t>
+            </a:r>
+            <a:r>
+              <a:rPr kumimoji="0" lang="ko-KR" altLang="ko-KR" sz="1100" b="0" i="0" u="none" strike="noStrike" cap="none" normalizeH="0" baseline="0" dirty="0" err="1">
+                <a:ln>
+                  <a:noFill/>
+                </a:ln>
+                <a:solidFill>
+                  <a:srgbClr val="CF8E6D"/>
+                </a:solidFill>
+                <a:effectLst/>
+                <a:latin typeface="Arial Unicode MS"/>
+                <a:ea typeface="JetBrains Mono"/>
+              </a:rPr>
+              <a:t>class</a:t>
+            </a:r>
+            <a:r>
+              <a:rPr kumimoji="0" lang="ko-KR" altLang="ko-KR" sz="1100" b="0" i="0" u="none" strike="noStrike" cap="none" normalizeH="0" baseline="0" dirty="0">
+                <a:ln>
+                  <a:noFill/>
+                </a:ln>
+                <a:solidFill>
+                  <a:srgbClr val="CF8E6D"/>
+                </a:solidFill>
+                <a:effectLst/>
+                <a:latin typeface="Arial Unicode MS"/>
+                <a:ea typeface="JetBrains Mono"/>
+              </a:rPr>
+              <a:t> </a:t>
+            </a:r>
+            <a:r>
+              <a:rPr kumimoji="0" lang="ko-KR" altLang="ko-KR" sz="1100" b="0" i="0" u="none" strike="noStrike" cap="none" normalizeH="0" baseline="0" dirty="0" err="1">
+                <a:ln>
+                  <a:noFill/>
+                </a:ln>
+                <a:solidFill>
+                  <a:srgbClr val="BCBEC4"/>
+                </a:solidFill>
+                <a:effectLst/>
+                <a:latin typeface="Arial Unicode MS"/>
+                <a:ea typeface="JetBrains Mono"/>
+              </a:rPr>
+              <a:t>HelloController</a:t>
+            </a:r>
+            <a:r>
+              <a:rPr kumimoji="0" lang="ko-KR" altLang="ko-KR" sz="1100" b="0" i="0" u="none" strike="noStrike" cap="none" normalizeH="0" baseline="0" dirty="0">
+                <a:ln>
+                  <a:noFill/>
+                </a:ln>
+                <a:solidFill>
+                  <a:srgbClr val="BCBEC4"/>
+                </a:solidFill>
+                <a:effectLst/>
+                <a:latin typeface="Arial Unicode MS"/>
+                <a:ea typeface="JetBrains Mono"/>
+              </a:rPr>
+              <a:t> {</a:t>
+            </a:r>
+            <a:br>
+              <a:rPr kumimoji="0" lang="ko-KR" altLang="ko-KR" sz="1100" b="0" i="0" u="none" strike="noStrike" cap="none" normalizeH="0" baseline="0" dirty="0">
+                <a:ln>
+                  <a:noFill/>
+                </a:ln>
+                <a:solidFill>
+                  <a:srgbClr val="BCBEC4"/>
+                </a:solidFill>
+                <a:effectLst/>
+                <a:latin typeface="Arial Unicode MS"/>
+                <a:ea typeface="JetBrains Mono"/>
+              </a:rPr>
+            </a:br>
+            <a:br>
+              <a:rPr kumimoji="0" lang="ko-KR" altLang="ko-KR" sz="1100" b="0" i="0" u="none" strike="noStrike" cap="none" normalizeH="0" baseline="0" dirty="0">
+                <a:ln>
+                  <a:noFill/>
+                </a:ln>
+                <a:solidFill>
+                  <a:srgbClr val="BCBEC4"/>
+                </a:solidFill>
+                <a:effectLst/>
+                <a:latin typeface="Arial Unicode MS"/>
+                <a:ea typeface="JetBrains Mono"/>
+              </a:rPr>
+            </a:br>
+            <a:r>
+              <a:rPr kumimoji="0" lang="ko-KR" altLang="ko-KR" sz="1100" b="0" i="0" u="none" strike="noStrike" cap="none" normalizeH="0" baseline="0" dirty="0">
+                <a:ln>
+                  <a:noFill/>
+                </a:ln>
+                <a:solidFill>
+                  <a:srgbClr val="BCBEC4"/>
+                </a:solidFill>
+                <a:effectLst/>
+                <a:latin typeface="Arial Unicode MS"/>
+                <a:ea typeface="JetBrains Mono"/>
+              </a:rPr>
+              <a:t>    </a:t>
+            </a:r>
+            <a:r>
+              <a:rPr kumimoji="0" lang="ko-KR" altLang="ko-KR" sz="1100" b="0" i="0" u="none" strike="noStrike" cap="none" normalizeH="0" baseline="0" dirty="0">
+                <a:ln>
+                  <a:noFill/>
+                </a:ln>
+                <a:solidFill>
+                  <a:srgbClr val="B3AE60"/>
+                </a:solidFill>
+                <a:effectLst/>
+                <a:latin typeface="Arial Unicode MS"/>
+                <a:ea typeface="JetBrains Mono"/>
+              </a:rPr>
+              <a:t>@RequestMapping</a:t>
+            </a:r>
+            <a:r>
+              <a:rPr kumimoji="0" lang="ko-KR" altLang="ko-KR" sz="1100" b="0" i="0" u="none" strike="noStrike" cap="none" normalizeH="0" baseline="0" dirty="0">
+                <a:ln>
+                  <a:noFill/>
+                </a:ln>
+                <a:solidFill>
+                  <a:srgbClr val="BCBEC4"/>
+                </a:solidFill>
+                <a:effectLst/>
+                <a:latin typeface="Arial Unicode MS"/>
+                <a:ea typeface="JetBrains Mono"/>
+              </a:rPr>
+              <a:t>(</a:t>
+            </a:r>
+            <a:r>
+              <a:rPr kumimoji="0" lang="ko-KR" altLang="ko-KR" sz="1100" b="0" i="0" u="none" strike="noStrike" cap="none" normalizeH="0" baseline="0" dirty="0">
+                <a:ln>
+                  <a:noFill/>
+                </a:ln>
+                <a:solidFill>
+                  <a:srgbClr val="6AAB73"/>
+                </a:solidFill>
+                <a:effectLst/>
+                <a:latin typeface="Arial Unicode MS"/>
+                <a:ea typeface="JetBrains Mono"/>
+              </a:rPr>
+              <a:t>"hello"</a:t>
+            </a:r>
+            <a:r>
+              <a:rPr kumimoji="0" lang="ko-KR" altLang="ko-KR" sz="1100" b="0" i="0" u="none" strike="noStrike" cap="none" normalizeH="0" baseline="0" dirty="0">
+                <a:ln>
+                  <a:noFill/>
+                </a:ln>
+                <a:solidFill>
+                  <a:srgbClr val="BCBEC4"/>
+                </a:solidFill>
+                <a:effectLst/>
+                <a:latin typeface="Arial Unicode MS"/>
+                <a:ea typeface="JetBrains Mono"/>
+              </a:rPr>
+              <a:t>)</a:t>
+            </a:r>
+            <a:br>
+              <a:rPr kumimoji="0" lang="ko-KR" altLang="ko-KR" sz="1100" b="0" i="0" u="none" strike="noStrike" cap="none" normalizeH="0" baseline="0" dirty="0">
+                <a:ln>
+                  <a:noFill/>
+                </a:ln>
+                <a:solidFill>
+                  <a:srgbClr val="BCBEC4"/>
+                </a:solidFill>
+                <a:effectLst/>
+                <a:latin typeface="Arial Unicode MS"/>
+                <a:ea typeface="JetBrains Mono"/>
+              </a:rPr>
+            </a:br>
+            <a:r>
+              <a:rPr kumimoji="0" lang="ko-KR" altLang="ko-KR" sz="1100" b="0" i="0" u="none" strike="noStrike" cap="none" normalizeH="0" baseline="0" dirty="0">
+                <a:ln>
+                  <a:noFill/>
+                </a:ln>
+                <a:solidFill>
+                  <a:srgbClr val="BCBEC4"/>
+                </a:solidFill>
+                <a:effectLst/>
+                <a:latin typeface="Arial Unicode MS"/>
+                <a:ea typeface="JetBrains Mono"/>
+              </a:rPr>
+              <a:t>    </a:t>
+            </a:r>
+            <a:r>
+              <a:rPr kumimoji="0" lang="ko-KR" altLang="ko-KR" sz="1100" b="0" i="0" u="none" strike="noStrike" cap="none" normalizeH="0" baseline="0" dirty="0" err="1">
+                <a:ln>
+                  <a:noFill/>
+                </a:ln>
+                <a:solidFill>
+                  <a:srgbClr val="CF8E6D"/>
+                </a:solidFill>
+                <a:effectLst/>
+                <a:latin typeface="Arial Unicode MS"/>
+                <a:ea typeface="JetBrains Mono"/>
+              </a:rPr>
+              <a:t>public</a:t>
+            </a:r>
+            <a:r>
+              <a:rPr kumimoji="0" lang="ko-KR" altLang="ko-KR" sz="1100" b="0" i="0" u="none" strike="noStrike" cap="none" normalizeH="0" baseline="0" dirty="0">
+                <a:ln>
+                  <a:noFill/>
+                </a:ln>
+                <a:solidFill>
+                  <a:srgbClr val="CF8E6D"/>
+                </a:solidFill>
+                <a:effectLst/>
+                <a:latin typeface="Arial Unicode MS"/>
+                <a:ea typeface="JetBrains Mono"/>
+              </a:rPr>
+              <a:t> </a:t>
+            </a:r>
+            <a:r>
+              <a:rPr kumimoji="0" lang="ko-KR" altLang="ko-KR" sz="1100" b="0" i="0" u="none" strike="noStrike" cap="none" normalizeH="0" baseline="0" dirty="0" err="1">
+                <a:ln>
+                  <a:noFill/>
+                </a:ln>
+                <a:solidFill>
+                  <a:srgbClr val="BCBEC4"/>
+                </a:solidFill>
+                <a:effectLst/>
+                <a:latin typeface="Arial Unicode MS"/>
+                <a:ea typeface="JetBrains Mono"/>
+              </a:rPr>
+              <a:t>String</a:t>
+            </a:r>
+            <a:r>
+              <a:rPr kumimoji="0" lang="ko-KR" altLang="ko-KR" sz="1100" b="0" i="0" u="none" strike="noStrike" cap="none" normalizeH="0" baseline="0" dirty="0">
+                <a:ln>
+                  <a:noFill/>
+                </a:ln>
+                <a:solidFill>
+                  <a:srgbClr val="BCBEC4"/>
+                </a:solidFill>
+                <a:effectLst/>
+                <a:latin typeface="Arial Unicode MS"/>
+                <a:ea typeface="JetBrains Mono"/>
+              </a:rPr>
+              <a:t> </a:t>
+            </a:r>
+            <a:r>
+              <a:rPr kumimoji="0" lang="ko-KR" altLang="ko-KR" sz="1100" b="0" i="0" u="none" strike="noStrike" cap="none" normalizeH="0" baseline="0" dirty="0" err="1">
+                <a:ln>
+                  <a:noFill/>
+                </a:ln>
+                <a:solidFill>
+                  <a:srgbClr val="56A8F5"/>
+                </a:solidFill>
+                <a:effectLst/>
+                <a:latin typeface="Arial Unicode MS"/>
+                <a:ea typeface="JetBrains Mono"/>
+              </a:rPr>
+              <a:t>hello</a:t>
+            </a:r>
+            <a:r>
+              <a:rPr kumimoji="0" lang="ko-KR" altLang="ko-KR" sz="1100" b="0" i="0" u="none" strike="noStrike" cap="none" normalizeH="0" baseline="0" dirty="0">
+                <a:ln>
+                  <a:noFill/>
+                </a:ln>
+                <a:solidFill>
+                  <a:srgbClr val="BCBEC4"/>
+                </a:solidFill>
+                <a:effectLst/>
+                <a:latin typeface="Arial Unicode MS"/>
+                <a:ea typeface="JetBrains Mono"/>
+              </a:rPr>
+              <a:t>(</a:t>
+            </a:r>
+            <a:r>
+              <a:rPr kumimoji="0" lang="ko-KR" altLang="ko-KR" sz="1100" b="0" i="0" u="none" strike="noStrike" cap="none" normalizeH="0" baseline="0" dirty="0" err="1">
+                <a:ln>
+                  <a:noFill/>
+                </a:ln>
+                <a:solidFill>
+                  <a:srgbClr val="BCBEC4"/>
+                </a:solidFill>
+                <a:effectLst/>
+                <a:latin typeface="Arial Unicode MS"/>
+                <a:ea typeface="JetBrains Mono"/>
+              </a:rPr>
+              <a:t>Model</a:t>
+            </a:r>
+            <a:r>
+              <a:rPr kumimoji="0" lang="ko-KR" altLang="ko-KR" sz="1100" b="0" i="0" u="none" strike="noStrike" cap="none" normalizeH="0" baseline="0" dirty="0">
+                <a:ln>
+                  <a:noFill/>
+                </a:ln>
+                <a:solidFill>
+                  <a:srgbClr val="BCBEC4"/>
+                </a:solidFill>
+                <a:effectLst/>
+                <a:latin typeface="Arial Unicode MS"/>
+                <a:ea typeface="JetBrains Mono"/>
+              </a:rPr>
+              <a:t> </a:t>
+            </a:r>
+            <a:r>
+              <a:rPr kumimoji="0" lang="ko-KR" altLang="ko-KR" sz="1100" b="0" i="0" u="none" strike="noStrike" cap="none" normalizeH="0" baseline="0" dirty="0" err="1">
+                <a:ln>
+                  <a:noFill/>
+                </a:ln>
+                <a:solidFill>
+                  <a:srgbClr val="BCBEC4"/>
+                </a:solidFill>
+                <a:effectLst/>
+                <a:latin typeface="Arial Unicode MS"/>
+                <a:ea typeface="JetBrains Mono"/>
+              </a:rPr>
+              <a:t>m</a:t>
+            </a:r>
+            <a:r>
+              <a:rPr kumimoji="0" lang="ko-KR" altLang="ko-KR" sz="1100" b="0" i="0" u="none" strike="noStrike" cap="none" normalizeH="0" baseline="0" dirty="0">
+                <a:ln>
+                  <a:noFill/>
+                </a:ln>
+                <a:solidFill>
+                  <a:srgbClr val="BCBEC4"/>
+                </a:solidFill>
+                <a:effectLst/>
+                <a:latin typeface="Arial Unicode MS"/>
+                <a:ea typeface="JetBrains Mono"/>
+              </a:rPr>
+              <a:t>){</a:t>
+            </a:r>
+            <a:br>
+              <a:rPr kumimoji="0" lang="ko-KR" altLang="ko-KR" sz="1100" b="0" i="0" u="none" strike="noStrike" cap="none" normalizeH="0" baseline="0" dirty="0">
+                <a:ln>
+                  <a:noFill/>
+                </a:ln>
+                <a:solidFill>
+                  <a:srgbClr val="BCBEC4"/>
+                </a:solidFill>
+                <a:effectLst/>
+                <a:latin typeface="Arial Unicode MS"/>
+                <a:ea typeface="JetBrains Mono"/>
+              </a:rPr>
+            </a:br>
+            <a:r>
+              <a:rPr kumimoji="0" lang="ko-KR" altLang="ko-KR" sz="1100" b="0" i="0" u="none" strike="noStrike" cap="none" normalizeH="0" baseline="0" dirty="0">
+                <a:ln>
+                  <a:noFill/>
+                </a:ln>
+                <a:solidFill>
+                  <a:srgbClr val="BCBEC4"/>
+                </a:solidFill>
+                <a:effectLst/>
+                <a:latin typeface="Arial Unicode MS"/>
+                <a:ea typeface="JetBrains Mono"/>
+              </a:rPr>
+              <a:t>        </a:t>
+            </a:r>
+            <a:r>
+              <a:rPr kumimoji="0" lang="ko-KR" altLang="ko-KR" sz="1100" b="0" i="0" u="none" strike="noStrike" cap="none" normalizeH="0" baseline="0" dirty="0" err="1">
+                <a:ln>
+                  <a:noFill/>
+                </a:ln>
+                <a:solidFill>
+                  <a:srgbClr val="BCBEC4"/>
+                </a:solidFill>
+                <a:effectLst/>
+                <a:latin typeface="Arial Unicode MS"/>
+                <a:ea typeface="JetBrains Mono"/>
+              </a:rPr>
+              <a:t>m.addAttribute</a:t>
+            </a:r>
+            <a:r>
+              <a:rPr kumimoji="0" lang="ko-KR" altLang="ko-KR" sz="1100" b="0" i="0" u="none" strike="noStrike" cap="none" normalizeH="0" baseline="0" dirty="0">
+                <a:ln>
+                  <a:noFill/>
+                </a:ln>
+                <a:solidFill>
+                  <a:srgbClr val="BCBEC4"/>
+                </a:solidFill>
+                <a:effectLst/>
+                <a:latin typeface="Arial Unicode MS"/>
+                <a:ea typeface="JetBrains Mono"/>
+              </a:rPr>
+              <a:t>(</a:t>
+            </a:r>
+            <a:r>
+              <a:rPr kumimoji="0" lang="ko-KR" altLang="ko-KR" sz="1100" b="0" i="0" u="none" strike="noStrike" cap="none" normalizeH="0" baseline="0" dirty="0">
+                <a:ln>
+                  <a:noFill/>
+                </a:ln>
+                <a:solidFill>
+                  <a:srgbClr val="6AAB73"/>
+                </a:solidFill>
+                <a:effectLst/>
+                <a:latin typeface="Arial Unicode MS"/>
+                <a:ea typeface="JetBrains Mono"/>
+              </a:rPr>
+              <a:t>"</a:t>
+            </a:r>
+            <a:r>
+              <a:rPr kumimoji="0" lang="ko-KR" altLang="ko-KR" sz="1100" b="0" i="0" u="none" strike="noStrike" cap="none" normalizeH="0" baseline="0" dirty="0" err="1">
+                <a:ln>
+                  <a:noFill/>
+                </a:ln>
+                <a:solidFill>
+                  <a:srgbClr val="6AAB73"/>
+                </a:solidFill>
+                <a:effectLst/>
+                <a:latin typeface="Arial Unicode MS"/>
+                <a:ea typeface="JetBrains Mono"/>
+              </a:rPr>
+              <a:t>data</a:t>
+            </a:r>
+            <a:r>
+              <a:rPr kumimoji="0" lang="ko-KR" altLang="ko-KR" sz="1100" b="0" i="0" u="none" strike="noStrike" cap="none" normalizeH="0" baseline="0" dirty="0">
+                <a:ln>
+                  <a:noFill/>
+                </a:ln>
+                <a:solidFill>
+                  <a:srgbClr val="6AAB73"/>
+                </a:solidFill>
+                <a:effectLst/>
+                <a:latin typeface="Arial Unicode MS"/>
+                <a:ea typeface="JetBrains Mono"/>
+              </a:rPr>
+              <a:t>"</a:t>
+            </a:r>
+            <a:r>
+              <a:rPr kumimoji="0" lang="ko-KR" altLang="ko-KR" sz="1100" b="0" i="0" u="none" strike="noStrike" cap="none" normalizeH="0" baseline="0" dirty="0">
+                <a:ln>
+                  <a:noFill/>
+                </a:ln>
+                <a:solidFill>
+                  <a:srgbClr val="BCBEC4"/>
+                </a:solidFill>
+                <a:effectLst/>
+                <a:latin typeface="Arial Unicode MS"/>
+                <a:ea typeface="JetBrains Mono"/>
+              </a:rPr>
+              <a:t>,</a:t>
+            </a:r>
+            <a:r>
+              <a:rPr kumimoji="0" lang="ko-KR" altLang="ko-KR" sz="1100" b="0" i="0" u="none" strike="noStrike" cap="none" normalizeH="0" baseline="0" dirty="0">
+                <a:ln>
+                  <a:noFill/>
+                </a:ln>
+                <a:solidFill>
+                  <a:srgbClr val="6AAB73"/>
+                </a:solidFill>
+                <a:effectLst/>
+                <a:latin typeface="Arial Unicode MS"/>
+                <a:ea typeface="JetBrains Mono"/>
+              </a:rPr>
+              <a:t>"</a:t>
+            </a:r>
+            <a:r>
+              <a:rPr kumimoji="0" lang="ko-KR" altLang="ko-KR" sz="1100" b="0" i="0" u="none" strike="noStrike" cap="none" normalizeH="0" baseline="0" dirty="0" err="1">
+                <a:ln>
+                  <a:noFill/>
+                </a:ln>
+                <a:solidFill>
+                  <a:srgbClr val="6AAB73"/>
+                </a:solidFill>
+                <a:effectLst/>
+                <a:latin typeface="Arial Unicode MS"/>
+                <a:ea typeface="JetBrains Mono"/>
+              </a:rPr>
+              <a:t>hello</a:t>
+            </a:r>
+            <a:r>
+              <a:rPr kumimoji="0" lang="ko-KR" altLang="ko-KR" sz="1100" b="0" i="0" u="none" strike="noStrike" cap="none" normalizeH="0" baseline="0" dirty="0">
+                <a:ln>
+                  <a:noFill/>
+                </a:ln>
+                <a:solidFill>
+                  <a:srgbClr val="6AAB73"/>
+                </a:solidFill>
+                <a:effectLst/>
+                <a:latin typeface="Arial Unicode MS"/>
+                <a:ea typeface="JetBrains Mono"/>
+              </a:rPr>
+              <a:t>!!"</a:t>
+            </a:r>
+            <a:r>
+              <a:rPr kumimoji="0" lang="ko-KR" altLang="ko-KR" sz="1100" b="0" i="0" u="none" strike="noStrike" cap="none" normalizeH="0" baseline="0" dirty="0">
+                <a:ln>
+                  <a:noFill/>
+                </a:ln>
+                <a:solidFill>
+                  <a:srgbClr val="BCBEC4"/>
+                </a:solidFill>
+                <a:effectLst/>
+                <a:latin typeface="Arial Unicode MS"/>
+                <a:ea typeface="JetBrains Mono"/>
+              </a:rPr>
+              <a:t>);</a:t>
+            </a:r>
+            <a:br>
+              <a:rPr kumimoji="0" lang="ko-KR" altLang="ko-KR" sz="1100" b="0" i="0" u="none" strike="noStrike" cap="none" normalizeH="0" baseline="0" dirty="0">
+                <a:ln>
+                  <a:noFill/>
+                </a:ln>
+                <a:solidFill>
+                  <a:srgbClr val="BCBEC4"/>
+                </a:solidFill>
+                <a:effectLst/>
+                <a:latin typeface="Arial Unicode MS"/>
+                <a:ea typeface="JetBrains Mono"/>
+              </a:rPr>
+            </a:br>
+            <a:r>
+              <a:rPr kumimoji="0" lang="ko-KR" altLang="ko-KR" sz="1100" b="0" i="0" u="none" strike="noStrike" cap="none" normalizeH="0" baseline="0" dirty="0">
+                <a:ln>
+                  <a:noFill/>
+                </a:ln>
+                <a:solidFill>
+                  <a:srgbClr val="BCBEC4"/>
+                </a:solidFill>
+                <a:effectLst/>
+                <a:latin typeface="Arial Unicode MS"/>
+                <a:ea typeface="JetBrains Mono"/>
+              </a:rPr>
+              <a:t>        </a:t>
+            </a:r>
+            <a:r>
+              <a:rPr kumimoji="0" lang="ko-KR" altLang="ko-KR" sz="1100" b="0" i="0" u="none" strike="noStrike" cap="none" normalizeH="0" baseline="0" dirty="0" err="1">
+                <a:ln>
+                  <a:noFill/>
+                </a:ln>
+                <a:solidFill>
+                  <a:srgbClr val="CF8E6D"/>
+                </a:solidFill>
+                <a:effectLst/>
+                <a:latin typeface="Arial Unicode MS"/>
+                <a:ea typeface="JetBrains Mono"/>
+              </a:rPr>
+              <a:t>return</a:t>
+            </a:r>
+            <a:r>
+              <a:rPr kumimoji="0" lang="ko-KR" altLang="ko-KR" sz="1100" b="0" i="0" u="none" strike="noStrike" cap="none" normalizeH="0" baseline="0" dirty="0">
+                <a:ln>
+                  <a:noFill/>
+                </a:ln>
+                <a:solidFill>
+                  <a:srgbClr val="CF8E6D"/>
+                </a:solidFill>
+                <a:effectLst/>
+                <a:latin typeface="Arial Unicode MS"/>
+                <a:ea typeface="JetBrains Mono"/>
+              </a:rPr>
+              <a:t> </a:t>
+            </a:r>
+            <a:r>
+              <a:rPr kumimoji="0" lang="ko-KR" altLang="ko-KR" sz="1100" b="0" i="0" u="none" strike="noStrike" cap="none" normalizeH="0" baseline="0" dirty="0">
+                <a:ln>
+                  <a:noFill/>
+                </a:ln>
+                <a:solidFill>
+                  <a:srgbClr val="6AAB73"/>
+                </a:solidFill>
+                <a:effectLst/>
+                <a:latin typeface="Arial Unicode MS"/>
+                <a:ea typeface="JetBrains Mono"/>
+              </a:rPr>
+              <a:t>"</a:t>
+            </a:r>
+            <a:r>
+              <a:rPr kumimoji="0" lang="ko-KR" altLang="ko-KR" sz="1100" b="0" i="0" u="none" strike="noStrike" cap="none" normalizeH="0" baseline="0" dirty="0" err="1">
+                <a:ln>
+                  <a:noFill/>
+                </a:ln>
+                <a:solidFill>
+                  <a:srgbClr val="6AAB73"/>
+                </a:solidFill>
+                <a:effectLst/>
+                <a:latin typeface="Arial Unicode MS"/>
+                <a:ea typeface="JetBrains Mono"/>
+              </a:rPr>
+              <a:t>hello</a:t>
+            </a:r>
+            <a:r>
+              <a:rPr kumimoji="0" lang="ko-KR" altLang="ko-KR" sz="1100" b="0" i="0" u="none" strike="noStrike" cap="none" normalizeH="0" baseline="0" dirty="0">
+                <a:ln>
+                  <a:noFill/>
+                </a:ln>
+                <a:solidFill>
+                  <a:srgbClr val="6AAB73"/>
+                </a:solidFill>
+                <a:effectLst/>
+                <a:latin typeface="Arial Unicode MS"/>
+                <a:ea typeface="JetBrains Mono"/>
+              </a:rPr>
+              <a:t>"</a:t>
+            </a:r>
+            <a:r>
+              <a:rPr kumimoji="0" lang="ko-KR" altLang="ko-KR" sz="1100" b="0" i="0" u="none" strike="noStrike" cap="none" normalizeH="0" baseline="0" dirty="0">
+                <a:ln>
+                  <a:noFill/>
+                </a:ln>
+                <a:solidFill>
+                  <a:srgbClr val="BCBEC4"/>
+                </a:solidFill>
+                <a:effectLst/>
+                <a:latin typeface="Arial Unicode MS"/>
+                <a:ea typeface="JetBrains Mono"/>
+              </a:rPr>
+              <a:t>;</a:t>
+            </a:r>
+            <a:br>
+              <a:rPr kumimoji="0" lang="ko-KR" altLang="ko-KR" sz="1100" b="0" i="0" u="none" strike="noStrike" cap="none" normalizeH="0" baseline="0" dirty="0">
+                <a:ln>
+                  <a:noFill/>
+                </a:ln>
+                <a:solidFill>
+                  <a:srgbClr val="BCBEC4"/>
+                </a:solidFill>
+                <a:effectLst/>
+                <a:latin typeface="Arial Unicode MS"/>
+                <a:ea typeface="JetBrains Mono"/>
+              </a:rPr>
+            </a:br>
+            <a:r>
+              <a:rPr kumimoji="0" lang="ko-KR" altLang="ko-KR" sz="1100" b="0" i="0" u="none" strike="noStrike" cap="none" normalizeH="0" baseline="0" dirty="0">
+                <a:ln>
+                  <a:noFill/>
+                </a:ln>
+                <a:solidFill>
+                  <a:srgbClr val="BCBEC4"/>
+                </a:solidFill>
+                <a:effectLst/>
+                <a:latin typeface="Arial Unicode MS"/>
+                <a:ea typeface="JetBrains Mono"/>
+              </a:rPr>
+              <a:t>    }</a:t>
+            </a:r>
+            <a:br>
+              <a:rPr kumimoji="0" lang="ko-KR" altLang="ko-KR" sz="1100" b="0" i="0" u="none" strike="noStrike" cap="none" normalizeH="0" baseline="0" dirty="0">
+                <a:ln>
+                  <a:noFill/>
+                </a:ln>
+                <a:solidFill>
+                  <a:srgbClr val="BCBEC4"/>
+                </a:solidFill>
+                <a:effectLst/>
+                <a:latin typeface="Arial Unicode MS"/>
+                <a:ea typeface="JetBrains Mono"/>
+              </a:rPr>
+            </a:br>
+            <a:r>
+              <a:rPr kumimoji="0" lang="ko-KR" altLang="ko-KR" sz="1100" b="0" i="0" u="none" strike="noStrike" cap="none" normalizeH="0" baseline="0" dirty="0">
+                <a:ln>
+                  <a:noFill/>
+                </a:ln>
+                <a:solidFill>
+                  <a:srgbClr val="BCBEC4"/>
+                </a:solidFill>
+                <a:effectLst/>
+                <a:latin typeface="Arial Unicode MS"/>
+                <a:ea typeface="JetBrains Mono"/>
+              </a:rPr>
+              <a:t>}</a:t>
+            </a:r>
+            <a:endParaRPr kumimoji="0" lang="ko-KR" altLang="ko-KR" sz="2800" b="0" i="0" u="none" strike="noStrike" cap="none" normalizeH="0" baseline="0" dirty="0">
+              <a:ln>
+                <a:noFill/>
+              </a:ln>
+              <a:solidFill>
+                <a:schemeClr val="tx1"/>
+              </a:solidFill>
+              <a:effectLst/>
+              <a:latin typeface="Arial" panose="020B0604020202020204" pitchFamily="34" charset="0"/>
+            </a:endParaRPr>
+          </a:p>
+        </p:txBody>
+      </p:sp>
+    </p:spTree>
+    <p:extLst>
+      <p:ext uri="{BB962C8B-B14F-4D97-AF65-F5344CB8AC3E}">
+        <p14:creationId xmlns:p14="http://schemas.microsoft.com/office/powerpoint/2010/main" val="289935569"/>
+      </p:ext>
+    </p:extLst>
+  </p:cSld>
+  <p:clrMapOvr>
+    <a:masterClrMapping/>
+  </p:clrMapOvr>
+</p:sld>
+</file>
+
+<file path=ppt/slides/slide33.xml><?xml version="1.0" encoding="utf-8"?>
+<p:sld xmlns:a="http://schemas.openxmlformats.org/drawingml/2006/main" xmlns:r="http://schemas.openxmlformats.org/officeDocument/2006/relationships" xmlns:p="http://schemas.openxmlformats.org/presentationml/2006/main">
+  <p:cSld>
+    <p:spTree>
+      <p:nvGrpSpPr>
+        <p:cNvPr id="1" name=""/>
+        <p:cNvGrpSpPr/>
+        <p:nvPr/>
+      </p:nvGrpSpPr>
+      <p:grpSpPr>
+        <a:xfrm>
+          <a:off x="0" y="0"/>
+          <a:ext cx="0" cy="0"/>
+          <a:chOff x="0" y="0"/>
+          <a:chExt cx="0" cy="0"/>
+        </a:xfrm>
+      </p:grpSpPr>
+      <p:sp>
+        <p:nvSpPr>
+          <p:cNvPr id="5" name="TextBox 4">
+            <a:extLst>
+              <a:ext uri="{FF2B5EF4-FFF2-40B4-BE49-F238E27FC236}">
+                <a16:creationId xmlns:a16="http://schemas.microsoft.com/office/drawing/2014/main" id="{A389414F-66B7-1262-7F78-D45BD7660CF6}"/>
+              </a:ext>
+            </a:extLst>
+          </p:cNvPr>
+          <p:cNvSpPr txBox="1"/>
+          <p:nvPr/>
+        </p:nvSpPr>
+        <p:spPr>
+          <a:xfrm>
+            <a:off x="135064" y="213267"/>
+            <a:ext cx="3518848" cy="646331"/>
+          </a:xfrm>
+          <a:prstGeom prst="rect">
+            <a:avLst/>
+          </a:prstGeom>
+          <a:solidFill>
+            <a:srgbClr val="1C3166"/>
+          </a:solidFill>
+          <a:ln>
+            <a:solidFill>
+              <a:schemeClr val="tx1"/>
+            </a:solidFill>
+          </a:ln>
+        </p:spPr>
+        <p:txBody>
+          <a:bodyPr wrap="none" rtlCol="0">
+            <a:spAutoFit/>
+          </a:bodyPr>
+          <a:lstStyle/>
+          <a:p>
+            <a:pPr algn="ctr"/>
+            <a:r>
+              <a:rPr lang="ko-KR" altLang="en-US" dirty="0">
+                <a:solidFill>
+                  <a:schemeClr val="bg1"/>
+                </a:solidFill>
+                <a:latin typeface="에스코어 드림 6 Bold" panose="020B0703030302020204" pitchFamily="34" charset="-127"/>
+                <a:ea typeface="에스코어 드림 6 Bold" panose="020B0703030302020204" pitchFamily="34" charset="-127"/>
+              </a:rPr>
+              <a:t>섹션</a:t>
+            </a:r>
+            <a:r>
+              <a:rPr lang="en-US" altLang="ko-KR" dirty="0">
+                <a:solidFill>
+                  <a:schemeClr val="bg1"/>
+                </a:solidFill>
+                <a:latin typeface="에스코어 드림 6 Bold" panose="020B0703030302020204" pitchFamily="34" charset="-127"/>
+                <a:ea typeface="에스코어 드림 6 Bold" panose="020B0703030302020204" pitchFamily="34" charset="-127"/>
+              </a:rPr>
+              <a:t>1-3</a:t>
+            </a:r>
+            <a:r>
+              <a:rPr lang="ko-KR" altLang="en-US" dirty="0">
+                <a:solidFill>
+                  <a:schemeClr val="bg1"/>
+                </a:solidFill>
+                <a:latin typeface="에스코어 드림 6 Bold" panose="020B0703030302020204" pitchFamily="34" charset="-127"/>
+                <a:ea typeface="에스코어 드림 6 Bold" panose="020B0703030302020204" pitchFamily="34" charset="-127"/>
+              </a:rPr>
+              <a:t>강</a:t>
+            </a:r>
+            <a:r>
+              <a:rPr lang="en-US" altLang="ko-KR" dirty="0">
+                <a:solidFill>
+                  <a:schemeClr val="bg1"/>
+                </a:solidFill>
+                <a:latin typeface="에스코어 드림 6 Bold" panose="020B0703030302020204" pitchFamily="34" charset="-127"/>
+                <a:ea typeface="에스코어 드림 6 Bold" panose="020B0703030302020204" pitchFamily="34" charset="-127"/>
+              </a:rPr>
+              <a:t>(5:00)</a:t>
+            </a:r>
+          </a:p>
+          <a:p>
+            <a:pPr algn="ctr"/>
+            <a:r>
+              <a:rPr lang="en-US" altLang="ko-KR" dirty="0" err="1">
+                <a:solidFill>
+                  <a:schemeClr val="bg1"/>
+                </a:solidFill>
+                <a:latin typeface="에스코어 드림 6 Bold" panose="020B0703030302020204" pitchFamily="34" charset="-127"/>
+                <a:ea typeface="에스코어 드림 6 Bold" panose="020B0703030302020204" pitchFamily="34" charset="-127"/>
+              </a:rPr>
+              <a:t>thymeleaf</a:t>
+            </a:r>
+            <a:r>
+              <a:rPr lang="en-US" altLang="ko-KR" dirty="0">
+                <a:solidFill>
+                  <a:schemeClr val="bg1"/>
+                </a:solidFill>
+                <a:latin typeface="에스코어 드림 6 Bold" panose="020B0703030302020204" pitchFamily="34" charset="-127"/>
+                <a:ea typeface="에스코어 드림 6 Bold" panose="020B0703030302020204" pitchFamily="34" charset="-127"/>
+              </a:rPr>
+              <a:t> </a:t>
+            </a:r>
+            <a:r>
+              <a:rPr lang="ko-KR" altLang="en-US" dirty="0">
+                <a:solidFill>
+                  <a:schemeClr val="bg1"/>
+                </a:solidFill>
+                <a:latin typeface="에스코어 드림 6 Bold" panose="020B0703030302020204" pitchFamily="34" charset="-127"/>
+                <a:ea typeface="에스코어 드림 6 Bold" panose="020B0703030302020204" pitchFamily="34" charset="-127"/>
+              </a:rPr>
+              <a:t>템플릿 엔진 사용하기</a:t>
+            </a:r>
+            <a:endParaRPr lang="en-US" altLang="ko-KR" dirty="0">
+              <a:solidFill>
+                <a:schemeClr val="bg1"/>
+              </a:solidFill>
+              <a:latin typeface="에스코어 드림 6 Bold" panose="020B0703030302020204" pitchFamily="34" charset="-127"/>
+              <a:ea typeface="에스코어 드림 6 Bold" panose="020B0703030302020204" pitchFamily="34" charset="-127"/>
+            </a:endParaRPr>
+          </a:p>
+        </p:txBody>
+      </p:sp>
+      <p:sp>
+        <p:nvSpPr>
+          <p:cNvPr id="3" name="TextBox 2">
+            <a:extLst>
+              <a:ext uri="{FF2B5EF4-FFF2-40B4-BE49-F238E27FC236}">
+                <a16:creationId xmlns:a16="http://schemas.microsoft.com/office/drawing/2014/main" id="{004D16C8-ECE0-C92F-0D24-A6EEBA55AEC5}"/>
+              </a:ext>
+            </a:extLst>
+          </p:cNvPr>
+          <p:cNvSpPr txBox="1"/>
+          <p:nvPr/>
+        </p:nvSpPr>
+        <p:spPr>
+          <a:xfrm>
+            <a:off x="135064" y="1099121"/>
+            <a:ext cx="8148256" cy="646331"/>
+          </a:xfrm>
+          <a:prstGeom prst="rect">
+            <a:avLst/>
+          </a:prstGeom>
+          <a:noFill/>
+          <a:ln>
+            <a:solidFill>
+              <a:schemeClr val="tx1"/>
+            </a:solidFill>
+          </a:ln>
+        </p:spPr>
+        <p:txBody>
+          <a:bodyPr wrap="none" rtlCol="0">
+            <a:spAutoFit/>
+          </a:bodyPr>
+          <a:lstStyle/>
+          <a:p>
+            <a:r>
+              <a:rPr lang="en-US" altLang="ko-KR" dirty="0"/>
+              <a:t>&lt;</a:t>
+            </a:r>
+            <a:r>
+              <a:rPr lang="ko-KR" altLang="en-US" dirty="0"/>
+              <a:t>진행</a:t>
+            </a:r>
+            <a:r>
+              <a:rPr lang="en-US" altLang="ko-KR" dirty="0"/>
+              <a:t>&gt;</a:t>
+            </a:r>
+          </a:p>
+          <a:p>
+            <a:pPr marL="342900" indent="-342900">
+              <a:buAutoNum type="arabicPeriod"/>
+            </a:pPr>
+            <a:r>
+              <a:rPr lang="en-US" altLang="ko-KR" dirty="0" err="1"/>
+              <a:t>thymeleaf</a:t>
+            </a:r>
+            <a:r>
+              <a:rPr lang="ko-KR" altLang="en-US" dirty="0"/>
+              <a:t>를 사용하기 위해 </a:t>
+            </a:r>
+            <a:r>
+              <a:rPr lang="en-US" altLang="ko-KR" dirty="0" err="1"/>
+              <a:t>thymeleaf</a:t>
+            </a:r>
+            <a:r>
+              <a:rPr lang="ko-KR" altLang="en-US" dirty="0"/>
+              <a:t>폴더에 </a:t>
+            </a:r>
+            <a:r>
+              <a:rPr lang="en-US" altLang="ko-KR" dirty="0"/>
+              <a:t>hello.html</a:t>
+            </a:r>
+            <a:r>
+              <a:rPr lang="ko-KR" altLang="en-US" dirty="0"/>
+              <a:t>파일을 추가합니다</a:t>
+            </a:r>
+            <a:r>
+              <a:rPr lang="en-US" altLang="ko-KR" dirty="0"/>
+              <a:t>.</a:t>
+            </a:r>
+            <a:endParaRPr lang="ko-KR" altLang="en-US" dirty="0"/>
+          </a:p>
+        </p:txBody>
+      </p:sp>
+      <p:grpSp>
+        <p:nvGrpSpPr>
+          <p:cNvPr id="8" name="그룹 7">
+            <a:extLst>
+              <a:ext uri="{FF2B5EF4-FFF2-40B4-BE49-F238E27FC236}">
+                <a16:creationId xmlns:a16="http://schemas.microsoft.com/office/drawing/2014/main" id="{1FE6F8B2-969B-1A26-18C5-7155F9E99925}"/>
+              </a:ext>
+            </a:extLst>
+          </p:cNvPr>
+          <p:cNvGrpSpPr/>
+          <p:nvPr/>
+        </p:nvGrpSpPr>
+        <p:grpSpPr>
+          <a:xfrm>
+            <a:off x="135064" y="2750032"/>
+            <a:ext cx="3111660" cy="2571882"/>
+            <a:chOff x="338658" y="3033811"/>
+            <a:chExt cx="3111660" cy="2571882"/>
+          </a:xfrm>
+        </p:grpSpPr>
+        <p:pic>
+          <p:nvPicPr>
+            <p:cNvPr id="6" name="그림 5">
+              <a:extLst>
+                <a:ext uri="{FF2B5EF4-FFF2-40B4-BE49-F238E27FC236}">
+                  <a16:creationId xmlns:a16="http://schemas.microsoft.com/office/drawing/2014/main" id="{D10A0393-7970-6159-62BC-458815C67900}"/>
+                </a:ext>
+              </a:extLst>
+            </p:cNvPr>
+            <p:cNvPicPr>
+              <a:picLocks noChangeAspect="1"/>
+            </p:cNvPicPr>
+            <p:nvPr/>
+          </p:nvPicPr>
+          <p:blipFill>
+            <a:blip r:embed="rId2"/>
+            <a:stretch>
+              <a:fillRect/>
+            </a:stretch>
+          </p:blipFill>
+          <p:spPr>
+            <a:xfrm>
+              <a:off x="338658" y="3033811"/>
+              <a:ext cx="3111660" cy="2571882"/>
+            </a:xfrm>
+            <a:prstGeom prst="rect">
+              <a:avLst/>
+            </a:prstGeom>
+          </p:spPr>
+        </p:pic>
+        <p:sp>
+          <p:nvSpPr>
+            <p:cNvPr id="7" name="직사각형 6">
+              <a:extLst>
+                <a:ext uri="{FF2B5EF4-FFF2-40B4-BE49-F238E27FC236}">
+                  <a16:creationId xmlns:a16="http://schemas.microsoft.com/office/drawing/2014/main" id="{F5968C4E-6278-E008-B8D5-28E9AA9F2A1C}"/>
+                </a:ext>
+              </a:extLst>
+            </p:cNvPr>
+            <p:cNvSpPr/>
+            <p:nvPr/>
+          </p:nvSpPr>
+          <p:spPr>
+            <a:xfrm>
+              <a:off x="1064171" y="4863661"/>
+              <a:ext cx="1426782" cy="520263"/>
+            </a:xfrm>
+            <a:prstGeom prst="rect">
+              <a:avLst/>
+            </a:prstGeom>
+            <a:noFill/>
+            <a:ln w="38100">
+              <a:solidFill>
+                <a:srgbClr val="FF0000"/>
+              </a:solidFill>
+            </a:ln>
+          </p:spPr>
+          <p:style>
+            <a:lnRef idx="2">
+              <a:schemeClr val="accent1">
+                <a:shade val="15000"/>
+              </a:schemeClr>
+            </a:lnRef>
+            <a:fillRef idx="1">
+              <a:schemeClr val="accent1"/>
+            </a:fillRef>
+            <a:effectRef idx="0">
+              <a:schemeClr val="accent1"/>
+            </a:effectRef>
+            <a:fontRef idx="minor">
+              <a:schemeClr val="lt1"/>
+            </a:fontRef>
+          </p:style>
+          <p:txBody>
+            <a:bodyPr rtlCol="0" anchor="ctr"/>
+            <a:lstStyle/>
+            <a:p>
+              <a:pPr algn="ctr"/>
+              <a:endParaRPr lang="ko-KR" altLang="en-US"/>
+            </a:p>
+          </p:txBody>
+        </p:sp>
+      </p:grpSp>
+    </p:spTree>
+    <p:extLst>
+      <p:ext uri="{BB962C8B-B14F-4D97-AF65-F5344CB8AC3E}">
+        <p14:creationId xmlns:p14="http://schemas.microsoft.com/office/powerpoint/2010/main" val="4069699940"/>
       </p:ext>
     </p:extLst>
   </p:cSld>
